--- a/Documentation/JwtAuth-App-Architecture.pptx
+++ b/Documentation/JwtAuth-App-Architecture.pptx
@@ -1235,48 +1235,15 @@
         <a:p>
           <a:r>
             <a:rPr lang="en-US" dirty="0"/>
-            <a:t>http client that calls the </a:t>
+            <a:t>http data client that calls the </a:t>
           </a:r>
           <a:r>
             <a:rPr lang="en-US" dirty="0" err="1"/>
             <a:t>api</a:t>
           </a:r>
-          <a:endParaRPr lang="en-US" dirty="0"/>
-        </a:p>
-      </dgm:t>
-    </dgm:pt>
-    <dgm:pt modelId="{17355875-5B6E-4C7D-B3E1-42ED756CAD95}" type="parTrans" cxnId="{A38E5634-777B-4BB2-91AA-C816635C48AD}">
-      <dgm:prSet/>
-      <dgm:spPr/>
-      <dgm:t>
-        <a:bodyPr/>
-        <a:lstStyle/>
-        <a:p>
-          <a:endParaRPr lang="en-US"/>
-        </a:p>
-      </dgm:t>
-    </dgm:pt>
-    <dgm:pt modelId="{1580C38B-2093-430C-B337-AA985411AFDF}" type="sibTrans" cxnId="{A38E5634-777B-4BB2-91AA-C816635C48AD}">
-      <dgm:prSet/>
-      <dgm:spPr/>
-      <dgm:t>
-        <a:bodyPr/>
-        <a:lstStyle/>
-        <a:p>
-          <a:endParaRPr lang="en-US"/>
-        </a:p>
-      </dgm:t>
-    </dgm:pt>
-    <dgm:pt modelId="{9B1D44EB-4903-457D-BBF4-CDFBCC5CC9E4}">
-      <dgm:prSet phldrT="[Text]"/>
-      <dgm:spPr/>
-      <dgm:t>
-        <a:bodyPr/>
-        <a:lstStyle/>
-        <a:p>
           <a:r>
             <a:rPr lang="en-US" dirty="0"/>
-            <a:t>uses the data client to present/submit data, </a:t>
+            <a:t>, </a:t>
           </a:r>
           <a:r>
             <a:rPr lang="en-US" dirty="0" err="1"/>
@@ -1285,6 +1252,42 @@
           <a:r>
             <a:rPr lang="en-US" dirty="0"/>
             <a:t> and validation</a:t>
+          </a:r>
+        </a:p>
+      </dgm:t>
+    </dgm:pt>
+    <dgm:pt modelId="{17355875-5B6E-4C7D-B3E1-42ED756CAD95}" type="parTrans" cxnId="{A38E5634-777B-4BB2-91AA-C816635C48AD}">
+      <dgm:prSet/>
+      <dgm:spPr/>
+      <dgm:t>
+        <a:bodyPr/>
+        <a:lstStyle/>
+        <a:p>
+          <a:endParaRPr lang="en-US"/>
+        </a:p>
+      </dgm:t>
+    </dgm:pt>
+    <dgm:pt modelId="{1580C38B-2093-430C-B337-AA985411AFDF}" type="sibTrans" cxnId="{A38E5634-777B-4BB2-91AA-C816635C48AD}">
+      <dgm:prSet/>
+      <dgm:spPr/>
+      <dgm:t>
+        <a:bodyPr/>
+        <a:lstStyle/>
+        <a:p>
+          <a:endParaRPr lang="en-US"/>
+        </a:p>
+      </dgm:t>
+    </dgm:pt>
+    <dgm:pt modelId="{9B1D44EB-4903-457D-BBF4-CDFBCC5CC9E4}">
+      <dgm:prSet phldrT="[Text]"/>
+      <dgm:spPr/>
+      <dgm:t>
+        <a:bodyPr/>
+        <a:lstStyle/>
+        <a:p>
+          <a:r>
+            <a:rPr lang="en-US" dirty="0"/>
+            <a:t>uses the data client to present/submit data</a:t>
           </a:r>
         </a:p>
       </dgm:t>
@@ -4022,13 +4025,24 @@
           </a:pPr>
           <a:r>
             <a:rPr lang="en-US" sz="1200" kern="1200" dirty="0"/>
-            <a:t>http client that calls the </a:t>
+            <a:t>http data client that calls the </a:t>
           </a:r>
           <a:r>
             <a:rPr lang="en-US" sz="1200" kern="1200" dirty="0" err="1"/>
             <a:t>api</a:t>
           </a:r>
-          <a:endParaRPr lang="en-US" sz="1200" kern="1200" dirty="0"/>
+          <a:r>
+            <a:rPr lang="en-US" sz="1200" kern="1200" dirty="0"/>
+            <a:t>, </a:t>
+          </a:r>
+          <a:r>
+            <a:rPr lang="en-US" sz="1200" kern="1200" dirty="0" err="1"/>
+            <a:t>dtos</a:t>
+          </a:r>
+          <a:r>
+            <a:rPr lang="en-US" sz="1200" kern="1200" dirty="0"/>
+            <a:t> and validation</a:t>
+          </a:r>
         </a:p>
       </dsp:txBody>
       <dsp:txXfrm>
@@ -4184,15 +4198,7 @@
           </a:pPr>
           <a:r>
             <a:rPr lang="en-US" sz="1200" kern="1200" dirty="0"/>
-            <a:t>uses the data client to present/submit data, </a:t>
-          </a:r>
-          <a:r>
-            <a:rPr lang="en-US" sz="1200" kern="1200" dirty="0" err="1"/>
-            <a:t>dtos</a:t>
-          </a:r>
-          <a:r>
-            <a:rPr lang="en-US" sz="1200" kern="1200" dirty="0"/>
-            <a:t> and validation</a:t>
+            <a:t>uses the data client to present/submit data</a:t>
           </a:r>
         </a:p>
       </dsp:txBody>
@@ -5722,7 +5728,7 @@
           <a:p>
             <a:fld id="{980049F9-8EFC-4863-86F7-72BC36B8E609}" type="datetimeFigureOut">
               <a:rPr lang="en-US" smtClean="0"/>
-              <a:t>7/28/2024</a:t>
+              <a:t>8/1/2024</a:t>
             </a:fld>
             <a:endParaRPr lang="en-US"/>
           </a:p>
@@ -6259,7 +6265,7 @@
           <a:p>
             <a:fld id="{4FC46689-75B8-49E9-97DA-7D3AD4C6B7F6}" type="datetimeFigureOut">
               <a:rPr lang="en-US" smtClean="0"/>
-              <a:t>7/28/2024</a:t>
+              <a:t>8/1/2024</a:t>
             </a:fld>
             <a:endParaRPr lang="en-US"/>
           </a:p>
@@ -6457,7 +6463,7 @@
           <a:p>
             <a:fld id="{4FC46689-75B8-49E9-97DA-7D3AD4C6B7F6}" type="datetimeFigureOut">
               <a:rPr lang="en-US" smtClean="0"/>
-              <a:t>7/28/2024</a:t>
+              <a:t>8/1/2024</a:t>
             </a:fld>
             <a:endParaRPr lang="en-US"/>
           </a:p>
@@ -6665,7 +6671,7 @@
           <a:p>
             <a:fld id="{4FC46689-75B8-49E9-97DA-7D3AD4C6B7F6}" type="datetimeFigureOut">
               <a:rPr lang="en-US" smtClean="0"/>
-              <a:t>7/28/2024</a:t>
+              <a:t>8/1/2024</a:t>
             </a:fld>
             <a:endParaRPr lang="en-US"/>
           </a:p>
@@ -6863,7 +6869,7 @@
           <a:p>
             <a:fld id="{4FC46689-75B8-49E9-97DA-7D3AD4C6B7F6}" type="datetimeFigureOut">
               <a:rPr lang="en-US" smtClean="0"/>
-              <a:t>7/28/2024</a:t>
+              <a:t>8/1/2024</a:t>
             </a:fld>
             <a:endParaRPr lang="en-US"/>
           </a:p>
@@ -7138,7 +7144,7 @@
           <a:p>
             <a:fld id="{4FC46689-75B8-49E9-97DA-7D3AD4C6B7F6}" type="datetimeFigureOut">
               <a:rPr lang="en-US" smtClean="0"/>
-              <a:t>7/28/2024</a:t>
+              <a:t>8/1/2024</a:t>
             </a:fld>
             <a:endParaRPr lang="en-US"/>
           </a:p>
@@ -7403,7 +7409,7 @@
           <a:p>
             <a:fld id="{4FC46689-75B8-49E9-97DA-7D3AD4C6B7F6}" type="datetimeFigureOut">
               <a:rPr lang="en-US" smtClean="0"/>
-              <a:t>7/28/2024</a:t>
+              <a:t>8/1/2024</a:t>
             </a:fld>
             <a:endParaRPr lang="en-US"/>
           </a:p>
@@ -7815,7 +7821,7 @@
           <a:p>
             <a:fld id="{4FC46689-75B8-49E9-97DA-7D3AD4C6B7F6}" type="datetimeFigureOut">
               <a:rPr lang="en-US" smtClean="0"/>
-              <a:t>7/28/2024</a:t>
+              <a:t>8/1/2024</a:t>
             </a:fld>
             <a:endParaRPr lang="en-US"/>
           </a:p>
@@ -7956,7 +7962,7 @@
           <a:p>
             <a:fld id="{4FC46689-75B8-49E9-97DA-7D3AD4C6B7F6}" type="datetimeFigureOut">
               <a:rPr lang="en-US" smtClean="0"/>
-              <a:t>7/28/2024</a:t>
+              <a:t>8/1/2024</a:t>
             </a:fld>
             <a:endParaRPr lang="en-US"/>
           </a:p>
@@ -8069,7 +8075,7 @@
           <a:p>
             <a:fld id="{4FC46689-75B8-49E9-97DA-7D3AD4C6B7F6}" type="datetimeFigureOut">
               <a:rPr lang="en-US" smtClean="0"/>
-              <a:t>7/28/2024</a:t>
+              <a:t>8/1/2024</a:t>
             </a:fld>
             <a:endParaRPr lang="en-US"/>
           </a:p>
@@ -8380,7 +8386,7 @@
           <a:p>
             <a:fld id="{4FC46689-75B8-49E9-97DA-7D3AD4C6B7F6}" type="datetimeFigureOut">
               <a:rPr lang="en-US" smtClean="0"/>
-              <a:t>7/28/2024</a:t>
+              <a:t>8/1/2024</a:t>
             </a:fld>
             <a:endParaRPr lang="en-US"/>
           </a:p>
@@ -8668,7 +8674,7 @@
           <a:p>
             <a:fld id="{4FC46689-75B8-49E9-97DA-7D3AD4C6B7F6}" type="datetimeFigureOut">
               <a:rPr lang="en-US" smtClean="0"/>
-              <a:t>7/28/2024</a:t>
+              <a:t>8/1/2024</a:t>
             </a:fld>
             <a:endParaRPr lang="en-US"/>
           </a:p>
@@ -8909,7 +8915,7 @@
           <a:p>
             <a:fld id="{4FC46689-75B8-49E9-97DA-7D3AD4C6B7F6}" type="datetimeFigureOut">
               <a:rPr lang="en-US" smtClean="0"/>
-              <a:t>7/28/2024</a:t>
+              <a:t>8/1/2024</a:t>
             </a:fld>
             <a:endParaRPr lang="en-US"/>
           </a:p>
@@ -9339,7 +9345,7 @@
           <p:nvPr>
             <p:extLst>
               <p:ext uri="{D42A27DB-BD31-4B8C-83A1-F6EECF244321}">
-                <p14:modId xmlns:p14="http://schemas.microsoft.com/office/powerpoint/2010/main" val="2976349076"/>
+                <p14:modId xmlns:p14="http://schemas.microsoft.com/office/powerpoint/2010/main" val="2640406438"/>
               </p:ext>
             </p:extLst>
           </p:nvPr>

--- a/Documentation/JwtAuth-App-Architecture.pptx
+++ b/Documentation/JwtAuth-App-Architecture.pptx
@@ -1010,7 +1010,507 @@
         </a:p>
       </dgm:t>
     </dgm:pt>
-    <dgm:pt modelId="{755A4DFB-DCDF-4B61-8419-48FB22465406}">
+    <dgm:pt modelId="{D89041CE-9D08-49E8-B289-B24DD9F166C2}">
+      <dgm:prSet phldrT="[Text]"/>
+      <dgm:spPr/>
+      <dgm:t>
+        <a:bodyPr/>
+        <a:lstStyle/>
+        <a:p>
+          <a:r>
+            <a:rPr lang="en-US" dirty="0" err="1"/>
+            <a:t>JwtAuth.DataClient</a:t>
+          </a:r>
+          <a:endParaRPr lang="en-US" dirty="0"/>
+        </a:p>
+        <a:p>
+          <a:r>
+            <a:rPr lang="en-US" dirty="0"/>
+            <a:t>(class library)</a:t>
+          </a:r>
+        </a:p>
+      </dgm:t>
+    </dgm:pt>
+    <dgm:pt modelId="{F35932A2-9AC6-40A2-8CBC-3D1ACA004358}" type="parTrans" cxnId="{458BA0B4-3827-4C4A-B474-E85D8E92FF5B}">
+      <dgm:prSet/>
+      <dgm:spPr/>
+      <dgm:t>
+        <a:bodyPr/>
+        <a:lstStyle/>
+        <a:p>
+          <a:endParaRPr lang="en-US"/>
+        </a:p>
+      </dgm:t>
+    </dgm:pt>
+    <dgm:pt modelId="{6F40A53C-657A-4C57-81E7-CE39975130A6}" type="sibTrans" cxnId="{458BA0B4-3827-4C4A-B474-E85D8E92FF5B}">
+      <dgm:prSet/>
+      <dgm:spPr/>
+      <dgm:t>
+        <a:bodyPr/>
+        <a:lstStyle/>
+        <a:p>
+          <a:endParaRPr lang="en-US"/>
+        </a:p>
+      </dgm:t>
+    </dgm:pt>
+    <dgm:pt modelId="{ED11CC77-26CC-4CB5-9167-4943918C7629}">
+      <dgm:prSet phldrT="[Text]"/>
+      <dgm:spPr/>
+      <dgm:t>
+        <a:bodyPr/>
+        <a:lstStyle/>
+        <a:p>
+          <a:r>
+            <a:rPr lang="en-US" dirty="0" err="1"/>
+            <a:t>JwtAuth.MAUI</a:t>
+          </a:r>
+          <a:endParaRPr lang="en-US" dirty="0"/>
+        </a:p>
+      </dgm:t>
+    </dgm:pt>
+    <dgm:pt modelId="{5C97324A-529B-4D70-985D-E41E53B4E792}" type="parTrans" cxnId="{9C45D58B-1B4C-4BAB-9798-A2FA235F65FC}">
+      <dgm:prSet/>
+      <dgm:spPr/>
+      <dgm:t>
+        <a:bodyPr/>
+        <a:lstStyle/>
+        <a:p>
+          <a:endParaRPr lang="en-US"/>
+        </a:p>
+      </dgm:t>
+    </dgm:pt>
+    <dgm:pt modelId="{434C6367-DD32-45B5-950F-07B461CBC3E8}" type="sibTrans" cxnId="{9C45D58B-1B4C-4BAB-9798-A2FA235F65FC}">
+      <dgm:prSet/>
+      <dgm:spPr/>
+      <dgm:t>
+        <a:bodyPr/>
+        <a:lstStyle/>
+        <a:p>
+          <a:endParaRPr lang="en-US"/>
+        </a:p>
+      </dgm:t>
+    </dgm:pt>
+    <dgm:pt modelId="{433C311F-D93A-429B-87F5-9E0A48564791}">
+      <dgm:prSet phldrT="[Text]"/>
+      <dgm:spPr/>
+      <dgm:t>
+        <a:bodyPr/>
+        <a:lstStyle/>
+        <a:p>
+          <a:r>
+            <a:rPr lang="en-US" dirty="0"/>
+            <a:t>web application, EF db context and entities, </a:t>
+          </a:r>
+          <a:r>
+            <a:rPr lang="en-US" dirty="0" err="1"/>
+            <a:t>api</a:t>
+          </a:r>
+          <a:r>
+            <a:rPr lang="en-US" dirty="0"/>
+            <a:t> endpoints</a:t>
+          </a:r>
+        </a:p>
+      </dgm:t>
+    </dgm:pt>
+    <dgm:pt modelId="{F6E343EC-0D9E-42F0-8AE2-C08514F10EE7}" type="parTrans" cxnId="{51DC5708-7AE2-4B8E-8023-5C75CF36C22E}">
+      <dgm:prSet/>
+      <dgm:spPr/>
+      <dgm:t>
+        <a:bodyPr/>
+        <a:lstStyle/>
+        <a:p>
+          <a:endParaRPr lang="en-US"/>
+        </a:p>
+      </dgm:t>
+    </dgm:pt>
+    <dgm:pt modelId="{66DB08DA-91E4-4025-A316-94E42F9EA53C}" type="sibTrans" cxnId="{51DC5708-7AE2-4B8E-8023-5C75CF36C22E}">
+      <dgm:prSet/>
+      <dgm:spPr/>
+      <dgm:t>
+        <a:bodyPr/>
+        <a:lstStyle/>
+        <a:p>
+          <a:endParaRPr lang="en-US"/>
+        </a:p>
+      </dgm:t>
+    </dgm:pt>
+    <dgm:pt modelId="{A2845E8F-B2CE-41E0-96FE-96FAF762D7C0}">
+      <dgm:prSet phldrT="[Text]"/>
+      <dgm:spPr/>
+      <dgm:t>
+        <a:bodyPr/>
+        <a:lstStyle/>
+        <a:p>
+          <a:r>
+            <a:rPr lang="en-US" dirty="0"/>
+            <a:t>http data client that calls the </a:t>
+          </a:r>
+          <a:r>
+            <a:rPr lang="en-US" dirty="0" err="1"/>
+            <a:t>api</a:t>
+          </a:r>
+          <a:endParaRPr lang="en-US" dirty="0"/>
+        </a:p>
+      </dgm:t>
+    </dgm:pt>
+    <dgm:pt modelId="{17355875-5B6E-4C7D-B3E1-42ED756CAD95}" type="parTrans" cxnId="{A38E5634-777B-4BB2-91AA-C816635C48AD}">
+      <dgm:prSet/>
+      <dgm:spPr/>
+      <dgm:t>
+        <a:bodyPr/>
+        <a:lstStyle/>
+        <a:p>
+          <a:endParaRPr lang="en-US"/>
+        </a:p>
+      </dgm:t>
+    </dgm:pt>
+    <dgm:pt modelId="{1580C38B-2093-430C-B337-AA985411AFDF}" type="sibTrans" cxnId="{A38E5634-777B-4BB2-91AA-C816635C48AD}">
+      <dgm:prSet/>
+      <dgm:spPr/>
+      <dgm:t>
+        <a:bodyPr/>
+        <a:lstStyle/>
+        <a:p>
+          <a:endParaRPr lang="en-US"/>
+        </a:p>
+      </dgm:t>
+    </dgm:pt>
+    <dgm:pt modelId="{9B1D44EB-4903-457D-BBF4-CDFBCC5CC9E4}">
+      <dgm:prSet phldrT="[Text]"/>
+      <dgm:spPr/>
+      <dgm:t>
+        <a:bodyPr/>
+        <a:lstStyle/>
+        <a:p>
+          <a:r>
+            <a:rPr lang="en-US" dirty="0"/>
+            <a:t>uses the data client to present/submit data</a:t>
+          </a:r>
+        </a:p>
+      </dgm:t>
+    </dgm:pt>
+    <dgm:pt modelId="{C7046F64-72B1-4A29-A04F-82A22BE1BFCA}" type="parTrans" cxnId="{24D31EEC-FA7C-4EA9-91C2-4C54ABFB963D}">
+      <dgm:prSet/>
+      <dgm:spPr/>
+      <dgm:t>
+        <a:bodyPr/>
+        <a:lstStyle/>
+        <a:p>
+          <a:endParaRPr lang="en-US"/>
+        </a:p>
+      </dgm:t>
+    </dgm:pt>
+    <dgm:pt modelId="{3573F71A-E2ED-42C4-A80A-DFBB48FF76EE}" type="sibTrans" cxnId="{24D31EEC-FA7C-4EA9-91C2-4C54ABFB963D}">
+      <dgm:prSet/>
+      <dgm:spPr/>
+      <dgm:t>
+        <a:bodyPr/>
+        <a:lstStyle/>
+        <a:p>
+          <a:endParaRPr lang="en-US"/>
+        </a:p>
+      </dgm:t>
+    </dgm:pt>
+    <dgm:pt modelId="{A64442FC-75E2-4942-BF84-190EA8976B26}">
+      <dgm:prSet phldrT="[Text]"/>
+      <dgm:spPr/>
+      <dgm:t>
+        <a:bodyPr/>
+        <a:lstStyle/>
+        <a:p>
+          <a:r>
+            <a:rPr lang="en-US" dirty="0"/>
+            <a:t>has dependency on the user security project, and on the core project</a:t>
+          </a:r>
+        </a:p>
+      </dgm:t>
+    </dgm:pt>
+    <dgm:pt modelId="{E23F4192-BD3E-4932-B9D1-66AF2E229012}" type="parTrans" cxnId="{46E96553-37A3-4B5A-9008-613E2FA4765F}">
+      <dgm:prSet/>
+      <dgm:spPr/>
+      <dgm:t>
+        <a:bodyPr/>
+        <a:lstStyle/>
+        <a:p>
+          <a:endParaRPr lang="en-US"/>
+        </a:p>
+      </dgm:t>
+    </dgm:pt>
+    <dgm:pt modelId="{7EF02CA6-4371-4C9C-8B85-491C2B757EAD}" type="sibTrans" cxnId="{46E96553-37A3-4B5A-9008-613E2FA4765F}">
+      <dgm:prSet/>
+      <dgm:spPr/>
+      <dgm:t>
+        <a:bodyPr/>
+        <a:lstStyle/>
+        <a:p>
+          <a:endParaRPr lang="en-US"/>
+        </a:p>
+      </dgm:t>
+    </dgm:pt>
+    <dgm:pt modelId="{01A9DDFE-BFA8-4C07-B171-93814A12B42B}">
+      <dgm:prSet phldrT="[Text]"/>
+      <dgm:spPr/>
+      <dgm:t>
+        <a:bodyPr/>
+        <a:lstStyle/>
+        <a:p>
+          <a:r>
+            <a:rPr lang="en-US" dirty="0"/>
+            <a:t>has dependency on the data client project, and on the core project</a:t>
+          </a:r>
+        </a:p>
+      </dgm:t>
+    </dgm:pt>
+    <dgm:pt modelId="{BA6FDE82-8018-4EC7-A16C-F7ABC6343C25}" type="parTrans" cxnId="{1B190445-076B-46C6-8F79-1A0DF828DDFC}">
+      <dgm:prSet/>
+      <dgm:spPr/>
+      <dgm:t>
+        <a:bodyPr/>
+        <a:lstStyle/>
+        <a:p>
+          <a:endParaRPr lang="en-US"/>
+        </a:p>
+      </dgm:t>
+    </dgm:pt>
+    <dgm:pt modelId="{F8D73121-0947-4F02-88FC-20554D73E107}" type="sibTrans" cxnId="{1B190445-076B-46C6-8F79-1A0DF828DDFC}">
+      <dgm:prSet/>
+      <dgm:spPr/>
+      <dgm:t>
+        <a:bodyPr/>
+        <a:lstStyle/>
+        <a:p>
+          <a:endParaRPr lang="en-US"/>
+        </a:p>
+      </dgm:t>
+    </dgm:pt>
+    <dgm:pt modelId="{4F56EA59-E6CD-4CE3-81D3-F0CE1FE06B7A}">
+      <dgm:prSet phldrT="[Text]"/>
+      <dgm:spPr/>
+      <dgm:t>
+        <a:bodyPr/>
+        <a:lstStyle/>
+        <a:p>
+          <a:r>
+            <a:rPr lang="en-US" dirty="0"/>
+            <a:t>Back end</a:t>
+          </a:r>
+        </a:p>
+      </dgm:t>
+    </dgm:pt>
+    <dgm:pt modelId="{DAF193AD-46D2-40DA-9FFD-BEF7285CB72B}" type="parTrans" cxnId="{67647154-0B61-42BE-B6A0-BEFA8C9F9F7A}">
+      <dgm:prSet/>
+      <dgm:spPr/>
+      <dgm:t>
+        <a:bodyPr/>
+        <a:lstStyle/>
+        <a:p>
+          <a:endParaRPr lang="en-US"/>
+        </a:p>
+      </dgm:t>
+    </dgm:pt>
+    <dgm:pt modelId="{05B21B7A-87E4-48E8-BE77-7D6F0A75E1EF}" type="sibTrans" cxnId="{67647154-0B61-42BE-B6A0-BEFA8C9F9F7A}">
+      <dgm:prSet/>
+      <dgm:spPr/>
+      <dgm:t>
+        <a:bodyPr/>
+        <a:lstStyle/>
+        <a:p>
+          <a:endParaRPr lang="en-US"/>
+        </a:p>
+      </dgm:t>
+    </dgm:pt>
+    <dgm:pt modelId="{F8CE6DBD-3E24-4F4C-BA75-3E428011050F}">
+      <dgm:prSet phldrT="[Text]"/>
+      <dgm:spPr/>
+      <dgm:t>
+        <a:bodyPr/>
+        <a:lstStyle/>
+        <a:p>
+          <a:r>
+            <a:rPr lang="en-US" dirty="0"/>
+            <a:t>Front end</a:t>
+          </a:r>
+        </a:p>
+      </dgm:t>
+    </dgm:pt>
+    <dgm:pt modelId="{9A606830-BC38-4497-B25D-A3F0F8BFC77B}" type="parTrans" cxnId="{4C8D3DE6-F642-4680-8CBC-F6ED4C11330D}">
+      <dgm:prSet/>
+      <dgm:spPr/>
+      <dgm:t>
+        <a:bodyPr/>
+        <a:lstStyle/>
+        <a:p>
+          <a:endParaRPr lang="en-US"/>
+        </a:p>
+      </dgm:t>
+    </dgm:pt>
+    <dgm:pt modelId="{60E2AC8E-C1D6-4BB5-A655-E3A4CCEF2FEE}" type="sibTrans" cxnId="{4C8D3DE6-F642-4680-8CBC-F6ED4C11330D}">
+      <dgm:prSet/>
+      <dgm:spPr/>
+      <dgm:t>
+        <a:bodyPr/>
+        <a:lstStyle/>
+        <a:p>
+          <a:endParaRPr lang="en-US"/>
+        </a:p>
+      </dgm:t>
+    </dgm:pt>
+    <dgm:pt modelId="{19BF28C0-A947-4575-B8A0-51F90716FF41}">
+      <dgm:prSet phldrT="[Text]"/>
+      <dgm:spPr/>
+      <dgm:t>
+        <a:bodyPr/>
+        <a:lstStyle/>
+        <a:p>
+          <a:r>
+            <a:rPr lang="en-US" dirty="0"/>
+            <a:t>SQL server database</a:t>
+          </a:r>
+        </a:p>
+      </dgm:t>
+    </dgm:pt>
+    <dgm:pt modelId="{C005DB52-0165-4473-B0D5-2A15F068D348}" type="parTrans" cxnId="{030F29B3-2F15-4021-BACE-2E28F534BB47}">
+      <dgm:prSet/>
+      <dgm:spPr/>
+      <dgm:t>
+        <a:bodyPr/>
+        <a:lstStyle/>
+        <a:p>
+          <a:endParaRPr lang="en-US"/>
+        </a:p>
+      </dgm:t>
+    </dgm:pt>
+    <dgm:pt modelId="{F2E7E090-70AF-42DA-AE23-BDDA6DDC2B42}" type="sibTrans" cxnId="{030F29B3-2F15-4021-BACE-2E28F534BB47}">
+      <dgm:prSet/>
+      <dgm:spPr/>
+      <dgm:t>
+        <a:bodyPr/>
+        <a:lstStyle/>
+        <a:p>
+          <a:endParaRPr lang="en-US"/>
+        </a:p>
+      </dgm:t>
+    </dgm:pt>
+    <dgm:pt modelId="{360D5A7D-749B-45A5-9EDD-8628C205FC62}">
+      <dgm:prSet phldrT="[Text]"/>
+      <dgm:spPr/>
+      <dgm:t>
+        <a:bodyPr/>
+        <a:lstStyle/>
+        <a:p>
+          <a:r>
+            <a:rPr lang="en-US" dirty="0"/>
+            <a:t>Middleware</a:t>
+          </a:r>
+        </a:p>
+      </dgm:t>
+    </dgm:pt>
+    <dgm:pt modelId="{96B0B7C1-96CE-4860-9319-2BF6BB6E8B5C}" type="parTrans" cxnId="{0EAC7ADF-A3FF-4AA2-B5EA-B7E373AA9520}">
+      <dgm:prSet/>
+      <dgm:spPr/>
+      <dgm:t>
+        <a:bodyPr/>
+        <a:lstStyle/>
+        <a:p>
+          <a:endParaRPr lang="en-US"/>
+        </a:p>
+      </dgm:t>
+    </dgm:pt>
+    <dgm:pt modelId="{0B38A4B4-A880-458C-8338-5C9B061F1180}" type="sibTrans" cxnId="{0EAC7ADF-A3FF-4AA2-B5EA-B7E373AA9520}">
+      <dgm:prSet/>
+      <dgm:spPr/>
+      <dgm:t>
+        <a:bodyPr/>
+        <a:lstStyle/>
+        <a:p>
+          <a:endParaRPr lang="en-US"/>
+        </a:p>
+      </dgm:t>
+    </dgm:pt>
+    <dgm:pt modelId="{13E5AD71-0362-49A8-9CEE-E7D8968D376F}">
+      <dgm:prSet phldrT="[Text]"/>
+      <dgm:spPr/>
+      <dgm:t>
+        <a:bodyPr/>
+        <a:lstStyle/>
+        <a:p>
+          <a:r>
+            <a:rPr lang="en-US" dirty="0" err="1"/>
+            <a:t>JwtAuth.Core</a:t>
+          </a:r>
+          <a:endParaRPr lang="en-US" dirty="0"/>
+        </a:p>
+        <a:p>
+          <a:r>
+            <a:rPr lang="en-US" dirty="0"/>
+            <a:t>(class library</a:t>
+          </a:r>
+        </a:p>
+      </dgm:t>
+    </dgm:pt>
+    <dgm:pt modelId="{AF86FB67-211B-4A76-A550-44B644199B91}" type="parTrans" cxnId="{183EBE61-F218-4005-91E8-08C724EF20B6}">
+      <dgm:prSet/>
+      <dgm:spPr/>
+      <dgm:t>
+        <a:bodyPr/>
+        <a:lstStyle/>
+        <a:p>
+          <a:endParaRPr lang="en-US"/>
+        </a:p>
+      </dgm:t>
+    </dgm:pt>
+    <dgm:pt modelId="{592BBFAC-45C4-4812-9DC8-2DFA2B1C0592}" type="sibTrans" cxnId="{183EBE61-F218-4005-91E8-08C724EF20B6}">
+      <dgm:prSet/>
+      <dgm:spPr/>
+      <dgm:t>
+        <a:bodyPr/>
+        <a:lstStyle/>
+        <a:p>
+          <a:endParaRPr lang="en-US"/>
+        </a:p>
+      </dgm:t>
+    </dgm:pt>
+    <dgm:pt modelId="{5008F523-B81B-4FEC-AF73-7667E397D0C7}">
+      <dgm:prSet phldrT="[Text]"/>
+      <dgm:spPr/>
+      <dgm:t>
+        <a:bodyPr/>
+        <a:lstStyle/>
+        <a:p>
+          <a:r>
+            <a:rPr lang="en-US" dirty="0" err="1"/>
+            <a:t>dtos</a:t>
+          </a:r>
+          <a:r>
+            <a:rPr lang="en-US" dirty="0"/>
+            <a:t> and data validation</a:t>
+          </a:r>
+        </a:p>
+      </dgm:t>
+    </dgm:pt>
+    <dgm:pt modelId="{34BED406-A45F-4FBF-A8E2-A670787F1FDD}" type="parTrans" cxnId="{CCECB8C6-D34D-4C93-B0A7-2821F62C17D4}">
+      <dgm:prSet/>
+      <dgm:spPr/>
+      <dgm:t>
+        <a:bodyPr/>
+        <a:lstStyle/>
+        <a:p>
+          <a:endParaRPr lang="en-US"/>
+        </a:p>
+      </dgm:t>
+    </dgm:pt>
+    <dgm:pt modelId="{09C52952-AB55-4CDF-B966-20F6C8BBF58B}" type="sibTrans" cxnId="{CCECB8C6-D34D-4C93-B0A7-2821F62C17D4}">
+      <dgm:prSet/>
+      <dgm:spPr/>
+      <dgm:t>
+        <a:bodyPr/>
+        <a:lstStyle/>
+        <a:p>
+          <a:endParaRPr lang="en-US"/>
+        </a:p>
+      </dgm:t>
+    </dgm:pt>
+    <dgm:pt modelId="{4BA5CF84-4885-4E96-BCA6-D164CDD63182}">
       <dgm:prSet phldrT="[Text]"/>
       <dgm:spPr/>
       <dgm:t>
@@ -1026,12 +1526,12 @@
         <a:p>
           <a:r>
             <a:rPr lang="en-US" dirty="0"/>
-            <a:t>(Class library)</a:t>
+            <a:t>(class library)</a:t>
           </a:r>
         </a:p>
       </dgm:t>
     </dgm:pt>
-    <dgm:pt modelId="{E7ACCA5E-334D-4BB9-94EE-83D38AFA00C1}" type="parTrans" cxnId="{1B03FD73-D9CD-406E-82B1-5B6B05B86C9E}">
+    <dgm:pt modelId="{2FAA5258-CC5C-4CFE-9655-E5C09B059131}" type="parTrans" cxnId="{736665CF-A776-4CF2-A5D4-9C85E3780271}">
       <dgm:prSet/>
       <dgm:spPr/>
       <dgm:t>
@@ -1042,7 +1542,7 @@
         </a:p>
       </dgm:t>
     </dgm:pt>
-    <dgm:pt modelId="{83C238B3-9C73-43BB-8FBF-1F1766027675}" type="sibTrans" cxnId="{1B03FD73-D9CD-406E-82B1-5B6B05B86C9E}">
+    <dgm:pt modelId="{67E40AA4-8E63-44DA-A9DD-8BDE144A7070}" type="sibTrans" cxnId="{736665CF-A776-4CF2-A5D4-9C85E3780271}">
       <dgm:prSet/>
       <dgm:spPr/>
       <dgm:t>
@@ -1053,144 +1553,7 @@
         </a:p>
       </dgm:t>
     </dgm:pt>
-    <dgm:pt modelId="{D89041CE-9D08-49E8-B289-B24DD9F166C2}">
-      <dgm:prSet phldrT="[Text]"/>
-      <dgm:spPr/>
-      <dgm:t>
-        <a:bodyPr/>
-        <a:lstStyle/>
-        <a:p>
-          <a:r>
-            <a:rPr lang="en-US" dirty="0" err="1"/>
-            <a:t>JwtAuth.DataClient</a:t>
-          </a:r>
-          <a:endParaRPr lang="en-US" dirty="0"/>
-        </a:p>
-        <a:p>
-          <a:r>
-            <a:rPr lang="en-US" dirty="0"/>
-            <a:t>(</a:t>
-          </a:r>
-          <a:r>
-            <a:rPr lang="en-US"/>
-            <a:t>Class library)</a:t>
-          </a:r>
-          <a:endParaRPr lang="en-US" dirty="0"/>
-        </a:p>
-      </dgm:t>
-    </dgm:pt>
-    <dgm:pt modelId="{F35932A2-9AC6-40A2-8CBC-3D1ACA004358}" type="parTrans" cxnId="{458BA0B4-3827-4C4A-B474-E85D8E92FF5B}">
-      <dgm:prSet/>
-      <dgm:spPr/>
-      <dgm:t>
-        <a:bodyPr/>
-        <a:lstStyle/>
-        <a:p>
-          <a:endParaRPr lang="en-US"/>
-        </a:p>
-      </dgm:t>
-    </dgm:pt>
-    <dgm:pt modelId="{6F40A53C-657A-4C57-81E7-CE39975130A6}" type="sibTrans" cxnId="{458BA0B4-3827-4C4A-B474-E85D8E92FF5B}">
-      <dgm:prSet/>
-      <dgm:spPr/>
-      <dgm:t>
-        <a:bodyPr/>
-        <a:lstStyle/>
-        <a:p>
-          <a:endParaRPr lang="en-US"/>
-        </a:p>
-      </dgm:t>
-    </dgm:pt>
-    <dgm:pt modelId="{ED11CC77-26CC-4CB5-9167-4943918C7629}">
-      <dgm:prSet phldrT="[Text]"/>
-      <dgm:spPr/>
-      <dgm:t>
-        <a:bodyPr/>
-        <a:lstStyle/>
-        <a:p>
-          <a:r>
-            <a:rPr lang="en-US" dirty="0" err="1"/>
-            <a:t>JwtAuth.MAUI</a:t>
-          </a:r>
-          <a:endParaRPr lang="en-US" dirty="0"/>
-        </a:p>
-      </dgm:t>
-    </dgm:pt>
-    <dgm:pt modelId="{5C97324A-529B-4D70-985D-E41E53B4E792}" type="parTrans" cxnId="{9C45D58B-1B4C-4BAB-9798-A2FA235F65FC}">
-      <dgm:prSet/>
-      <dgm:spPr/>
-      <dgm:t>
-        <a:bodyPr/>
-        <a:lstStyle/>
-        <a:p>
-          <a:endParaRPr lang="en-US"/>
-        </a:p>
-      </dgm:t>
-    </dgm:pt>
-    <dgm:pt modelId="{434C6367-DD32-45B5-950F-07B461CBC3E8}" type="sibTrans" cxnId="{9C45D58B-1B4C-4BAB-9798-A2FA235F65FC}">
-      <dgm:prSet/>
-      <dgm:spPr/>
-      <dgm:t>
-        <a:bodyPr/>
-        <a:lstStyle/>
-        <a:p>
-          <a:endParaRPr lang="en-US"/>
-        </a:p>
-      </dgm:t>
-    </dgm:pt>
-    <dgm:pt modelId="{433C311F-D93A-429B-87F5-9E0A48564791}">
-      <dgm:prSet phldrT="[Text]"/>
-      <dgm:spPr/>
-      <dgm:t>
-        <a:bodyPr/>
-        <a:lstStyle/>
-        <a:p>
-          <a:r>
-            <a:rPr lang="en-US" dirty="0"/>
-            <a:t>web application, EF db context, entities, </a:t>
-          </a:r>
-          <a:r>
-            <a:rPr lang="en-US" dirty="0" err="1"/>
-            <a:t>api</a:t>
-          </a:r>
-          <a:r>
-            <a:rPr lang="en-US" dirty="0"/>
-            <a:t> endpoints, </a:t>
-          </a:r>
-          <a:r>
-            <a:rPr lang="en-US" dirty="0" err="1"/>
-            <a:t>dtos</a:t>
-          </a:r>
-          <a:r>
-            <a:rPr lang="en-US" dirty="0"/>
-            <a:t> and validation</a:t>
-          </a:r>
-        </a:p>
-      </dgm:t>
-    </dgm:pt>
-    <dgm:pt modelId="{F6E343EC-0D9E-42F0-8AE2-C08514F10EE7}" type="parTrans" cxnId="{51DC5708-7AE2-4B8E-8023-5C75CF36C22E}">
-      <dgm:prSet/>
-      <dgm:spPr/>
-      <dgm:t>
-        <a:bodyPr/>
-        <a:lstStyle/>
-        <a:p>
-          <a:endParaRPr lang="en-US"/>
-        </a:p>
-      </dgm:t>
-    </dgm:pt>
-    <dgm:pt modelId="{66DB08DA-91E4-4025-A316-94E42F9EA53C}" type="sibTrans" cxnId="{51DC5708-7AE2-4B8E-8023-5C75CF36C22E}">
-      <dgm:prSet/>
-      <dgm:spPr/>
-      <dgm:t>
-        <a:bodyPr/>
-        <a:lstStyle/>
-        <a:p>
-          <a:endParaRPr lang="en-US"/>
-        </a:p>
-      </dgm:t>
-    </dgm:pt>
-    <dgm:pt modelId="{7979D0C9-7621-43E1-97C4-5EF9679DB496}">
+    <dgm:pt modelId="{00BC3BD3-5E8E-411E-BBC0-EE5EFA67D3A5}">
       <dgm:prSet phldrT="[Text]"/>
       <dgm:spPr/>
       <dgm:t>
@@ -1201,10 +1564,11 @@
             <a:rPr lang="en-US" dirty="0"/>
             <a:t>password hashing, token generation</a:t>
           </a:r>
+          <a:endParaRPr lang="en-US"/>
         </a:p>
       </dgm:t>
     </dgm:pt>
-    <dgm:pt modelId="{29C6CE91-5E51-4EC1-8BA9-67885023D0E6}" type="parTrans" cxnId="{A62D4F45-210F-4CBA-9218-F4068F6AAFD7}">
+    <dgm:pt modelId="{F80F7D4B-0012-40AB-AF17-64DBCE95CB96}" type="parTrans" cxnId="{6B980EA3-2979-4B71-9532-8672DEC905FC}">
       <dgm:prSet/>
       <dgm:spPr/>
       <dgm:t>
@@ -1215,7 +1579,7 @@
         </a:p>
       </dgm:t>
     </dgm:pt>
-    <dgm:pt modelId="{7BFB0146-B6ED-48EA-8099-520E688A0B64}" type="sibTrans" cxnId="{A62D4F45-210F-4CBA-9218-F4068F6AAFD7}">
+    <dgm:pt modelId="{F83A63D3-8CF0-4AF7-A7CA-BDDF633BE166}" type="sibTrans" cxnId="{6B980EA3-2979-4B71-9532-8672DEC905FC}">
       <dgm:prSet/>
       <dgm:spPr/>
       <dgm:t>
@@ -1226,7 +1590,7 @@
         </a:p>
       </dgm:t>
     </dgm:pt>
-    <dgm:pt modelId="{A2845E8F-B2CE-41E0-96FE-96FAF762D7C0}">
+    <dgm:pt modelId="{75528475-CBB7-4A1D-BDB2-5FE534E26623}">
       <dgm:prSet phldrT="[Text]"/>
       <dgm:spPr/>
       <dgm:t>
@@ -1235,28 +1599,12 @@
         <a:p>
           <a:r>
             <a:rPr lang="en-US" dirty="0"/>
-            <a:t>http data client that calls the </a:t>
-          </a:r>
-          <a:r>
-            <a:rPr lang="en-US" dirty="0" err="1"/>
-            <a:t>api</a:t>
-          </a:r>
-          <a:r>
-            <a:rPr lang="en-US" dirty="0"/>
-            <a:t>, </a:t>
-          </a:r>
-          <a:r>
-            <a:rPr lang="en-US" dirty="0" err="1"/>
-            <a:t>dtos</a:t>
-          </a:r>
-          <a:r>
-            <a:rPr lang="en-US" dirty="0"/>
-            <a:t> and validation</a:t>
+            <a:t>has dependency on the core project</a:t>
           </a:r>
         </a:p>
       </dgm:t>
     </dgm:pt>
-    <dgm:pt modelId="{17355875-5B6E-4C7D-B3E1-42ED756CAD95}" type="parTrans" cxnId="{A38E5634-777B-4BB2-91AA-C816635C48AD}">
+    <dgm:pt modelId="{838186AF-3C05-411D-969D-E370C14682D9}" type="parTrans" cxnId="{966D7E4A-09B2-4415-8FFE-50E367AE9395}">
       <dgm:prSet/>
       <dgm:spPr/>
       <dgm:t>
@@ -1267,223 +1615,7 @@
         </a:p>
       </dgm:t>
     </dgm:pt>
-    <dgm:pt modelId="{1580C38B-2093-430C-B337-AA985411AFDF}" type="sibTrans" cxnId="{A38E5634-777B-4BB2-91AA-C816635C48AD}">
-      <dgm:prSet/>
-      <dgm:spPr/>
-      <dgm:t>
-        <a:bodyPr/>
-        <a:lstStyle/>
-        <a:p>
-          <a:endParaRPr lang="en-US"/>
-        </a:p>
-      </dgm:t>
-    </dgm:pt>
-    <dgm:pt modelId="{9B1D44EB-4903-457D-BBF4-CDFBCC5CC9E4}">
-      <dgm:prSet phldrT="[Text]"/>
-      <dgm:spPr/>
-      <dgm:t>
-        <a:bodyPr/>
-        <a:lstStyle/>
-        <a:p>
-          <a:r>
-            <a:rPr lang="en-US" dirty="0"/>
-            <a:t>uses the data client to present/submit data</a:t>
-          </a:r>
-        </a:p>
-      </dgm:t>
-    </dgm:pt>
-    <dgm:pt modelId="{C7046F64-72B1-4A29-A04F-82A22BE1BFCA}" type="parTrans" cxnId="{24D31EEC-FA7C-4EA9-91C2-4C54ABFB963D}">
-      <dgm:prSet/>
-      <dgm:spPr/>
-      <dgm:t>
-        <a:bodyPr/>
-        <a:lstStyle/>
-        <a:p>
-          <a:endParaRPr lang="en-US"/>
-        </a:p>
-      </dgm:t>
-    </dgm:pt>
-    <dgm:pt modelId="{3573F71A-E2ED-42C4-A80A-DFBB48FF76EE}" type="sibTrans" cxnId="{24D31EEC-FA7C-4EA9-91C2-4C54ABFB963D}">
-      <dgm:prSet/>
-      <dgm:spPr/>
-      <dgm:t>
-        <a:bodyPr/>
-        <a:lstStyle/>
-        <a:p>
-          <a:endParaRPr lang="en-US"/>
-        </a:p>
-      </dgm:t>
-    </dgm:pt>
-    <dgm:pt modelId="{A64442FC-75E2-4942-BF84-190EA8976B26}">
-      <dgm:prSet phldrT="[Text]"/>
-      <dgm:spPr/>
-      <dgm:t>
-        <a:bodyPr/>
-        <a:lstStyle/>
-        <a:p>
-          <a:r>
-            <a:rPr lang="en-US" dirty="0"/>
-            <a:t>has dependency on the user security project</a:t>
-          </a:r>
-        </a:p>
-      </dgm:t>
-    </dgm:pt>
-    <dgm:pt modelId="{E23F4192-BD3E-4932-B9D1-66AF2E229012}" type="parTrans" cxnId="{46E96553-37A3-4B5A-9008-613E2FA4765F}">
-      <dgm:prSet/>
-      <dgm:spPr/>
-      <dgm:t>
-        <a:bodyPr/>
-        <a:lstStyle/>
-        <a:p>
-          <a:endParaRPr lang="en-US"/>
-        </a:p>
-      </dgm:t>
-    </dgm:pt>
-    <dgm:pt modelId="{7EF02CA6-4371-4C9C-8B85-491C2B757EAD}" type="sibTrans" cxnId="{46E96553-37A3-4B5A-9008-613E2FA4765F}">
-      <dgm:prSet/>
-      <dgm:spPr/>
-      <dgm:t>
-        <a:bodyPr/>
-        <a:lstStyle/>
-        <a:p>
-          <a:endParaRPr lang="en-US"/>
-        </a:p>
-      </dgm:t>
-    </dgm:pt>
-    <dgm:pt modelId="{01A9DDFE-BFA8-4C07-B171-93814A12B42B}">
-      <dgm:prSet phldrT="[Text]"/>
-      <dgm:spPr/>
-      <dgm:t>
-        <a:bodyPr/>
-        <a:lstStyle/>
-        <a:p>
-          <a:r>
-            <a:rPr lang="en-US" dirty="0"/>
-            <a:t>Has dependency on the data client project</a:t>
-          </a:r>
-        </a:p>
-      </dgm:t>
-    </dgm:pt>
-    <dgm:pt modelId="{BA6FDE82-8018-4EC7-A16C-F7ABC6343C25}" type="parTrans" cxnId="{1B190445-076B-46C6-8F79-1A0DF828DDFC}">
-      <dgm:prSet/>
-      <dgm:spPr/>
-      <dgm:t>
-        <a:bodyPr/>
-        <a:lstStyle/>
-        <a:p>
-          <a:endParaRPr lang="en-US"/>
-        </a:p>
-      </dgm:t>
-    </dgm:pt>
-    <dgm:pt modelId="{F8D73121-0947-4F02-88FC-20554D73E107}" type="sibTrans" cxnId="{1B190445-076B-46C6-8F79-1A0DF828DDFC}">
-      <dgm:prSet/>
-      <dgm:spPr/>
-      <dgm:t>
-        <a:bodyPr/>
-        <a:lstStyle/>
-        <a:p>
-          <a:endParaRPr lang="en-US"/>
-        </a:p>
-      </dgm:t>
-    </dgm:pt>
-    <dgm:pt modelId="{4F56EA59-E6CD-4CE3-81D3-F0CE1FE06B7A}">
-      <dgm:prSet phldrT="[Text]"/>
-      <dgm:spPr/>
-      <dgm:t>
-        <a:bodyPr/>
-        <a:lstStyle/>
-        <a:p>
-          <a:r>
-            <a:rPr lang="en-US" dirty="0"/>
-            <a:t>Back end</a:t>
-          </a:r>
-        </a:p>
-      </dgm:t>
-    </dgm:pt>
-    <dgm:pt modelId="{DAF193AD-46D2-40DA-9FFD-BEF7285CB72B}" type="parTrans" cxnId="{67647154-0B61-42BE-B6A0-BEFA8C9F9F7A}">
-      <dgm:prSet/>
-      <dgm:spPr/>
-      <dgm:t>
-        <a:bodyPr/>
-        <a:lstStyle/>
-        <a:p>
-          <a:endParaRPr lang="en-US"/>
-        </a:p>
-      </dgm:t>
-    </dgm:pt>
-    <dgm:pt modelId="{05B21B7A-87E4-48E8-BE77-7D6F0A75E1EF}" type="sibTrans" cxnId="{67647154-0B61-42BE-B6A0-BEFA8C9F9F7A}">
-      <dgm:prSet/>
-      <dgm:spPr/>
-      <dgm:t>
-        <a:bodyPr/>
-        <a:lstStyle/>
-        <a:p>
-          <a:endParaRPr lang="en-US"/>
-        </a:p>
-      </dgm:t>
-    </dgm:pt>
-    <dgm:pt modelId="{F8CE6DBD-3E24-4F4C-BA75-3E428011050F}">
-      <dgm:prSet phldrT="[Text]"/>
-      <dgm:spPr/>
-      <dgm:t>
-        <a:bodyPr/>
-        <a:lstStyle/>
-        <a:p>
-          <a:r>
-            <a:rPr lang="en-US" dirty="0"/>
-            <a:t>Front end</a:t>
-          </a:r>
-        </a:p>
-      </dgm:t>
-    </dgm:pt>
-    <dgm:pt modelId="{9A606830-BC38-4497-B25D-A3F0F8BFC77B}" type="parTrans" cxnId="{4C8D3DE6-F642-4680-8CBC-F6ED4C11330D}">
-      <dgm:prSet/>
-      <dgm:spPr/>
-      <dgm:t>
-        <a:bodyPr/>
-        <a:lstStyle/>
-        <a:p>
-          <a:endParaRPr lang="en-US"/>
-        </a:p>
-      </dgm:t>
-    </dgm:pt>
-    <dgm:pt modelId="{60E2AC8E-C1D6-4BB5-A655-E3A4CCEF2FEE}" type="sibTrans" cxnId="{4C8D3DE6-F642-4680-8CBC-F6ED4C11330D}">
-      <dgm:prSet/>
-      <dgm:spPr/>
-      <dgm:t>
-        <a:bodyPr/>
-        <a:lstStyle/>
-        <a:p>
-          <a:endParaRPr lang="en-US"/>
-        </a:p>
-      </dgm:t>
-    </dgm:pt>
-    <dgm:pt modelId="{19BF28C0-A947-4575-B8A0-51F90716FF41}">
-      <dgm:prSet phldrT="[Text]"/>
-      <dgm:spPr/>
-      <dgm:t>
-        <a:bodyPr/>
-        <a:lstStyle/>
-        <a:p>
-          <a:r>
-            <a:rPr lang="en-US" dirty="0"/>
-            <a:t>SQL server database</a:t>
-          </a:r>
-        </a:p>
-      </dgm:t>
-    </dgm:pt>
-    <dgm:pt modelId="{C005DB52-0165-4473-B0D5-2A15F068D348}" type="parTrans" cxnId="{030F29B3-2F15-4021-BACE-2E28F534BB47}">
-      <dgm:prSet/>
-      <dgm:spPr/>
-      <dgm:t>
-        <a:bodyPr/>
-        <a:lstStyle/>
-        <a:p>
-          <a:endParaRPr lang="en-US"/>
-        </a:p>
-      </dgm:t>
-    </dgm:pt>
-    <dgm:pt modelId="{F2E7E090-70AF-42DA-AE23-BDDA6DDC2B42}" type="sibTrans" cxnId="{030F29B3-2F15-4021-BACE-2E28F534BB47}">
+    <dgm:pt modelId="{E7F5AB41-0CCE-4238-B6B9-65D690B9A0D9}" type="sibTrans" cxnId="{966D7E4A-09B2-4415-8FFE-50E367AE9395}">
       <dgm:prSet/>
       <dgm:spPr/>
       <dgm:t>
@@ -1523,11 +1655,11 @@
       <dgm:spPr/>
     </dgm:pt>
     <dgm:pt modelId="{19117B96-A3DF-4518-A305-0758FE40395B}" type="pres">
-      <dgm:prSet presAssocID="{DAF193AD-46D2-40DA-9FFD-BEF7285CB72B}" presName="conn2-1" presStyleLbl="parChTrans1D2" presStyleIdx="0" presStyleCnt="2"/>
+      <dgm:prSet presAssocID="{DAF193AD-46D2-40DA-9FFD-BEF7285CB72B}" presName="conn2-1" presStyleLbl="parChTrans1D2" presStyleIdx="0" presStyleCnt="3"/>
       <dgm:spPr/>
     </dgm:pt>
     <dgm:pt modelId="{1C640652-5BD1-44B9-A1DD-A972D32532FA}" type="pres">
-      <dgm:prSet presAssocID="{DAF193AD-46D2-40DA-9FFD-BEF7285CB72B}" presName="connTx" presStyleLbl="parChTrans1D2" presStyleIdx="0" presStyleCnt="2"/>
+      <dgm:prSet presAssocID="{DAF193AD-46D2-40DA-9FFD-BEF7285CB72B}" presName="connTx" presStyleLbl="parChTrans1D2" presStyleIdx="0" presStyleCnt="3"/>
       <dgm:spPr/>
     </dgm:pt>
     <dgm:pt modelId="{A5BEE02D-5F6D-4B59-864D-D23402948AEB}" type="pres">
@@ -1535,7 +1667,7 @@
       <dgm:spPr/>
     </dgm:pt>
     <dgm:pt modelId="{AD6BE46D-9C1B-4FCF-A027-4EB058AB4D84}" type="pres">
-      <dgm:prSet presAssocID="{4F56EA59-E6CD-4CE3-81D3-F0CE1FE06B7A}" presName="LevelTwoTextNode" presStyleLbl="node2" presStyleIdx="0" presStyleCnt="2">
+      <dgm:prSet presAssocID="{4F56EA59-E6CD-4CE3-81D3-F0CE1FE06B7A}" presName="LevelTwoTextNode" presStyleLbl="node2" presStyleIdx="0" presStyleCnt="3">
         <dgm:presLayoutVars>
           <dgm:chPref val="3"/>
         </dgm:presLayoutVars>
@@ -1547,11 +1679,11 @@
       <dgm:spPr/>
     </dgm:pt>
     <dgm:pt modelId="{75ED56AE-209B-401C-ACC1-0F9B09FF557C}" type="pres">
-      <dgm:prSet presAssocID="{C005DB52-0165-4473-B0D5-2A15F068D348}" presName="conn2-1" presStyleLbl="parChTrans1D3" presStyleIdx="0" presStyleCnt="5"/>
+      <dgm:prSet presAssocID="{C005DB52-0165-4473-B0D5-2A15F068D348}" presName="conn2-1" presStyleLbl="parChTrans1D3" presStyleIdx="0" presStyleCnt="6"/>
       <dgm:spPr/>
     </dgm:pt>
     <dgm:pt modelId="{FD955478-892F-4DE4-9FEF-9278AFCF97C4}" type="pres">
-      <dgm:prSet presAssocID="{C005DB52-0165-4473-B0D5-2A15F068D348}" presName="connTx" presStyleLbl="parChTrans1D3" presStyleIdx="0" presStyleCnt="5"/>
+      <dgm:prSet presAssocID="{C005DB52-0165-4473-B0D5-2A15F068D348}" presName="connTx" presStyleLbl="parChTrans1D3" presStyleIdx="0" presStyleCnt="6"/>
       <dgm:spPr/>
     </dgm:pt>
     <dgm:pt modelId="{F0FB489F-86E3-4ECE-9A5C-466E5E32B92A}" type="pres">
@@ -1559,7 +1691,7 @@
       <dgm:spPr/>
     </dgm:pt>
     <dgm:pt modelId="{D6278149-CA7A-40D3-BF07-37D1494A2882}" type="pres">
-      <dgm:prSet presAssocID="{19BF28C0-A947-4575-B8A0-51F90716FF41}" presName="LevelTwoTextNode" presStyleLbl="node3" presStyleIdx="0" presStyleCnt="5">
+      <dgm:prSet presAssocID="{19BF28C0-A947-4575-B8A0-51F90716FF41}" presName="LevelTwoTextNode" presStyleLbl="node3" presStyleIdx="0" presStyleCnt="6">
         <dgm:presLayoutVars>
           <dgm:chPref val="3"/>
         </dgm:presLayoutVars>
@@ -1570,327 +1702,439 @@
       <dgm:prSet presAssocID="{19BF28C0-A947-4575-B8A0-51F90716FF41}" presName="level3hierChild" presStyleCnt="0"/>
       <dgm:spPr/>
     </dgm:pt>
-    <dgm:pt modelId="{C91B650B-65C0-4159-A43B-B71544D11A5F}" type="pres">
-      <dgm:prSet presAssocID="{CEC2A30D-898A-476F-9F05-CAFADD1D897C}" presName="conn2-1" presStyleLbl="parChTrans1D3" presStyleIdx="1" presStyleCnt="5"/>
-      <dgm:spPr/>
-    </dgm:pt>
-    <dgm:pt modelId="{D08DD5FA-FA70-4F38-A612-6E0D7BE45934}" type="pres">
-      <dgm:prSet presAssocID="{CEC2A30D-898A-476F-9F05-CAFADD1D897C}" presName="connTx" presStyleLbl="parChTrans1D3" presStyleIdx="1" presStyleCnt="5"/>
-      <dgm:spPr/>
-    </dgm:pt>
-    <dgm:pt modelId="{CA2C9F9C-70F0-48E1-AB63-CE4186D84F12}" type="pres">
-      <dgm:prSet presAssocID="{A70236A2-6826-4D4B-A5F5-904D103B3FAC}" presName="root2" presStyleCnt="0"/>
-      <dgm:spPr/>
-    </dgm:pt>
-    <dgm:pt modelId="{12E18B45-F2D6-4206-8915-8FB5C91159E8}" type="pres">
-      <dgm:prSet presAssocID="{A70236A2-6826-4D4B-A5F5-904D103B3FAC}" presName="LevelTwoTextNode" presStyleLbl="node3" presStyleIdx="1" presStyleCnt="5">
+    <dgm:pt modelId="{2D3CB7BB-FC01-4F89-BB7A-32F75788192B}" type="pres">
+      <dgm:prSet presAssocID="{2FAA5258-CC5C-4CFE-9655-E5C09B059131}" presName="conn2-1" presStyleLbl="parChTrans1D3" presStyleIdx="1" presStyleCnt="6"/>
+      <dgm:spPr/>
+    </dgm:pt>
+    <dgm:pt modelId="{57D9D1F8-5E9C-431D-9598-EB30517C42E1}" type="pres">
+      <dgm:prSet presAssocID="{2FAA5258-CC5C-4CFE-9655-E5C09B059131}" presName="connTx" presStyleLbl="parChTrans1D3" presStyleIdx="1" presStyleCnt="6"/>
+      <dgm:spPr/>
+    </dgm:pt>
+    <dgm:pt modelId="{A73A8ED7-D81C-4E87-ABB8-3493731EA70A}" type="pres">
+      <dgm:prSet presAssocID="{4BA5CF84-4885-4E96-BCA6-D164CDD63182}" presName="root2" presStyleCnt="0"/>
+      <dgm:spPr/>
+    </dgm:pt>
+    <dgm:pt modelId="{CD9890DF-3632-4B66-B55D-EBAF03DA22FE}" type="pres">
+      <dgm:prSet presAssocID="{4BA5CF84-4885-4E96-BCA6-D164CDD63182}" presName="LevelTwoTextNode" presStyleLbl="node3" presStyleIdx="1" presStyleCnt="6">
         <dgm:presLayoutVars>
           <dgm:chPref val="3"/>
         </dgm:presLayoutVars>
       </dgm:prSet>
       <dgm:spPr/>
     </dgm:pt>
-    <dgm:pt modelId="{3A70A421-A998-4585-A246-9A426B52D1D2}" type="pres">
-      <dgm:prSet presAssocID="{A70236A2-6826-4D4B-A5F5-904D103B3FAC}" presName="level3hierChild" presStyleCnt="0"/>
-      <dgm:spPr/>
-    </dgm:pt>
-    <dgm:pt modelId="{D7444303-4392-4EF6-872F-86F286895BCD}" type="pres">
-      <dgm:prSet presAssocID="{F6E343EC-0D9E-42F0-8AE2-C08514F10EE7}" presName="conn2-1" presStyleLbl="parChTrans1D4" presStyleIdx="0" presStyleCnt="6"/>
-      <dgm:spPr/>
-    </dgm:pt>
-    <dgm:pt modelId="{FB65BAA6-022F-4C56-8F75-170524246368}" type="pres">
-      <dgm:prSet presAssocID="{F6E343EC-0D9E-42F0-8AE2-C08514F10EE7}" presName="connTx" presStyleLbl="parChTrans1D4" presStyleIdx="0" presStyleCnt="6"/>
-      <dgm:spPr/>
-    </dgm:pt>
-    <dgm:pt modelId="{C3B1CCCC-3DCB-4348-8B0D-114C428568BD}" type="pres">
-      <dgm:prSet presAssocID="{433C311F-D93A-429B-87F5-9E0A48564791}" presName="root2" presStyleCnt="0"/>
-      <dgm:spPr/>
-    </dgm:pt>
-    <dgm:pt modelId="{3A5CCBAF-C539-4512-B81D-3991CEEF3C7D}" type="pres">
-      <dgm:prSet presAssocID="{433C311F-D93A-429B-87F5-9E0A48564791}" presName="LevelTwoTextNode" presStyleLbl="node4" presStyleIdx="0" presStyleCnt="6">
+    <dgm:pt modelId="{29A5D4CA-6994-43BC-AD48-AC5ED7098DC5}" type="pres">
+      <dgm:prSet presAssocID="{4BA5CF84-4885-4E96-BCA6-D164CDD63182}" presName="level3hierChild" presStyleCnt="0"/>
+      <dgm:spPr/>
+    </dgm:pt>
+    <dgm:pt modelId="{D3502A88-EDA7-4739-BCFF-E3784014668C}" type="pres">
+      <dgm:prSet presAssocID="{F80F7D4B-0012-40AB-AF17-64DBCE95CB96}" presName="conn2-1" presStyleLbl="parChTrans1D4" presStyleIdx="0" presStyleCnt="8"/>
+      <dgm:spPr/>
+    </dgm:pt>
+    <dgm:pt modelId="{0207A684-6E54-45CB-881E-82FD8C6BFFEA}" type="pres">
+      <dgm:prSet presAssocID="{F80F7D4B-0012-40AB-AF17-64DBCE95CB96}" presName="connTx" presStyleLbl="parChTrans1D4" presStyleIdx="0" presStyleCnt="8"/>
+      <dgm:spPr/>
+    </dgm:pt>
+    <dgm:pt modelId="{E8D1611B-B848-489F-A54E-570001516083}" type="pres">
+      <dgm:prSet presAssocID="{00BC3BD3-5E8E-411E-BBC0-EE5EFA67D3A5}" presName="root2" presStyleCnt="0"/>
+      <dgm:spPr/>
+    </dgm:pt>
+    <dgm:pt modelId="{B2DA4715-9F50-4634-BB1D-49EC4B687397}" type="pres">
+      <dgm:prSet presAssocID="{00BC3BD3-5E8E-411E-BBC0-EE5EFA67D3A5}" presName="LevelTwoTextNode" presStyleLbl="node4" presStyleIdx="0" presStyleCnt="8">
         <dgm:presLayoutVars>
           <dgm:chPref val="3"/>
         </dgm:presLayoutVars>
       </dgm:prSet>
       <dgm:spPr/>
     </dgm:pt>
-    <dgm:pt modelId="{C08C2E37-2414-4628-A128-CDA3DC4F4993}" type="pres">
-      <dgm:prSet presAssocID="{433C311F-D93A-429B-87F5-9E0A48564791}" presName="level3hierChild" presStyleCnt="0"/>
-      <dgm:spPr/>
-    </dgm:pt>
-    <dgm:pt modelId="{6A1B6DDC-80A2-4158-8069-621E066A24AD}" type="pres">
-      <dgm:prSet presAssocID="{E23F4192-BD3E-4932-B9D1-66AF2E229012}" presName="conn2-1" presStyleLbl="parChTrans1D4" presStyleIdx="1" presStyleCnt="6"/>
-      <dgm:spPr/>
-    </dgm:pt>
-    <dgm:pt modelId="{36BA110C-BE5A-4A05-8E5F-9B10C15D0007}" type="pres">
-      <dgm:prSet presAssocID="{E23F4192-BD3E-4932-B9D1-66AF2E229012}" presName="connTx" presStyleLbl="parChTrans1D4" presStyleIdx="1" presStyleCnt="6"/>
-      <dgm:spPr/>
-    </dgm:pt>
-    <dgm:pt modelId="{D008FDD4-E463-4D09-958B-A9BC64B11AE0}" type="pres">
-      <dgm:prSet presAssocID="{A64442FC-75E2-4942-BF84-190EA8976B26}" presName="root2" presStyleCnt="0"/>
-      <dgm:spPr/>
-    </dgm:pt>
-    <dgm:pt modelId="{599AEC48-6BEE-42C6-9C74-1721A7721A43}" type="pres">
-      <dgm:prSet presAssocID="{A64442FC-75E2-4942-BF84-190EA8976B26}" presName="LevelTwoTextNode" presStyleLbl="node4" presStyleIdx="1" presStyleCnt="6">
+    <dgm:pt modelId="{1DA0915E-B3F1-41D5-8078-8BB31F60B538}" type="pres">
+      <dgm:prSet presAssocID="{00BC3BD3-5E8E-411E-BBC0-EE5EFA67D3A5}" presName="level3hierChild" presStyleCnt="0"/>
+      <dgm:spPr/>
+    </dgm:pt>
+    <dgm:pt modelId="{C91B650B-65C0-4159-A43B-B71544D11A5F}" type="pres">
+      <dgm:prSet presAssocID="{CEC2A30D-898A-476F-9F05-CAFADD1D897C}" presName="conn2-1" presStyleLbl="parChTrans1D3" presStyleIdx="2" presStyleCnt="6"/>
+      <dgm:spPr/>
+    </dgm:pt>
+    <dgm:pt modelId="{D08DD5FA-FA70-4F38-A612-6E0D7BE45934}" type="pres">
+      <dgm:prSet presAssocID="{CEC2A30D-898A-476F-9F05-CAFADD1D897C}" presName="connTx" presStyleLbl="parChTrans1D3" presStyleIdx="2" presStyleCnt="6"/>
+      <dgm:spPr/>
+    </dgm:pt>
+    <dgm:pt modelId="{CA2C9F9C-70F0-48E1-AB63-CE4186D84F12}" type="pres">
+      <dgm:prSet presAssocID="{A70236A2-6826-4D4B-A5F5-904D103B3FAC}" presName="root2" presStyleCnt="0"/>
+      <dgm:spPr/>
+    </dgm:pt>
+    <dgm:pt modelId="{12E18B45-F2D6-4206-8915-8FB5C91159E8}" type="pres">
+      <dgm:prSet presAssocID="{A70236A2-6826-4D4B-A5F5-904D103B3FAC}" presName="LevelTwoTextNode" presStyleLbl="node3" presStyleIdx="2" presStyleCnt="6">
         <dgm:presLayoutVars>
           <dgm:chPref val="3"/>
         </dgm:presLayoutVars>
       </dgm:prSet>
       <dgm:spPr/>
     </dgm:pt>
-    <dgm:pt modelId="{EC004811-7AAE-45E4-920C-E9DC90CD1397}" type="pres">
-      <dgm:prSet presAssocID="{A64442FC-75E2-4942-BF84-190EA8976B26}" presName="level3hierChild" presStyleCnt="0"/>
-      <dgm:spPr/>
-    </dgm:pt>
-    <dgm:pt modelId="{BE36CDE6-C70C-4C37-8A9D-CA21FF1B46D2}" type="pres">
-      <dgm:prSet presAssocID="{E7ACCA5E-334D-4BB9-94EE-83D38AFA00C1}" presName="conn2-1" presStyleLbl="parChTrans1D3" presStyleIdx="2" presStyleCnt="5"/>
-      <dgm:spPr/>
-    </dgm:pt>
-    <dgm:pt modelId="{39DCE1B0-2E34-4542-9F27-297A457A235F}" type="pres">
-      <dgm:prSet presAssocID="{E7ACCA5E-334D-4BB9-94EE-83D38AFA00C1}" presName="connTx" presStyleLbl="parChTrans1D3" presStyleIdx="2" presStyleCnt="5"/>
-      <dgm:spPr/>
-    </dgm:pt>
-    <dgm:pt modelId="{1D7E78A0-DD83-43C2-A55F-575629E1C8DA}" type="pres">
-      <dgm:prSet presAssocID="{755A4DFB-DCDF-4B61-8419-48FB22465406}" presName="root2" presStyleCnt="0"/>
-      <dgm:spPr/>
-    </dgm:pt>
-    <dgm:pt modelId="{22B0EE09-4531-450C-A2D0-F121BC3FA63C}" type="pres">
-      <dgm:prSet presAssocID="{755A4DFB-DCDF-4B61-8419-48FB22465406}" presName="LevelTwoTextNode" presStyleLbl="node3" presStyleIdx="2" presStyleCnt="5">
+    <dgm:pt modelId="{3A70A421-A998-4585-A246-9A426B52D1D2}" type="pres">
+      <dgm:prSet presAssocID="{A70236A2-6826-4D4B-A5F5-904D103B3FAC}" presName="level3hierChild" presStyleCnt="0"/>
+      <dgm:spPr/>
+    </dgm:pt>
+    <dgm:pt modelId="{D7444303-4392-4EF6-872F-86F286895BCD}" type="pres">
+      <dgm:prSet presAssocID="{F6E343EC-0D9E-42F0-8AE2-C08514F10EE7}" presName="conn2-1" presStyleLbl="parChTrans1D4" presStyleIdx="1" presStyleCnt="8"/>
+      <dgm:spPr/>
+    </dgm:pt>
+    <dgm:pt modelId="{FB65BAA6-022F-4C56-8F75-170524246368}" type="pres">
+      <dgm:prSet presAssocID="{F6E343EC-0D9E-42F0-8AE2-C08514F10EE7}" presName="connTx" presStyleLbl="parChTrans1D4" presStyleIdx="1" presStyleCnt="8"/>
+      <dgm:spPr/>
+    </dgm:pt>
+    <dgm:pt modelId="{C3B1CCCC-3DCB-4348-8B0D-114C428568BD}" type="pres">
+      <dgm:prSet presAssocID="{433C311F-D93A-429B-87F5-9E0A48564791}" presName="root2" presStyleCnt="0"/>
+      <dgm:spPr/>
+    </dgm:pt>
+    <dgm:pt modelId="{3A5CCBAF-C539-4512-B81D-3991CEEF3C7D}" type="pres">
+      <dgm:prSet presAssocID="{433C311F-D93A-429B-87F5-9E0A48564791}" presName="LevelTwoTextNode" presStyleLbl="node4" presStyleIdx="1" presStyleCnt="8">
         <dgm:presLayoutVars>
           <dgm:chPref val="3"/>
         </dgm:presLayoutVars>
       </dgm:prSet>
       <dgm:spPr/>
     </dgm:pt>
-    <dgm:pt modelId="{BE230B87-B46C-4F17-9882-03471655A62A}" type="pres">
-      <dgm:prSet presAssocID="{755A4DFB-DCDF-4B61-8419-48FB22465406}" presName="level3hierChild" presStyleCnt="0"/>
-      <dgm:spPr/>
-    </dgm:pt>
-    <dgm:pt modelId="{FA60FC2A-7DC4-4680-B243-BD5BE248CECC}" type="pres">
-      <dgm:prSet presAssocID="{29C6CE91-5E51-4EC1-8BA9-67885023D0E6}" presName="conn2-1" presStyleLbl="parChTrans1D4" presStyleIdx="2" presStyleCnt="6"/>
-      <dgm:spPr/>
-    </dgm:pt>
-    <dgm:pt modelId="{799EC007-DAB6-471B-A340-B147E6E7ED07}" type="pres">
-      <dgm:prSet presAssocID="{29C6CE91-5E51-4EC1-8BA9-67885023D0E6}" presName="connTx" presStyleLbl="parChTrans1D4" presStyleIdx="2" presStyleCnt="6"/>
-      <dgm:spPr/>
-    </dgm:pt>
-    <dgm:pt modelId="{C86EA0A8-386B-4941-98CD-3E9F87628D1F}" type="pres">
-      <dgm:prSet presAssocID="{7979D0C9-7621-43E1-97C4-5EF9679DB496}" presName="root2" presStyleCnt="0"/>
-      <dgm:spPr/>
-    </dgm:pt>
-    <dgm:pt modelId="{0720C1DB-B93A-4D0B-9749-3105015D54CC}" type="pres">
-      <dgm:prSet presAssocID="{7979D0C9-7621-43E1-97C4-5EF9679DB496}" presName="LevelTwoTextNode" presStyleLbl="node4" presStyleIdx="2" presStyleCnt="6">
+    <dgm:pt modelId="{C08C2E37-2414-4628-A128-CDA3DC4F4993}" type="pres">
+      <dgm:prSet presAssocID="{433C311F-D93A-429B-87F5-9E0A48564791}" presName="level3hierChild" presStyleCnt="0"/>
+      <dgm:spPr/>
+    </dgm:pt>
+    <dgm:pt modelId="{6A1B6DDC-80A2-4158-8069-621E066A24AD}" type="pres">
+      <dgm:prSet presAssocID="{E23F4192-BD3E-4932-B9D1-66AF2E229012}" presName="conn2-1" presStyleLbl="parChTrans1D4" presStyleIdx="2" presStyleCnt="8"/>
+      <dgm:spPr/>
+    </dgm:pt>
+    <dgm:pt modelId="{36BA110C-BE5A-4A05-8E5F-9B10C15D0007}" type="pres">
+      <dgm:prSet presAssocID="{E23F4192-BD3E-4932-B9D1-66AF2E229012}" presName="connTx" presStyleLbl="parChTrans1D4" presStyleIdx="2" presStyleCnt="8"/>
+      <dgm:spPr/>
+    </dgm:pt>
+    <dgm:pt modelId="{D008FDD4-E463-4D09-958B-A9BC64B11AE0}" type="pres">
+      <dgm:prSet presAssocID="{A64442FC-75E2-4942-BF84-190EA8976B26}" presName="root2" presStyleCnt="0"/>
+      <dgm:spPr/>
+    </dgm:pt>
+    <dgm:pt modelId="{599AEC48-6BEE-42C6-9C74-1721A7721A43}" type="pres">
+      <dgm:prSet presAssocID="{A64442FC-75E2-4942-BF84-190EA8976B26}" presName="LevelTwoTextNode" presStyleLbl="node4" presStyleIdx="2" presStyleCnt="8">
         <dgm:presLayoutVars>
           <dgm:chPref val="3"/>
         </dgm:presLayoutVars>
       </dgm:prSet>
       <dgm:spPr/>
     </dgm:pt>
-    <dgm:pt modelId="{4EDE7969-D383-4D51-B41A-2227E21EA2AA}" type="pres">
-      <dgm:prSet presAssocID="{7979D0C9-7621-43E1-97C4-5EF9679DB496}" presName="level3hierChild" presStyleCnt="0"/>
-      <dgm:spPr/>
-    </dgm:pt>
-    <dgm:pt modelId="{55499A97-FFFB-4D83-B6B3-F8B7B89EB8AC}" type="pres">
-      <dgm:prSet presAssocID="{9A606830-BC38-4497-B25D-A3F0F8BFC77B}" presName="conn2-1" presStyleLbl="parChTrans1D2" presStyleIdx="1" presStyleCnt="2"/>
-      <dgm:spPr/>
-    </dgm:pt>
-    <dgm:pt modelId="{1F7032A4-85C1-49B0-BD6C-BA4A1AA4CDA7}" type="pres">
-      <dgm:prSet presAssocID="{9A606830-BC38-4497-B25D-A3F0F8BFC77B}" presName="connTx" presStyleLbl="parChTrans1D2" presStyleIdx="1" presStyleCnt="2"/>
-      <dgm:spPr/>
-    </dgm:pt>
-    <dgm:pt modelId="{65745C70-A491-4E30-8BA9-F971ECE0D705}" type="pres">
-      <dgm:prSet presAssocID="{F8CE6DBD-3E24-4F4C-BA75-3E428011050F}" presName="root2" presStyleCnt="0"/>
-      <dgm:spPr/>
-    </dgm:pt>
-    <dgm:pt modelId="{B48036FB-FD23-4ADC-B0FE-68EBBA280C60}" type="pres">
-      <dgm:prSet presAssocID="{F8CE6DBD-3E24-4F4C-BA75-3E428011050F}" presName="LevelTwoTextNode" presStyleLbl="node2" presStyleIdx="1" presStyleCnt="2">
+    <dgm:pt modelId="{EC004811-7AAE-45E4-920C-E9DC90CD1397}" type="pres">
+      <dgm:prSet presAssocID="{A64442FC-75E2-4942-BF84-190EA8976B26}" presName="level3hierChild" presStyleCnt="0"/>
+      <dgm:spPr/>
+    </dgm:pt>
+    <dgm:pt modelId="{AB0903AA-C10E-4AA9-8B85-C75D0228EB5C}" type="pres">
+      <dgm:prSet presAssocID="{96B0B7C1-96CE-4860-9319-2BF6BB6E8B5C}" presName="conn2-1" presStyleLbl="parChTrans1D2" presStyleIdx="1" presStyleCnt="3"/>
+      <dgm:spPr/>
+    </dgm:pt>
+    <dgm:pt modelId="{EBBFA1F1-02C5-400F-9B0F-51B31C049AE5}" type="pres">
+      <dgm:prSet presAssocID="{96B0B7C1-96CE-4860-9319-2BF6BB6E8B5C}" presName="connTx" presStyleLbl="parChTrans1D2" presStyleIdx="1" presStyleCnt="3"/>
+      <dgm:spPr/>
+    </dgm:pt>
+    <dgm:pt modelId="{241C8679-1F08-4FF8-A9BE-B0460C3A69AB}" type="pres">
+      <dgm:prSet presAssocID="{360D5A7D-749B-45A5-9EDD-8628C205FC62}" presName="root2" presStyleCnt="0"/>
+      <dgm:spPr/>
+    </dgm:pt>
+    <dgm:pt modelId="{8E30DA3D-D1C5-49D3-8256-04FE10CA98C5}" type="pres">
+      <dgm:prSet presAssocID="{360D5A7D-749B-45A5-9EDD-8628C205FC62}" presName="LevelTwoTextNode" presStyleLbl="node2" presStyleIdx="1" presStyleCnt="3">
         <dgm:presLayoutVars>
           <dgm:chPref val="3"/>
         </dgm:presLayoutVars>
       </dgm:prSet>
       <dgm:spPr/>
     </dgm:pt>
-    <dgm:pt modelId="{262E3A0E-ED11-4AEE-9C4D-AE148E7DF549}" type="pres">
-      <dgm:prSet presAssocID="{F8CE6DBD-3E24-4F4C-BA75-3E428011050F}" presName="level3hierChild" presStyleCnt="0"/>
-      <dgm:spPr/>
-    </dgm:pt>
-    <dgm:pt modelId="{4E6F7B66-D0CB-45AC-B7BF-5845FFF689AC}" type="pres">
-      <dgm:prSet presAssocID="{F35932A2-9AC6-40A2-8CBC-3D1ACA004358}" presName="conn2-1" presStyleLbl="parChTrans1D3" presStyleIdx="3" presStyleCnt="5"/>
-      <dgm:spPr/>
-    </dgm:pt>
-    <dgm:pt modelId="{34CB63AB-DD1D-4EFE-BC98-272A32E95034}" type="pres">
-      <dgm:prSet presAssocID="{F35932A2-9AC6-40A2-8CBC-3D1ACA004358}" presName="connTx" presStyleLbl="parChTrans1D3" presStyleIdx="3" presStyleCnt="5"/>
-      <dgm:spPr/>
-    </dgm:pt>
-    <dgm:pt modelId="{72E4207A-E9F1-43EE-8D1E-4E351F28AD2D}" type="pres">
-      <dgm:prSet presAssocID="{D89041CE-9D08-49E8-B289-B24DD9F166C2}" presName="root2" presStyleCnt="0"/>
-      <dgm:spPr/>
-    </dgm:pt>
-    <dgm:pt modelId="{118FE515-EE26-4ED6-86F6-7AA4B1562FD2}" type="pres">
-      <dgm:prSet presAssocID="{D89041CE-9D08-49E8-B289-B24DD9F166C2}" presName="LevelTwoTextNode" presStyleLbl="node3" presStyleIdx="3" presStyleCnt="5">
+    <dgm:pt modelId="{4AC2A090-5D8F-409F-991C-FC89FA69F3A8}" type="pres">
+      <dgm:prSet presAssocID="{360D5A7D-749B-45A5-9EDD-8628C205FC62}" presName="level3hierChild" presStyleCnt="0"/>
+      <dgm:spPr/>
+    </dgm:pt>
+    <dgm:pt modelId="{D8B30C8F-1BC0-4FD1-9CED-843BF24ADEAD}" type="pres">
+      <dgm:prSet presAssocID="{AF86FB67-211B-4A76-A550-44B644199B91}" presName="conn2-1" presStyleLbl="parChTrans1D3" presStyleIdx="3" presStyleCnt="6"/>
+      <dgm:spPr/>
+    </dgm:pt>
+    <dgm:pt modelId="{CA3EB848-B0A7-41DD-8009-D97CEE060BB1}" type="pres">
+      <dgm:prSet presAssocID="{AF86FB67-211B-4A76-A550-44B644199B91}" presName="connTx" presStyleLbl="parChTrans1D3" presStyleIdx="3" presStyleCnt="6"/>
+      <dgm:spPr/>
+    </dgm:pt>
+    <dgm:pt modelId="{08B9EC2A-0A6D-4E85-AC63-51316220C053}" type="pres">
+      <dgm:prSet presAssocID="{13E5AD71-0362-49A8-9CEE-E7D8968D376F}" presName="root2" presStyleCnt="0"/>
+      <dgm:spPr/>
+    </dgm:pt>
+    <dgm:pt modelId="{6F9E7F67-D659-4537-8FC3-6C8387C6D1DB}" type="pres">
+      <dgm:prSet presAssocID="{13E5AD71-0362-49A8-9CEE-E7D8968D376F}" presName="LevelTwoTextNode" presStyleLbl="node3" presStyleIdx="3" presStyleCnt="6">
         <dgm:presLayoutVars>
           <dgm:chPref val="3"/>
         </dgm:presLayoutVars>
       </dgm:prSet>
       <dgm:spPr/>
     </dgm:pt>
-    <dgm:pt modelId="{8D02C378-BEE3-4848-A3E9-92B9DFA2175C}" type="pres">
-      <dgm:prSet presAssocID="{D89041CE-9D08-49E8-B289-B24DD9F166C2}" presName="level3hierChild" presStyleCnt="0"/>
-      <dgm:spPr/>
-    </dgm:pt>
-    <dgm:pt modelId="{7C1371A8-FA98-4AA2-A8CD-632A26A078FC}" type="pres">
-      <dgm:prSet presAssocID="{17355875-5B6E-4C7D-B3E1-42ED756CAD95}" presName="conn2-1" presStyleLbl="parChTrans1D4" presStyleIdx="3" presStyleCnt="6"/>
-      <dgm:spPr/>
-    </dgm:pt>
-    <dgm:pt modelId="{E1D62DA9-BE2E-4DF4-82E4-BC8CC0B302FD}" type="pres">
-      <dgm:prSet presAssocID="{17355875-5B6E-4C7D-B3E1-42ED756CAD95}" presName="connTx" presStyleLbl="parChTrans1D4" presStyleIdx="3" presStyleCnt="6"/>
-      <dgm:spPr/>
-    </dgm:pt>
-    <dgm:pt modelId="{1049D5CF-0DB0-41AD-9619-CA29C541339F}" type="pres">
-      <dgm:prSet presAssocID="{A2845E8F-B2CE-41E0-96FE-96FAF762D7C0}" presName="root2" presStyleCnt="0"/>
-      <dgm:spPr/>
-    </dgm:pt>
-    <dgm:pt modelId="{7D648BDF-0BB4-4AFD-8160-DE14E4FED722}" type="pres">
-      <dgm:prSet presAssocID="{A2845E8F-B2CE-41E0-96FE-96FAF762D7C0}" presName="LevelTwoTextNode" presStyleLbl="node4" presStyleIdx="3" presStyleCnt="6">
+    <dgm:pt modelId="{69933441-73A3-49B1-B38F-29A783B58F2B}" type="pres">
+      <dgm:prSet presAssocID="{13E5AD71-0362-49A8-9CEE-E7D8968D376F}" presName="level3hierChild" presStyleCnt="0"/>
+      <dgm:spPr/>
+    </dgm:pt>
+    <dgm:pt modelId="{D08DAB40-7587-41D7-8A45-A88AAFFFC2C6}" type="pres">
+      <dgm:prSet presAssocID="{34BED406-A45F-4FBF-A8E2-A670787F1FDD}" presName="conn2-1" presStyleLbl="parChTrans1D4" presStyleIdx="3" presStyleCnt="8"/>
+      <dgm:spPr/>
+    </dgm:pt>
+    <dgm:pt modelId="{5A4F93C8-EA07-45F7-BF9D-9B6F221C4591}" type="pres">
+      <dgm:prSet presAssocID="{34BED406-A45F-4FBF-A8E2-A670787F1FDD}" presName="connTx" presStyleLbl="parChTrans1D4" presStyleIdx="3" presStyleCnt="8"/>
+      <dgm:spPr/>
+    </dgm:pt>
+    <dgm:pt modelId="{AEC628B6-9CCD-4B88-BBEA-393ACB0B0067}" type="pres">
+      <dgm:prSet presAssocID="{5008F523-B81B-4FEC-AF73-7667E397D0C7}" presName="root2" presStyleCnt="0"/>
+      <dgm:spPr/>
+    </dgm:pt>
+    <dgm:pt modelId="{64BAC6D5-BE67-41EC-B555-6114B9A28138}" type="pres">
+      <dgm:prSet presAssocID="{5008F523-B81B-4FEC-AF73-7667E397D0C7}" presName="LevelTwoTextNode" presStyleLbl="node4" presStyleIdx="3" presStyleCnt="8">
         <dgm:presLayoutVars>
           <dgm:chPref val="3"/>
         </dgm:presLayoutVars>
       </dgm:prSet>
       <dgm:spPr/>
     </dgm:pt>
-    <dgm:pt modelId="{C7ECA134-ABEF-4364-802D-AAF7ABCD4B82}" type="pres">
-      <dgm:prSet presAssocID="{A2845E8F-B2CE-41E0-96FE-96FAF762D7C0}" presName="level3hierChild" presStyleCnt="0"/>
-      <dgm:spPr/>
-    </dgm:pt>
-    <dgm:pt modelId="{4EA12D5F-1BD7-4F93-A03E-C280DDD05289}" type="pres">
-      <dgm:prSet presAssocID="{5C97324A-529B-4D70-985D-E41E53B4E792}" presName="conn2-1" presStyleLbl="parChTrans1D3" presStyleIdx="4" presStyleCnt="5"/>
-      <dgm:spPr/>
-    </dgm:pt>
-    <dgm:pt modelId="{CCCCE227-056D-4F92-95EE-D32705F412C1}" type="pres">
-      <dgm:prSet presAssocID="{5C97324A-529B-4D70-985D-E41E53B4E792}" presName="connTx" presStyleLbl="parChTrans1D3" presStyleIdx="4" presStyleCnt="5"/>
-      <dgm:spPr/>
-    </dgm:pt>
-    <dgm:pt modelId="{5596CD06-654C-4CAA-A8BD-C67A3C2A12A9}" type="pres">
-      <dgm:prSet presAssocID="{ED11CC77-26CC-4CB5-9167-4943918C7629}" presName="root2" presStyleCnt="0"/>
-      <dgm:spPr/>
-    </dgm:pt>
-    <dgm:pt modelId="{99B6EF6D-D127-4386-9B5F-70970E70BD8F}" type="pres">
-      <dgm:prSet presAssocID="{ED11CC77-26CC-4CB5-9167-4943918C7629}" presName="LevelTwoTextNode" presStyleLbl="node3" presStyleIdx="4" presStyleCnt="5">
+    <dgm:pt modelId="{F2A0C9ED-CEF3-472D-9BF6-D9EE8EE288D0}" type="pres">
+      <dgm:prSet presAssocID="{5008F523-B81B-4FEC-AF73-7667E397D0C7}" presName="level3hierChild" presStyleCnt="0"/>
+      <dgm:spPr/>
+    </dgm:pt>
+    <dgm:pt modelId="{55499A97-FFFB-4D83-B6B3-F8B7B89EB8AC}" type="pres">
+      <dgm:prSet presAssocID="{9A606830-BC38-4497-B25D-A3F0F8BFC77B}" presName="conn2-1" presStyleLbl="parChTrans1D2" presStyleIdx="2" presStyleCnt="3"/>
+      <dgm:spPr/>
+    </dgm:pt>
+    <dgm:pt modelId="{1F7032A4-85C1-49B0-BD6C-BA4A1AA4CDA7}" type="pres">
+      <dgm:prSet presAssocID="{9A606830-BC38-4497-B25D-A3F0F8BFC77B}" presName="connTx" presStyleLbl="parChTrans1D2" presStyleIdx="2" presStyleCnt="3"/>
+      <dgm:spPr/>
+    </dgm:pt>
+    <dgm:pt modelId="{65745C70-A491-4E30-8BA9-F971ECE0D705}" type="pres">
+      <dgm:prSet presAssocID="{F8CE6DBD-3E24-4F4C-BA75-3E428011050F}" presName="root2" presStyleCnt="0"/>
+      <dgm:spPr/>
+    </dgm:pt>
+    <dgm:pt modelId="{B48036FB-FD23-4ADC-B0FE-68EBBA280C60}" type="pres">
+      <dgm:prSet presAssocID="{F8CE6DBD-3E24-4F4C-BA75-3E428011050F}" presName="LevelTwoTextNode" presStyleLbl="node2" presStyleIdx="2" presStyleCnt="3">
         <dgm:presLayoutVars>
           <dgm:chPref val="3"/>
         </dgm:presLayoutVars>
       </dgm:prSet>
       <dgm:spPr/>
     </dgm:pt>
-    <dgm:pt modelId="{CC9E1D62-2314-46AA-B02D-7E47E306258D}" type="pres">
-      <dgm:prSet presAssocID="{ED11CC77-26CC-4CB5-9167-4943918C7629}" presName="level3hierChild" presStyleCnt="0"/>
-      <dgm:spPr/>
-    </dgm:pt>
-    <dgm:pt modelId="{E3265772-50FB-413C-8B78-0C504F7BC20D}" type="pres">
-      <dgm:prSet presAssocID="{C7046F64-72B1-4A29-A04F-82A22BE1BFCA}" presName="conn2-1" presStyleLbl="parChTrans1D4" presStyleIdx="4" presStyleCnt="6"/>
-      <dgm:spPr/>
-    </dgm:pt>
-    <dgm:pt modelId="{408EA220-B4FD-4C23-B293-3E7DFB5BD6EE}" type="pres">
-      <dgm:prSet presAssocID="{C7046F64-72B1-4A29-A04F-82A22BE1BFCA}" presName="connTx" presStyleLbl="parChTrans1D4" presStyleIdx="4" presStyleCnt="6"/>
-      <dgm:spPr/>
-    </dgm:pt>
-    <dgm:pt modelId="{28D716A3-0F84-4EEA-95E1-E5A61F071BDF}" type="pres">
-      <dgm:prSet presAssocID="{9B1D44EB-4903-457D-BBF4-CDFBCC5CC9E4}" presName="root2" presStyleCnt="0"/>
-      <dgm:spPr/>
-    </dgm:pt>
-    <dgm:pt modelId="{AB32AD07-E5BC-47F6-AB20-BE3AAD9B2138}" type="pres">
-      <dgm:prSet presAssocID="{9B1D44EB-4903-457D-BBF4-CDFBCC5CC9E4}" presName="LevelTwoTextNode" presStyleLbl="node4" presStyleIdx="4" presStyleCnt="6">
+    <dgm:pt modelId="{262E3A0E-ED11-4AEE-9C4D-AE148E7DF549}" type="pres">
+      <dgm:prSet presAssocID="{F8CE6DBD-3E24-4F4C-BA75-3E428011050F}" presName="level3hierChild" presStyleCnt="0"/>
+      <dgm:spPr/>
+    </dgm:pt>
+    <dgm:pt modelId="{4E6F7B66-D0CB-45AC-B7BF-5845FFF689AC}" type="pres">
+      <dgm:prSet presAssocID="{F35932A2-9AC6-40A2-8CBC-3D1ACA004358}" presName="conn2-1" presStyleLbl="parChTrans1D3" presStyleIdx="4" presStyleCnt="6"/>
+      <dgm:spPr/>
+    </dgm:pt>
+    <dgm:pt modelId="{34CB63AB-DD1D-4EFE-BC98-272A32E95034}" type="pres">
+      <dgm:prSet presAssocID="{F35932A2-9AC6-40A2-8CBC-3D1ACA004358}" presName="connTx" presStyleLbl="parChTrans1D3" presStyleIdx="4" presStyleCnt="6"/>
+      <dgm:spPr/>
+    </dgm:pt>
+    <dgm:pt modelId="{72E4207A-E9F1-43EE-8D1E-4E351F28AD2D}" type="pres">
+      <dgm:prSet presAssocID="{D89041CE-9D08-49E8-B289-B24DD9F166C2}" presName="root2" presStyleCnt="0"/>
+      <dgm:spPr/>
+    </dgm:pt>
+    <dgm:pt modelId="{118FE515-EE26-4ED6-86F6-7AA4B1562FD2}" type="pres">
+      <dgm:prSet presAssocID="{D89041CE-9D08-49E8-B289-B24DD9F166C2}" presName="LevelTwoTextNode" presStyleLbl="node3" presStyleIdx="4" presStyleCnt="6">
         <dgm:presLayoutVars>
           <dgm:chPref val="3"/>
         </dgm:presLayoutVars>
       </dgm:prSet>
       <dgm:spPr/>
     </dgm:pt>
-    <dgm:pt modelId="{88F6988E-8184-4AA2-BBD3-273CEA5258BF}" type="pres">
-      <dgm:prSet presAssocID="{9B1D44EB-4903-457D-BBF4-CDFBCC5CC9E4}" presName="level3hierChild" presStyleCnt="0"/>
-      <dgm:spPr/>
-    </dgm:pt>
-    <dgm:pt modelId="{F3410B93-40BB-4173-889F-3BE6991497B2}" type="pres">
-      <dgm:prSet presAssocID="{BA6FDE82-8018-4EC7-A16C-F7ABC6343C25}" presName="conn2-1" presStyleLbl="parChTrans1D4" presStyleIdx="5" presStyleCnt="6"/>
-      <dgm:spPr/>
-    </dgm:pt>
-    <dgm:pt modelId="{74FF65C1-ED2C-4BB3-8C61-E68ADF4D4434}" type="pres">
-      <dgm:prSet presAssocID="{BA6FDE82-8018-4EC7-A16C-F7ABC6343C25}" presName="connTx" presStyleLbl="parChTrans1D4" presStyleIdx="5" presStyleCnt="6"/>
-      <dgm:spPr/>
-    </dgm:pt>
-    <dgm:pt modelId="{9DBEBCF2-8220-40C7-8AA4-FF5326C51142}" type="pres">
-      <dgm:prSet presAssocID="{01A9DDFE-BFA8-4C07-B171-93814A12B42B}" presName="root2" presStyleCnt="0"/>
-      <dgm:spPr/>
-    </dgm:pt>
-    <dgm:pt modelId="{3854D69A-B34B-43E6-B69C-85D33559B464}" type="pres">
-      <dgm:prSet presAssocID="{01A9DDFE-BFA8-4C07-B171-93814A12B42B}" presName="LevelTwoTextNode" presStyleLbl="node4" presStyleIdx="5" presStyleCnt="6">
+    <dgm:pt modelId="{8D02C378-BEE3-4848-A3E9-92B9DFA2175C}" type="pres">
+      <dgm:prSet presAssocID="{D89041CE-9D08-49E8-B289-B24DD9F166C2}" presName="level3hierChild" presStyleCnt="0"/>
+      <dgm:spPr/>
+    </dgm:pt>
+    <dgm:pt modelId="{7C1371A8-FA98-4AA2-A8CD-632A26A078FC}" type="pres">
+      <dgm:prSet presAssocID="{17355875-5B6E-4C7D-B3E1-42ED756CAD95}" presName="conn2-1" presStyleLbl="parChTrans1D4" presStyleIdx="4" presStyleCnt="8"/>
+      <dgm:spPr/>
+    </dgm:pt>
+    <dgm:pt modelId="{E1D62DA9-BE2E-4DF4-82E4-BC8CC0B302FD}" type="pres">
+      <dgm:prSet presAssocID="{17355875-5B6E-4C7D-B3E1-42ED756CAD95}" presName="connTx" presStyleLbl="parChTrans1D4" presStyleIdx="4" presStyleCnt="8"/>
+      <dgm:spPr/>
+    </dgm:pt>
+    <dgm:pt modelId="{1049D5CF-0DB0-41AD-9619-CA29C541339F}" type="pres">
+      <dgm:prSet presAssocID="{A2845E8F-B2CE-41E0-96FE-96FAF762D7C0}" presName="root2" presStyleCnt="0"/>
+      <dgm:spPr/>
+    </dgm:pt>
+    <dgm:pt modelId="{7D648BDF-0BB4-4AFD-8160-DE14E4FED722}" type="pres">
+      <dgm:prSet presAssocID="{A2845E8F-B2CE-41E0-96FE-96FAF762D7C0}" presName="LevelTwoTextNode" presStyleLbl="node4" presStyleIdx="4" presStyleCnt="8">
         <dgm:presLayoutVars>
           <dgm:chPref val="3"/>
         </dgm:presLayoutVars>
       </dgm:prSet>
       <dgm:spPr/>
     </dgm:pt>
+    <dgm:pt modelId="{C7ECA134-ABEF-4364-802D-AAF7ABCD4B82}" type="pres">
+      <dgm:prSet presAssocID="{A2845E8F-B2CE-41E0-96FE-96FAF762D7C0}" presName="level3hierChild" presStyleCnt="0"/>
+      <dgm:spPr/>
+    </dgm:pt>
+    <dgm:pt modelId="{BEBB7CF8-AF09-44BD-B237-9AFE2AEE7519}" type="pres">
+      <dgm:prSet presAssocID="{838186AF-3C05-411D-969D-E370C14682D9}" presName="conn2-1" presStyleLbl="parChTrans1D4" presStyleIdx="5" presStyleCnt="8"/>
+      <dgm:spPr/>
+    </dgm:pt>
+    <dgm:pt modelId="{E22679DF-6D65-4623-9F26-2236A51C9C92}" type="pres">
+      <dgm:prSet presAssocID="{838186AF-3C05-411D-969D-E370C14682D9}" presName="connTx" presStyleLbl="parChTrans1D4" presStyleIdx="5" presStyleCnt="8"/>
+      <dgm:spPr/>
+    </dgm:pt>
+    <dgm:pt modelId="{6F0AE55A-1C67-45B6-B7CB-352549307782}" type="pres">
+      <dgm:prSet presAssocID="{75528475-CBB7-4A1D-BDB2-5FE534E26623}" presName="root2" presStyleCnt="0"/>
+      <dgm:spPr/>
+    </dgm:pt>
+    <dgm:pt modelId="{D202FB1E-066E-40BC-BA35-35BB1DBA9BA4}" type="pres">
+      <dgm:prSet presAssocID="{75528475-CBB7-4A1D-BDB2-5FE534E26623}" presName="LevelTwoTextNode" presStyleLbl="node4" presStyleIdx="5" presStyleCnt="8">
+        <dgm:presLayoutVars>
+          <dgm:chPref val="3"/>
+        </dgm:presLayoutVars>
+      </dgm:prSet>
+      <dgm:spPr/>
+    </dgm:pt>
+    <dgm:pt modelId="{B1E1DF0D-6D62-49E6-8783-4059A9C96177}" type="pres">
+      <dgm:prSet presAssocID="{75528475-CBB7-4A1D-BDB2-5FE534E26623}" presName="level3hierChild" presStyleCnt="0"/>
+      <dgm:spPr/>
+    </dgm:pt>
+    <dgm:pt modelId="{4EA12D5F-1BD7-4F93-A03E-C280DDD05289}" type="pres">
+      <dgm:prSet presAssocID="{5C97324A-529B-4D70-985D-E41E53B4E792}" presName="conn2-1" presStyleLbl="parChTrans1D3" presStyleIdx="5" presStyleCnt="6"/>
+      <dgm:spPr/>
+    </dgm:pt>
+    <dgm:pt modelId="{CCCCE227-056D-4F92-95EE-D32705F412C1}" type="pres">
+      <dgm:prSet presAssocID="{5C97324A-529B-4D70-985D-E41E53B4E792}" presName="connTx" presStyleLbl="parChTrans1D3" presStyleIdx="5" presStyleCnt="6"/>
+      <dgm:spPr/>
+    </dgm:pt>
+    <dgm:pt modelId="{5596CD06-654C-4CAA-A8BD-C67A3C2A12A9}" type="pres">
+      <dgm:prSet presAssocID="{ED11CC77-26CC-4CB5-9167-4943918C7629}" presName="root2" presStyleCnt="0"/>
+      <dgm:spPr/>
+    </dgm:pt>
+    <dgm:pt modelId="{99B6EF6D-D127-4386-9B5F-70970E70BD8F}" type="pres">
+      <dgm:prSet presAssocID="{ED11CC77-26CC-4CB5-9167-4943918C7629}" presName="LevelTwoTextNode" presStyleLbl="node3" presStyleIdx="5" presStyleCnt="6">
+        <dgm:presLayoutVars>
+          <dgm:chPref val="3"/>
+        </dgm:presLayoutVars>
+      </dgm:prSet>
+      <dgm:spPr/>
+    </dgm:pt>
+    <dgm:pt modelId="{CC9E1D62-2314-46AA-B02D-7E47E306258D}" type="pres">
+      <dgm:prSet presAssocID="{ED11CC77-26CC-4CB5-9167-4943918C7629}" presName="level3hierChild" presStyleCnt="0"/>
+      <dgm:spPr/>
+    </dgm:pt>
+    <dgm:pt modelId="{E3265772-50FB-413C-8B78-0C504F7BC20D}" type="pres">
+      <dgm:prSet presAssocID="{C7046F64-72B1-4A29-A04F-82A22BE1BFCA}" presName="conn2-1" presStyleLbl="parChTrans1D4" presStyleIdx="6" presStyleCnt="8"/>
+      <dgm:spPr/>
+    </dgm:pt>
+    <dgm:pt modelId="{408EA220-B4FD-4C23-B293-3E7DFB5BD6EE}" type="pres">
+      <dgm:prSet presAssocID="{C7046F64-72B1-4A29-A04F-82A22BE1BFCA}" presName="connTx" presStyleLbl="parChTrans1D4" presStyleIdx="6" presStyleCnt="8"/>
+      <dgm:spPr/>
+    </dgm:pt>
+    <dgm:pt modelId="{28D716A3-0F84-4EEA-95E1-E5A61F071BDF}" type="pres">
+      <dgm:prSet presAssocID="{9B1D44EB-4903-457D-BBF4-CDFBCC5CC9E4}" presName="root2" presStyleCnt="0"/>
+      <dgm:spPr/>
+    </dgm:pt>
+    <dgm:pt modelId="{AB32AD07-E5BC-47F6-AB20-BE3AAD9B2138}" type="pres">
+      <dgm:prSet presAssocID="{9B1D44EB-4903-457D-BBF4-CDFBCC5CC9E4}" presName="LevelTwoTextNode" presStyleLbl="node4" presStyleIdx="6" presStyleCnt="8">
+        <dgm:presLayoutVars>
+          <dgm:chPref val="3"/>
+        </dgm:presLayoutVars>
+      </dgm:prSet>
+      <dgm:spPr/>
+    </dgm:pt>
+    <dgm:pt modelId="{88F6988E-8184-4AA2-BBD3-273CEA5258BF}" type="pres">
+      <dgm:prSet presAssocID="{9B1D44EB-4903-457D-BBF4-CDFBCC5CC9E4}" presName="level3hierChild" presStyleCnt="0"/>
+      <dgm:spPr/>
+    </dgm:pt>
+    <dgm:pt modelId="{F3410B93-40BB-4173-889F-3BE6991497B2}" type="pres">
+      <dgm:prSet presAssocID="{BA6FDE82-8018-4EC7-A16C-F7ABC6343C25}" presName="conn2-1" presStyleLbl="parChTrans1D4" presStyleIdx="7" presStyleCnt="8"/>
+      <dgm:spPr/>
+    </dgm:pt>
+    <dgm:pt modelId="{74FF65C1-ED2C-4BB3-8C61-E68ADF4D4434}" type="pres">
+      <dgm:prSet presAssocID="{BA6FDE82-8018-4EC7-A16C-F7ABC6343C25}" presName="connTx" presStyleLbl="parChTrans1D4" presStyleIdx="7" presStyleCnt="8"/>
+      <dgm:spPr/>
+    </dgm:pt>
+    <dgm:pt modelId="{9DBEBCF2-8220-40C7-8AA4-FF5326C51142}" type="pres">
+      <dgm:prSet presAssocID="{01A9DDFE-BFA8-4C07-B171-93814A12B42B}" presName="root2" presStyleCnt="0"/>
+      <dgm:spPr/>
+    </dgm:pt>
+    <dgm:pt modelId="{3854D69A-B34B-43E6-B69C-85D33559B464}" type="pres">
+      <dgm:prSet presAssocID="{01A9DDFE-BFA8-4C07-B171-93814A12B42B}" presName="LevelTwoTextNode" presStyleLbl="node4" presStyleIdx="7" presStyleCnt="8">
+        <dgm:presLayoutVars>
+          <dgm:chPref val="3"/>
+        </dgm:presLayoutVars>
+      </dgm:prSet>
+      <dgm:spPr/>
+    </dgm:pt>
     <dgm:pt modelId="{3344D227-5493-40DD-9611-A070B586DB03}" type="pres">
       <dgm:prSet presAssocID="{01A9DDFE-BFA8-4C07-B171-93814A12B42B}" presName="level3hierChild" presStyleCnt="0"/>
       <dgm:spPr/>
     </dgm:pt>
   </dgm:ptLst>
   <dgm:cxnLst>
-    <dgm:cxn modelId="{DE691B04-F3B7-4A4A-B4FD-BA028C9507B5}" type="presOf" srcId="{29C6CE91-5E51-4EC1-8BA9-67885023D0E6}" destId="{FA60FC2A-7DC4-4680-B243-BD5BE248CECC}" srcOrd="0" destOrd="0" presId="urn:microsoft.com/office/officeart/2008/layout/HorizontalMultiLevelHierarchy"/>
     <dgm:cxn modelId="{51DC5708-7AE2-4B8E-8023-5C75CF36C22E}" srcId="{A70236A2-6826-4D4B-A5F5-904D103B3FAC}" destId="{433C311F-D93A-429B-87F5-9E0A48564791}" srcOrd="0" destOrd="0" parTransId="{F6E343EC-0D9E-42F0-8AE2-C08514F10EE7}" sibTransId="{66DB08DA-91E4-4025-A316-94E42F9EA53C}"/>
-    <dgm:cxn modelId="{56FF5B0B-9DD7-4FCA-AEED-E062AD10DA00}" type="presOf" srcId="{F35932A2-9AC6-40A2-8CBC-3D1ACA004358}" destId="{34CB63AB-DD1D-4EFE-BC98-272A32E95034}" srcOrd="1" destOrd="0" presId="urn:microsoft.com/office/officeart/2008/layout/HorizontalMultiLevelHierarchy"/>
+    <dgm:cxn modelId="{779CC709-7261-4C12-89FC-440A4858962A}" type="presOf" srcId="{2FAA5258-CC5C-4CFE-9655-E5C09B059131}" destId="{2D3CB7BB-FC01-4F89-BB7A-32F75788192B}" srcOrd="0" destOrd="0" presId="urn:microsoft.com/office/officeart/2008/layout/HorizontalMultiLevelHierarchy"/>
+    <dgm:cxn modelId="{E2DFC50B-A8F3-4626-840D-16E6FCDA448A}" type="presOf" srcId="{360D5A7D-749B-45A5-9EDD-8628C205FC62}" destId="{8E30DA3D-D1C5-49D3-8256-04FE10CA98C5}" srcOrd="0" destOrd="0" presId="urn:microsoft.com/office/officeart/2008/layout/HorizontalMultiLevelHierarchy"/>
+    <dgm:cxn modelId="{4571C20F-F250-477A-90BD-111A47CCCC82}" type="presOf" srcId="{BA6FDE82-8018-4EC7-A16C-F7ABC6343C25}" destId="{74FF65C1-ED2C-4BB3-8C61-E68ADF4D4434}" srcOrd="1" destOrd="0" presId="urn:microsoft.com/office/officeart/2008/layout/HorizontalMultiLevelHierarchy"/>
     <dgm:cxn modelId="{77F48014-506E-4DF6-86C2-9119BAEDEF84}" type="presOf" srcId="{CEC2A30D-898A-476F-9F05-CAFADD1D897C}" destId="{D08DD5FA-FA70-4F38-A612-6E0D7BE45934}" srcOrd="1" destOrd="0" presId="urn:microsoft.com/office/officeart/2008/layout/HorizontalMultiLevelHierarchy"/>
     <dgm:cxn modelId="{D84FD515-0341-4267-9BE2-C2A6710CAD40}" type="presOf" srcId="{F6E343EC-0D9E-42F0-8AE2-C08514F10EE7}" destId="{FB65BAA6-022F-4C56-8F75-170524246368}" srcOrd="1" destOrd="0" presId="urn:microsoft.com/office/officeart/2008/layout/HorizontalMultiLevelHierarchy"/>
-    <dgm:cxn modelId="{E129B318-7108-424C-B834-9C06223CD83D}" type="presOf" srcId="{755A4DFB-DCDF-4B61-8419-48FB22465406}" destId="{22B0EE09-4531-450C-A2D0-F121BC3FA63C}" srcOrd="0" destOrd="0" presId="urn:microsoft.com/office/officeart/2008/layout/HorizontalMultiLevelHierarchy"/>
+    <dgm:cxn modelId="{D26B2418-90D9-461E-82C5-A31E683B7909}" type="presOf" srcId="{13E5AD71-0362-49A8-9CEE-E7D8968D376F}" destId="{6F9E7F67-D659-4537-8FC3-6C8387C6D1DB}" srcOrd="0" destOrd="0" presId="urn:microsoft.com/office/officeart/2008/layout/HorizontalMultiLevelHierarchy"/>
+    <dgm:cxn modelId="{84B01E1C-ED73-4B79-B298-F61EAE8DD76D}" type="presOf" srcId="{ED11CC77-26CC-4CB5-9167-4943918C7629}" destId="{99B6EF6D-D127-4386-9B5F-70970E70BD8F}" srcOrd="0" destOrd="0" presId="urn:microsoft.com/office/officeart/2008/layout/HorizontalMultiLevelHierarchy"/>
     <dgm:cxn modelId="{605EBD1E-B6B8-4C66-BF9B-9CFA3C4E3947}" type="presOf" srcId="{19BF28C0-A947-4575-B8A0-51F90716FF41}" destId="{D6278149-CA7A-40D3-BF07-37D1494A2882}" srcOrd="0" destOrd="0" presId="urn:microsoft.com/office/officeart/2008/layout/HorizontalMultiLevelHierarchy"/>
+    <dgm:cxn modelId="{87A44B21-E634-4B93-8299-3869160934CC}" type="presOf" srcId="{4BA5CF84-4885-4E96-BCA6-D164CDD63182}" destId="{CD9890DF-3632-4B66-B55D-EBAF03DA22FE}" srcOrd="0" destOrd="0" presId="urn:microsoft.com/office/officeart/2008/layout/HorizontalMultiLevelHierarchy"/>
+    <dgm:cxn modelId="{16BE2024-5A6A-4DF3-923D-664EFAEF2309}" type="presOf" srcId="{17355875-5B6E-4C7D-B3E1-42ED756CAD95}" destId="{7C1371A8-FA98-4AA2-A8CD-632A26A078FC}" srcOrd="0" destOrd="0" presId="urn:microsoft.com/office/officeart/2008/layout/HorizontalMultiLevelHierarchy"/>
     <dgm:cxn modelId="{010F5B26-BAA2-496B-9C03-A479430A4F84}" type="presOf" srcId="{E23F4192-BD3E-4932-B9D1-66AF2E229012}" destId="{6A1B6DDC-80A2-4158-8069-621E066A24AD}" srcOrd="0" destOrd="0" presId="urn:microsoft.com/office/officeart/2008/layout/HorizontalMultiLevelHierarchy"/>
-    <dgm:cxn modelId="{A0A9822E-338E-4718-A150-EDCA9A55E523}" type="presOf" srcId="{9B1D44EB-4903-457D-BBF4-CDFBCC5CC9E4}" destId="{AB32AD07-E5BC-47F6-AB20-BE3AAD9B2138}" srcOrd="0" destOrd="0" presId="urn:microsoft.com/office/officeart/2008/layout/HorizontalMultiLevelHierarchy"/>
+    <dgm:cxn modelId="{2918992B-D9E4-44B1-83F8-1DB0C9D57E5C}" type="presOf" srcId="{9B1D44EB-4903-457D-BBF4-CDFBCC5CC9E4}" destId="{AB32AD07-E5BC-47F6-AB20-BE3AAD9B2138}" srcOrd="0" destOrd="0" presId="urn:microsoft.com/office/officeart/2008/layout/HorizontalMultiLevelHierarchy"/>
+    <dgm:cxn modelId="{7EA0392F-FEC6-4D35-A905-9927CC840956}" type="presOf" srcId="{34BED406-A45F-4FBF-A8E2-A670787F1FDD}" destId="{5A4F93C8-EA07-45F7-BF9D-9B6F221C4591}" srcOrd="1" destOrd="0" presId="urn:microsoft.com/office/officeart/2008/layout/HorizontalMultiLevelHierarchy"/>
     <dgm:cxn modelId="{23E23732-A7B6-4D47-AB36-44F95238DEA3}" type="presOf" srcId="{A64442FC-75E2-4942-BF84-190EA8976B26}" destId="{599AEC48-6BEE-42C6-9C74-1721A7721A43}" srcOrd="0" destOrd="0" presId="urn:microsoft.com/office/officeart/2008/layout/HorizontalMultiLevelHierarchy"/>
-    <dgm:cxn modelId="{FF67A433-3C32-433E-BF1C-C59EFA04C29B}" type="presOf" srcId="{5C97324A-529B-4D70-985D-E41E53B4E792}" destId="{CCCCE227-056D-4F92-95EE-D32705F412C1}" srcOrd="1" destOrd="0" presId="urn:microsoft.com/office/officeart/2008/layout/HorizontalMultiLevelHierarchy"/>
     <dgm:cxn modelId="{A38E5634-777B-4BB2-91AA-C816635C48AD}" srcId="{D89041CE-9D08-49E8-B289-B24DD9F166C2}" destId="{A2845E8F-B2CE-41E0-96FE-96FAF762D7C0}" srcOrd="0" destOrd="0" parTransId="{17355875-5B6E-4C7D-B3E1-42ED756CAD95}" sibTransId="{1580C38B-2093-430C-B337-AA985411AFDF}"/>
-    <dgm:cxn modelId="{4CF0DF34-96AC-4F08-987A-20D2447D320B}" type="presOf" srcId="{D89041CE-9D08-49E8-B289-B24DD9F166C2}" destId="{118FE515-EE26-4ED6-86F6-7AA4B1562FD2}" srcOrd="0" destOrd="0" presId="urn:microsoft.com/office/officeart/2008/layout/HorizontalMultiLevelHierarchy"/>
-    <dgm:cxn modelId="{0936B43D-F238-490C-8F93-D609723D48A8}" type="presOf" srcId="{ED11CC77-26CC-4CB5-9167-4943918C7629}" destId="{99B6EF6D-D127-4386-9B5F-70970E70BD8F}" srcOrd="0" destOrd="0" presId="urn:microsoft.com/office/officeart/2008/layout/HorizontalMultiLevelHierarchy"/>
+    <dgm:cxn modelId="{16363935-327A-48A0-9678-3AF64B67EEE1}" type="presOf" srcId="{C7046F64-72B1-4A29-A04F-82A22BE1BFCA}" destId="{408EA220-B4FD-4C23-B293-3E7DFB5BD6EE}" srcOrd="1" destOrd="0" presId="urn:microsoft.com/office/officeart/2008/layout/HorizontalMultiLevelHierarchy"/>
+    <dgm:cxn modelId="{D0FE0B38-D66E-47C5-B39C-4BFB83CDA235}" type="presOf" srcId="{F80F7D4B-0012-40AB-AF17-64DBCE95CB96}" destId="{D3502A88-EDA7-4739-BCFF-E3784014668C}" srcOrd="0" destOrd="0" presId="urn:microsoft.com/office/officeart/2008/layout/HorizontalMultiLevelHierarchy"/>
     <dgm:cxn modelId="{DDB76A60-BFCD-4D3F-99B1-CDF280F733E3}" type="presOf" srcId="{433C311F-D93A-429B-87F5-9E0A48564791}" destId="{3A5CCBAF-C539-4512-B81D-3991CEEF3C7D}" srcOrd="0" destOrd="0" presId="urn:microsoft.com/office/officeart/2008/layout/HorizontalMultiLevelHierarchy"/>
+    <dgm:cxn modelId="{183EBE61-F218-4005-91E8-08C724EF20B6}" srcId="{360D5A7D-749B-45A5-9EDD-8628C205FC62}" destId="{13E5AD71-0362-49A8-9CEE-E7D8968D376F}" srcOrd="0" destOrd="0" parTransId="{AF86FB67-211B-4A76-A550-44B644199B91}" sibTransId="{592BBFAC-45C4-4812-9DC8-2DFA2B1C0592}"/>
+    <dgm:cxn modelId="{BCA41A42-515C-41A8-9DB0-1B625B1C2B00}" type="presOf" srcId="{01A9DDFE-BFA8-4C07-B171-93814A12B42B}" destId="{3854D69A-B34B-43E6-B69C-85D33559B464}" srcOrd="0" destOrd="0" presId="urn:microsoft.com/office/officeart/2008/layout/HorizontalMultiLevelHierarchy"/>
     <dgm:cxn modelId="{845E0145-4ABB-46C4-B737-A62A44F3C618}" type="presOf" srcId="{CEC2A30D-898A-476F-9F05-CAFADD1D897C}" destId="{C91B650B-65C0-4159-A43B-B71544D11A5F}" srcOrd="0" destOrd="0" presId="urn:microsoft.com/office/officeart/2008/layout/HorizontalMultiLevelHierarchy"/>
     <dgm:cxn modelId="{1B190445-076B-46C6-8F79-1A0DF828DDFC}" srcId="{ED11CC77-26CC-4CB5-9167-4943918C7629}" destId="{01A9DDFE-BFA8-4C07-B171-93814A12B42B}" srcOrd="1" destOrd="0" parTransId="{BA6FDE82-8018-4EC7-A16C-F7ABC6343C25}" sibTransId="{F8D73121-0947-4F02-88FC-20554D73E107}"/>
-    <dgm:cxn modelId="{A62D4F45-210F-4CBA-9218-F4068F6AAFD7}" srcId="{755A4DFB-DCDF-4B61-8419-48FB22465406}" destId="{7979D0C9-7621-43E1-97C4-5EF9679DB496}" srcOrd="0" destOrd="0" parTransId="{29C6CE91-5E51-4EC1-8BA9-67885023D0E6}" sibTransId="{7BFB0146-B6ED-48EA-8099-520E688A0B64}"/>
     <dgm:cxn modelId="{60FC4166-1F51-4728-BF72-85D9F7CAF11D}" type="presOf" srcId="{DAF193AD-46D2-40DA-9FFD-BEF7285CB72B}" destId="{1C640652-5BD1-44B9-A1DD-A972D32532FA}" srcOrd="1" destOrd="0" presId="urn:microsoft.com/office/officeart/2008/layout/HorizontalMultiLevelHierarchy"/>
+    <dgm:cxn modelId="{43362167-26F5-4F68-B52D-A5920FBE22C6}" type="presOf" srcId="{838186AF-3C05-411D-969D-E370C14682D9}" destId="{E22679DF-6D65-4623-9F26-2236A51C9C92}" srcOrd="1" destOrd="0" presId="urn:microsoft.com/office/officeart/2008/layout/HorizontalMultiLevelHierarchy"/>
+    <dgm:cxn modelId="{0D91B849-2451-4D43-9661-9095349DC693}" type="presOf" srcId="{96B0B7C1-96CE-4860-9319-2BF6BB6E8B5C}" destId="{AB0903AA-C10E-4AA9-8B85-C75D0228EB5C}" srcOrd="0" destOrd="0" presId="urn:microsoft.com/office/officeart/2008/layout/HorizontalMultiLevelHierarchy"/>
+    <dgm:cxn modelId="{966D7E4A-09B2-4415-8FFE-50E367AE9395}" srcId="{D89041CE-9D08-49E8-B289-B24DD9F166C2}" destId="{75528475-CBB7-4A1D-BDB2-5FE534E26623}" srcOrd="1" destOrd="0" parTransId="{838186AF-3C05-411D-969D-E370C14682D9}" sibTransId="{E7F5AB41-0CCE-4238-B6B9-65D690B9A0D9}"/>
+    <dgm:cxn modelId="{72B5F54A-6084-420F-9B46-2B226478BC20}" type="presOf" srcId="{F35932A2-9AC6-40A2-8CBC-3D1ACA004358}" destId="{34CB63AB-DD1D-4EFE-BC98-272A32E95034}" srcOrd="1" destOrd="0" presId="urn:microsoft.com/office/officeart/2008/layout/HorizontalMultiLevelHierarchy"/>
+    <dgm:cxn modelId="{975CFB4A-6FD2-46A8-918E-3EA8A78429B6}" type="presOf" srcId="{D89041CE-9D08-49E8-B289-B24DD9F166C2}" destId="{118FE515-EE26-4ED6-86F6-7AA4B1562FD2}" srcOrd="0" destOrd="0" presId="urn:microsoft.com/office/officeart/2008/layout/HorizontalMultiLevelHierarchy"/>
     <dgm:cxn modelId="{2781D371-4015-4714-AFF7-BBA0F331F2EB}" type="presOf" srcId="{9C1A06A7-0C3B-455E-8E6C-EFA8BE2D207B}" destId="{D05E8419-5D54-4AB7-95A4-AE6EB53AF800}" srcOrd="0" destOrd="0" presId="urn:microsoft.com/office/officeart/2008/layout/HorizontalMultiLevelHierarchy"/>
+    <dgm:cxn modelId="{79814872-E195-48B0-B41C-67A266D64CFA}" type="presOf" srcId="{5008F523-B81B-4FEC-AF73-7667E397D0C7}" destId="{64BAC6D5-BE67-41EC-B555-6114B9A28138}" srcOrd="0" destOrd="0" presId="urn:microsoft.com/office/officeart/2008/layout/HorizontalMultiLevelHierarchy"/>
+    <dgm:cxn modelId="{39F38972-8C72-41AA-853D-BF335B508CA2}" type="presOf" srcId="{BA6FDE82-8018-4EC7-A16C-F7ABC6343C25}" destId="{F3410B93-40BB-4173-889F-3BE6991497B2}" srcOrd="0" destOrd="0" presId="urn:microsoft.com/office/officeart/2008/layout/HorizontalMultiLevelHierarchy"/>
+    <dgm:cxn modelId="{0AB81653-75F1-47FA-8F9E-CB24EC5124C4}" type="presOf" srcId="{17355875-5B6E-4C7D-B3E1-42ED756CAD95}" destId="{E1D62DA9-BE2E-4DF4-82E4-BC8CC0B302FD}" srcOrd="1" destOrd="0" presId="urn:microsoft.com/office/officeart/2008/layout/HorizontalMultiLevelHierarchy"/>
     <dgm:cxn modelId="{46E96553-37A3-4B5A-9008-613E2FA4765F}" srcId="{A70236A2-6826-4D4B-A5F5-904D103B3FAC}" destId="{A64442FC-75E2-4942-BF84-190EA8976B26}" srcOrd="1" destOrd="0" parTransId="{E23F4192-BD3E-4932-B9D1-66AF2E229012}" sibTransId="{7EF02CA6-4371-4C9C-8B85-491C2B757EAD}"/>
-    <dgm:cxn modelId="{1B03FD73-D9CD-406E-82B1-5B6B05B86C9E}" srcId="{4F56EA59-E6CD-4CE3-81D3-F0CE1FE06B7A}" destId="{755A4DFB-DCDF-4B61-8419-48FB22465406}" srcOrd="2" destOrd="0" parTransId="{E7ACCA5E-334D-4BB9-94EE-83D38AFA00C1}" sibTransId="{83C238B3-9C73-43BB-8FBF-1F1766027675}"/>
     <dgm:cxn modelId="{67647154-0B61-42BE-B6A0-BEFA8C9F9F7A}" srcId="{9C1A06A7-0C3B-455E-8E6C-EFA8BE2D207B}" destId="{4F56EA59-E6CD-4CE3-81D3-F0CE1FE06B7A}" srcOrd="0" destOrd="0" parTransId="{DAF193AD-46D2-40DA-9FFD-BEF7285CB72B}" sibTransId="{05B21B7A-87E4-48E8-BE77-7D6F0A75E1EF}"/>
-    <dgm:cxn modelId="{D6C82E59-7862-4D43-8BEB-0A82973C9B1B}" type="presOf" srcId="{A2845E8F-B2CE-41E0-96FE-96FAF762D7C0}" destId="{7D648BDF-0BB4-4AFD-8160-DE14E4FED722}" srcOrd="0" destOrd="0" presId="urn:microsoft.com/office/officeart/2008/layout/HorizontalMultiLevelHierarchy"/>
-    <dgm:cxn modelId="{241CFB80-B91A-49B5-80AD-472156BC6CD1}" type="presOf" srcId="{C7046F64-72B1-4A29-A04F-82A22BE1BFCA}" destId="{408EA220-B4FD-4C23-B293-3E7DFB5BD6EE}" srcOrd="1" destOrd="0" presId="urn:microsoft.com/office/officeart/2008/layout/HorizontalMultiLevelHierarchy"/>
+    <dgm:cxn modelId="{A9621B83-CC06-4DCE-B2F8-E221C5D4E266}" type="presOf" srcId="{34BED406-A45F-4FBF-A8E2-A670787F1FDD}" destId="{D08DAB40-7587-41D7-8A45-A88AAFFFC2C6}" srcOrd="0" destOrd="0" presId="urn:microsoft.com/office/officeart/2008/layout/HorizontalMultiLevelHierarchy"/>
     <dgm:cxn modelId="{7132D984-09C9-467A-98A3-6FD3EE24183A}" type="presOf" srcId="{C005DB52-0165-4473-B0D5-2A15F068D348}" destId="{FD955478-892F-4DE4-9FEF-9278AFCF97C4}" srcOrd="1" destOrd="0" presId="urn:microsoft.com/office/officeart/2008/layout/HorizontalMultiLevelHierarchy"/>
+    <dgm:cxn modelId="{4BF2CF89-6A74-4A27-B4C7-C7FEF6B43462}" type="presOf" srcId="{9A606830-BC38-4497-B25D-A3F0F8BFC77B}" destId="{55499A97-FFFB-4D83-B6B3-F8B7B89EB8AC}" srcOrd="0" destOrd="0" presId="urn:microsoft.com/office/officeart/2008/layout/HorizontalMultiLevelHierarchy"/>
     <dgm:cxn modelId="{6A3FF989-1A29-4374-8FEE-8FDAAD15EB4F}" type="presOf" srcId="{A70236A2-6826-4D4B-A5F5-904D103B3FAC}" destId="{12E18B45-F2D6-4206-8915-8FB5C91159E8}" srcOrd="0" destOrd="0" presId="urn:microsoft.com/office/officeart/2008/layout/HorizontalMultiLevelHierarchy"/>
     <dgm:cxn modelId="{7449FE89-D143-4692-84B4-ECBE40B906F5}" type="presOf" srcId="{DAF193AD-46D2-40DA-9FFD-BEF7285CB72B}" destId="{19117B96-A3DF-4518-A305-0758FE40395B}" srcOrd="0" destOrd="0" presId="urn:microsoft.com/office/officeart/2008/layout/HorizontalMultiLevelHierarchy"/>
-    <dgm:cxn modelId="{82437C8A-853D-4464-9B11-09F5D991AB8D}" type="presOf" srcId="{9A606830-BC38-4497-B25D-A3F0F8BFC77B}" destId="{55499A97-FFFB-4D83-B6B3-F8B7B89EB8AC}" srcOrd="0" destOrd="0" presId="urn:microsoft.com/office/officeart/2008/layout/HorizontalMultiLevelHierarchy"/>
     <dgm:cxn modelId="{9C45D58B-1B4C-4BAB-9798-A2FA235F65FC}" srcId="{F8CE6DBD-3E24-4F4C-BA75-3E428011050F}" destId="{ED11CC77-26CC-4CB5-9167-4943918C7629}" srcOrd="1" destOrd="0" parTransId="{5C97324A-529B-4D70-985D-E41E53B4E792}" sibTransId="{434C6367-DD32-45B5-950F-07B461CBC3E8}"/>
-    <dgm:cxn modelId="{D71D6F9F-F0B0-4EA1-823E-BD0A72E7202D}" type="presOf" srcId="{29C6CE91-5E51-4EC1-8BA9-67885023D0E6}" destId="{799EC007-DAB6-471B-A340-B147E6E7ED07}" srcOrd="1" destOrd="0" presId="urn:microsoft.com/office/officeart/2008/layout/HorizontalMultiLevelHierarchy"/>
+    <dgm:cxn modelId="{CBA48D8F-DFF9-4DDB-8EC1-EE649364BD0C}" type="presOf" srcId="{2FAA5258-CC5C-4CFE-9655-E5C09B059131}" destId="{57D9D1F8-5E9C-431D-9598-EB30517C42E1}" srcOrd="1" destOrd="0" presId="urn:microsoft.com/office/officeart/2008/layout/HorizontalMultiLevelHierarchy"/>
+    <dgm:cxn modelId="{0D33CF94-7EDC-47FE-AB47-AC82AEF9C9FE}" type="presOf" srcId="{AF86FB67-211B-4A76-A550-44B644199B91}" destId="{D8B30C8F-1BC0-4FD1-9CED-843BF24ADEAD}" srcOrd="0" destOrd="0" presId="urn:microsoft.com/office/officeart/2008/layout/HorizontalMultiLevelHierarchy"/>
+    <dgm:cxn modelId="{26990096-029C-4F25-942A-DC26A6B295DC}" type="presOf" srcId="{5C97324A-529B-4D70-985D-E41E53B4E792}" destId="{CCCCE227-056D-4F92-95EE-D32705F412C1}" srcOrd="1" destOrd="0" presId="urn:microsoft.com/office/officeart/2008/layout/HorizontalMultiLevelHierarchy"/>
+    <dgm:cxn modelId="{6B980EA3-2979-4B71-9532-8672DEC905FC}" srcId="{4BA5CF84-4885-4E96-BCA6-D164CDD63182}" destId="{00BC3BD3-5E8E-411E-BBC0-EE5EFA67D3A5}" srcOrd="0" destOrd="0" parTransId="{F80F7D4B-0012-40AB-AF17-64DBCE95CB96}" sibTransId="{F83A63D3-8CF0-4AF7-A7CA-BDDF633BE166}"/>
     <dgm:cxn modelId="{6BCBE0A4-1398-4D29-AF1A-01530DD5CAD4}" type="presOf" srcId="{4F56EA59-E6CD-4CE3-81D3-F0CE1FE06B7A}" destId="{AD6BE46D-9C1B-4FCF-A027-4EB058AB4D84}" srcOrd="0" destOrd="0" presId="urn:microsoft.com/office/officeart/2008/layout/HorizontalMultiLevelHierarchy"/>
-    <dgm:cxn modelId="{9E352DA5-2E31-4099-BC88-40D1C8B5ED64}" type="presOf" srcId="{C7046F64-72B1-4A29-A04F-82A22BE1BFCA}" destId="{E3265772-50FB-413C-8B78-0C504F7BC20D}" srcOrd="0" destOrd="0" presId="urn:microsoft.com/office/officeart/2008/layout/HorizontalMultiLevelHierarchy"/>
     <dgm:cxn modelId="{4F9F73A5-DAA5-4DFE-B72D-A5433027D378}" type="presOf" srcId="{F6E343EC-0D9E-42F0-8AE2-C08514F10EE7}" destId="{D7444303-4392-4EF6-872F-86F286895BCD}" srcOrd="0" destOrd="0" presId="urn:microsoft.com/office/officeart/2008/layout/HorizontalMultiLevelHierarchy"/>
-    <dgm:cxn modelId="{A27426A7-6C02-4CDB-A8B1-FC687B4C7D24}" type="presOf" srcId="{F8CE6DBD-3E24-4F4C-BA75-3E428011050F}" destId="{B48036FB-FD23-4ADC-B0FE-68EBBA280C60}" srcOrd="0" destOrd="0" presId="urn:microsoft.com/office/officeart/2008/layout/HorizontalMultiLevelHierarchy"/>
-    <dgm:cxn modelId="{AD078BAB-2BF3-468C-BDEE-01C58C1C050E}" type="presOf" srcId="{7979D0C9-7621-43E1-97C4-5EF9679DB496}" destId="{0720C1DB-B93A-4D0B-9749-3105015D54CC}" srcOrd="0" destOrd="0" presId="urn:microsoft.com/office/officeart/2008/layout/HorizontalMultiLevelHierarchy"/>
-    <dgm:cxn modelId="{41A695AC-931A-47F6-BAF6-D7AEAA5FB62D}" type="presOf" srcId="{F35932A2-9AC6-40A2-8CBC-3D1ACA004358}" destId="{4E6F7B66-D0CB-45AC-B7BF-5845FFF689AC}" srcOrd="0" destOrd="0" presId="urn:microsoft.com/office/officeart/2008/layout/HorizontalMultiLevelHierarchy"/>
-    <dgm:cxn modelId="{B8AD69AF-88B2-4B4E-81B6-B232D1C54E13}" type="presOf" srcId="{17355875-5B6E-4C7D-B3E1-42ED756CAD95}" destId="{E1D62DA9-BE2E-4DF4-82E4-BC8CC0B302FD}" srcOrd="1" destOrd="0" presId="urn:microsoft.com/office/officeart/2008/layout/HorizontalMultiLevelHierarchy"/>
+    <dgm:cxn modelId="{67E3C3A7-68DB-4E3F-A7B1-08DF33ACA3F6}" type="presOf" srcId="{F8CE6DBD-3E24-4F4C-BA75-3E428011050F}" destId="{B48036FB-FD23-4ADC-B0FE-68EBBA280C60}" srcOrd="0" destOrd="0" presId="urn:microsoft.com/office/officeart/2008/layout/HorizontalMultiLevelHierarchy"/>
+    <dgm:cxn modelId="{AD2D88A8-14C8-4638-A61E-CA2BAEAD4EA6}" type="presOf" srcId="{00BC3BD3-5E8E-411E-BBC0-EE5EFA67D3A5}" destId="{B2DA4715-9F50-4634-BB1D-49EC4B687397}" srcOrd="0" destOrd="0" presId="urn:microsoft.com/office/officeart/2008/layout/HorizontalMultiLevelHierarchy"/>
+    <dgm:cxn modelId="{81BD41AB-F653-4ADE-BD09-B6D1C18B7822}" type="presOf" srcId="{96B0B7C1-96CE-4860-9319-2BF6BB6E8B5C}" destId="{EBBFA1F1-02C5-400F-9B0F-51B31C049AE5}" srcOrd="1" destOrd="0" presId="urn:microsoft.com/office/officeart/2008/layout/HorizontalMultiLevelHierarchy"/>
     <dgm:cxn modelId="{A131BCAF-65EF-4DB1-BE4B-A2B003F5C48C}" type="presOf" srcId="{C005DB52-0165-4473-B0D5-2A15F068D348}" destId="{75ED56AE-209B-401C-ACC1-0F9B09FF557C}" srcOrd="0" destOrd="0" presId="urn:microsoft.com/office/officeart/2008/layout/HorizontalMultiLevelHierarchy"/>
     <dgm:cxn modelId="{030F29B3-2F15-4021-BACE-2E28F534BB47}" srcId="{4F56EA59-E6CD-4CE3-81D3-F0CE1FE06B7A}" destId="{19BF28C0-A947-4575-B8A0-51F90716FF41}" srcOrd="0" destOrd="0" parTransId="{C005DB52-0165-4473-B0D5-2A15F068D348}" sibTransId="{F2E7E090-70AF-42DA-AE23-BDDA6DDC2B42}"/>
     <dgm:cxn modelId="{458BA0B4-3827-4C4A-B474-E85D8E92FF5B}" srcId="{F8CE6DBD-3E24-4F4C-BA75-3E428011050F}" destId="{D89041CE-9D08-49E8-B289-B24DD9F166C2}" srcOrd="0" destOrd="0" parTransId="{F35932A2-9AC6-40A2-8CBC-3D1ACA004358}" sibTransId="{6F40A53C-657A-4C57-81E7-CE39975130A6}"/>
-    <dgm:cxn modelId="{8418C7B5-1139-411B-9715-069F79C2294B}" type="presOf" srcId="{E7ACCA5E-334D-4BB9-94EE-83D38AFA00C1}" destId="{39DCE1B0-2E34-4542-9F27-297A457A235F}" srcOrd="1" destOrd="0" presId="urn:microsoft.com/office/officeart/2008/layout/HorizontalMultiLevelHierarchy"/>
     <dgm:cxn modelId="{A4EC22B8-625F-4196-A543-FC7CB9E3B61B}" type="presOf" srcId="{E23F4192-BD3E-4932-B9D1-66AF2E229012}" destId="{36BA110C-BE5A-4A05-8E5F-9B10C15D0007}" srcOrd="1" destOrd="0" presId="urn:microsoft.com/office/officeart/2008/layout/HorizontalMultiLevelHierarchy"/>
-    <dgm:cxn modelId="{172B87BB-E135-4A08-9E25-9D8CFEFBB2CB}" type="presOf" srcId="{BA6FDE82-8018-4EC7-A16C-F7ABC6343C25}" destId="{74FF65C1-ED2C-4BB3-8C61-E68ADF4D4434}" srcOrd="1" destOrd="0" presId="urn:microsoft.com/office/officeart/2008/layout/HorizontalMultiLevelHierarchy"/>
-    <dgm:cxn modelId="{438F98D0-24DC-4A28-AB6C-66A8D44AF747}" type="presOf" srcId="{E7ACCA5E-334D-4BB9-94EE-83D38AFA00C1}" destId="{BE36CDE6-C70C-4C37-8A9D-CA21FF1B46D2}" srcOrd="0" destOrd="0" presId="urn:microsoft.com/office/officeart/2008/layout/HorizontalMultiLevelHierarchy"/>
-    <dgm:cxn modelId="{AA4669DD-DDA3-4ED5-BC2E-B0EB9F82D82D}" type="presOf" srcId="{9A606830-BC38-4497-B25D-A3F0F8BFC77B}" destId="{1F7032A4-85C1-49B0-BD6C-BA4A1AA4CDA7}" srcOrd="1" destOrd="0" presId="urn:microsoft.com/office/officeart/2008/layout/HorizontalMultiLevelHierarchy"/>
-    <dgm:cxn modelId="{C2FFEBDE-CB00-4B85-89A6-7F0653E82234}" type="presOf" srcId="{5C97324A-529B-4D70-985D-E41E53B4E792}" destId="{4EA12D5F-1BD7-4F93-A03E-C280DDD05289}" srcOrd="0" destOrd="0" presId="urn:microsoft.com/office/officeart/2008/layout/HorizontalMultiLevelHierarchy"/>
+    <dgm:cxn modelId="{5FD35DB8-EECD-4A47-A7E5-32B7933E5FFD}" type="presOf" srcId="{5C97324A-529B-4D70-985D-E41E53B4E792}" destId="{4EA12D5F-1BD7-4F93-A03E-C280DDD05289}" srcOrd="0" destOrd="0" presId="urn:microsoft.com/office/officeart/2008/layout/HorizontalMultiLevelHierarchy"/>
+    <dgm:cxn modelId="{353E98BA-A794-4219-B3A1-C2E30917C163}" type="presOf" srcId="{A2845E8F-B2CE-41E0-96FE-96FAF762D7C0}" destId="{7D648BDF-0BB4-4AFD-8160-DE14E4FED722}" srcOrd="0" destOrd="0" presId="urn:microsoft.com/office/officeart/2008/layout/HorizontalMultiLevelHierarchy"/>
+    <dgm:cxn modelId="{8EAFEDC4-D410-4EC0-ABA0-12E5EB2D0FBB}" type="presOf" srcId="{838186AF-3C05-411D-969D-E370C14682D9}" destId="{BEBB7CF8-AF09-44BD-B237-9AFE2AEE7519}" srcOrd="0" destOrd="0" presId="urn:microsoft.com/office/officeart/2008/layout/HorizontalMultiLevelHierarchy"/>
+    <dgm:cxn modelId="{CCECB8C6-D34D-4C93-B0A7-2821F62C17D4}" srcId="{13E5AD71-0362-49A8-9CEE-E7D8968D376F}" destId="{5008F523-B81B-4FEC-AF73-7667E397D0C7}" srcOrd="0" destOrd="0" parTransId="{34BED406-A45F-4FBF-A8E2-A670787F1FDD}" sibTransId="{09C52952-AB55-4CDF-B966-20F6C8BBF58B}"/>
+    <dgm:cxn modelId="{736665CF-A776-4CF2-A5D4-9C85E3780271}" srcId="{4F56EA59-E6CD-4CE3-81D3-F0CE1FE06B7A}" destId="{4BA5CF84-4885-4E96-BCA6-D164CDD63182}" srcOrd="1" destOrd="0" parTransId="{2FAA5258-CC5C-4CFE-9655-E5C09B059131}" sibTransId="{67E40AA4-8E63-44DA-A9DD-8BDE144A7070}"/>
+    <dgm:cxn modelId="{D82CDFD1-8FCB-416C-BC36-7CEAD041188F}" type="presOf" srcId="{F80F7D4B-0012-40AB-AF17-64DBCE95CB96}" destId="{0207A684-6E54-45CB-881E-82FD8C6BFFEA}" srcOrd="1" destOrd="0" presId="urn:microsoft.com/office/officeart/2008/layout/HorizontalMultiLevelHierarchy"/>
+    <dgm:cxn modelId="{38A21FDE-AAA1-4A1B-BD7D-A9AF986FB0E7}" type="presOf" srcId="{75528475-CBB7-4A1D-BDB2-5FE534E26623}" destId="{D202FB1E-066E-40BC-BA35-35BB1DBA9BA4}" srcOrd="0" destOrd="0" presId="urn:microsoft.com/office/officeart/2008/layout/HorizontalMultiLevelHierarchy"/>
+    <dgm:cxn modelId="{0EAC7ADF-A3FF-4AA2-B5EA-B7E373AA9520}" srcId="{9C1A06A7-0C3B-455E-8E6C-EFA8BE2D207B}" destId="{360D5A7D-749B-45A5-9EDD-8628C205FC62}" srcOrd="1" destOrd="0" parTransId="{96B0B7C1-96CE-4860-9319-2BF6BB6E8B5C}" sibTransId="{0B38A4B4-A880-458C-8338-5C9B061F1180}"/>
     <dgm:cxn modelId="{7EBCC2DF-1F4E-41B3-8C5F-67051BDD9518}" type="presOf" srcId="{9E9FC8EA-04B6-4394-8899-678DD1EFE0AE}" destId="{96AC2F14-0074-4FD9-B7BE-2567598EF3D1}" srcOrd="0" destOrd="0" presId="urn:microsoft.com/office/officeart/2008/layout/HorizontalMultiLevelHierarchy"/>
+    <dgm:cxn modelId="{56096BE3-86F7-461E-B961-CCDD552784EC}" type="presOf" srcId="{C7046F64-72B1-4A29-A04F-82A22BE1BFCA}" destId="{E3265772-50FB-413C-8B78-0C504F7BC20D}" srcOrd="0" destOrd="0" presId="urn:microsoft.com/office/officeart/2008/layout/HorizontalMultiLevelHierarchy"/>
     <dgm:cxn modelId="{41D47EE3-3B68-4E1D-AEC3-823E510CB647}" srcId="{9E9FC8EA-04B6-4394-8899-678DD1EFE0AE}" destId="{9C1A06A7-0C3B-455E-8E6C-EFA8BE2D207B}" srcOrd="0" destOrd="0" parTransId="{EA61C6C3-A1FA-4D3C-B1D8-2BB304E0D6CB}" sibTransId="{E0447C5D-4596-4BF6-BA34-1073C6555407}"/>
-    <dgm:cxn modelId="{1E7BE9E3-0948-4993-894A-032C3514B408}" srcId="{4F56EA59-E6CD-4CE3-81D3-F0CE1FE06B7A}" destId="{A70236A2-6826-4D4B-A5F5-904D103B3FAC}" srcOrd="1" destOrd="0" parTransId="{CEC2A30D-898A-476F-9F05-CAFADD1D897C}" sibTransId="{E4AEA3C2-6423-402B-A254-6F0382FB2F9C}"/>
-    <dgm:cxn modelId="{4C8D3DE6-F642-4680-8CBC-F6ED4C11330D}" srcId="{9C1A06A7-0C3B-455E-8E6C-EFA8BE2D207B}" destId="{F8CE6DBD-3E24-4F4C-BA75-3E428011050F}" srcOrd="1" destOrd="0" parTransId="{9A606830-BC38-4497-B25D-A3F0F8BFC77B}" sibTransId="{60E2AC8E-C1D6-4BB5-A655-E3A4CCEF2FEE}"/>
+    <dgm:cxn modelId="{1E7BE9E3-0948-4993-894A-032C3514B408}" srcId="{4F56EA59-E6CD-4CE3-81D3-F0CE1FE06B7A}" destId="{A70236A2-6826-4D4B-A5F5-904D103B3FAC}" srcOrd="2" destOrd="0" parTransId="{CEC2A30D-898A-476F-9F05-CAFADD1D897C}" sibTransId="{E4AEA3C2-6423-402B-A254-6F0382FB2F9C}"/>
+    <dgm:cxn modelId="{4C8D3DE6-F642-4680-8CBC-F6ED4C11330D}" srcId="{9C1A06A7-0C3B-455E-8E6C-EFA8BE2D207B}" destId="{F8CE6DBD-3E24-4F4C-BA75-3E428011050F}" srcOrd="2" destOrd="0" parTransId="{9A606830-BC38-4497-B25D-A3F0F8BFC77B}" sibTransId="{60E2AC8E-C1D6-4BB5-A655-E3A4CCEF2FEE}"/>
+    <dgm:cxn modelId="{B22005E8-757F-45A4-B16D-2B8A221C193A}" type="presOf" srcId="{F35932A2-9AC6-40A2-8CBC-3D1ACA004358}" destId="{4E6F7B66-D0CB-45AC-B7BF-5845FFF689AC}" srcOrd="0" destOrd="0" presId="urn:microsoft.com/office/officeart/2008/layout/HorizontalMultiLevelHierarchy"/>
     <dgm:cxn modelId="{24D31EEC-FA7C-4EA9-91C2-4C54ABFB963D}" srcId="{ED11CC77-26CC-4CB5-9167-4943918C7629}" destId="{9B1D44EB-4903-457D-BBF4-CDFBCC5CC9E4}" srcOrd="0" destOrd="0" parTransId="{C7046F64-72B1-4A29-A04F-82A22BE1BFCA}" sibTransId="{3573F71A-E2ED-42C4-A80A-DFBB48FF76EE}"/>
-    <dgm:cxn modelId="{FCC0F2EF-EA57-482A-9CE4-71954164D4D1}" type="presOf" srcId="{01A9DDFE-BFA8-4C07-B171-93814A12B42B}" destId="{3854D69A-B34B-43E6-B69C-85D33559B464}" srcOrd="0" destOrd="0" presId="urn:microsoft.com/office/officeart/2008/layout/HorizontalMultiLevelHierarchy"/>
-    <dgm:cxn modelId="{989B73F4-B20B-40B8-9DF6-F18F6C134942}" type="presOf" srcId="{BA6FDE82-8018-4EC7-A16C-F7ABC6343C25}" destId="{F3410B93-40BB-4173-889F-3BE6991497B2}" srcOrd="0" destOrd="0" presId="urn:microsoft.com/office/officeart/2008/layout/HorizontalMultiLevelHierarchy"/>
-    <dgm:cxn modelId="{6CBC42FA-8225-4183-8147-F22F3FB5E4EB}" type="presOf" srcId="{17355875-5B6E-4C7D-B3E1-42ED756CAD95}" destId="{7C1371A8-FA98-4AA2-A8CD-632A26A078FC}" srcOrd="0" destOrd="0" presId="urn:microsoft.com/office/officeart/2008/layout/HorizontalMultiLevelHierarchy"/>
+    <dgm:cxn modelId="{5DAA30F9-4724-43FF-A652-8700554E0542}" type="presOf" srcId="{AF86FB67-211B-4A76-A550-44B644199B91}" destId="{CA3EB848-B0A7-41DD-8009-D97CEE060BB1}" srcOrd="1" destOrd="0" presId="urn:microsoft.com/office/officeart/2008/layout/HorizontalMultiLevelHierarchy"/>
+    <dgm:cxn modelId="{9A6047FC-99B3-4264-84D7-3F05D3296F74}" type="presOf" srcId="{9A606830-BC38-4497-B25D-A3F0F8BFC77B}" destId="{1F7032A4-85C1-49B0-BD6C-BA4A1AA4CDA7}" srcOrd="1" destOrd="0" presId="urn:microsoft.com/office/officeart/2008/layout/HorizontalMultiLevelHierarchy"/>
     <dgm:cxn modelId="{343F5174-D331-4F11-9D62-28B7371FB44F}" type="presParOf" srcId="{96AC2F14-0074-4FD9-B7BE-2567598EF3D1}" destId="{8429C6CB-3497-4003-8CE8-D0A5DB7C5111}" srcOrd="0" destOrd="0" presId="urn:microsoft.com/office/officeart/2008/layout/HorizontalMultiLevelHierarchy"/>
     <dgm:cxn modelId="{923CDF0D-C82D-4487-82E7-6E51C04986A5}" type="presParOf" srcId="{8429C6CB-3497-4003-8CE8-D0A5DB7C5111}" destId="{D05E8419-5D54-4AB7-95A4-AE6EB53AF800}" srcOrd="0" destOrd="0" presId="urn:microsoft.com/office/officeart/2008/layout/HorizontalMultiLevelHierarchy"/>
     <dgm:cxn modelId="{575016BB-7AD9-4273-A774-CF12F3E0A3AC}" type="presParOf" srcId="{8429C6CB-3497-4003-8CE8-D0A5DB7C5111}" destId="{D6F664B5-4643-4D05-A14F-56D92E47FFDC}" srcOrd="1" destOrd="0" presId="urn:microsoft.com/office/officeart/2008/layout/HorizontalMultiLevelHierarchy"/>
@@ -1904,9 +2148,19 @@
     <dgm:cxn modelId="{0581BF28-0974-4C80-B4E9-A4835201D721}" type="presParOf" srcId="{C2ACC860-7B3E-42D0-81A8-D601EE47BBE2}" destId="{F0FB489F-86E3-4ECE-9A5C-466E5E32B92A}" srcOrd="1" destOrd="0" presId="urn:microsoft.com/office/officeart/2008/layout/HorizontalMultiLevelHierarchy"/>
     <dgm:cxn modelId="{17E25271-9071-4EE1-9FC1-39401E332360}" type="presParOf" srcId="{F0FB489F-86E3-4ECE-9A5C-466E5E32B92A}" destId="{D6278149-CA7A-40D3-BF07-37D1494A2882}" srcOrd="0" destOrd="0" presId="urn:microsoft.com/office/officeart/2008/layout/HorizontalMultiLevelHierarchy"/>
     <dgm:cxn modelId="{E9673FC6-76CC-4B67-BA20-88EE589F65CD}" type="presParOf" srcId="{F0FB489F-86E3-4ECE-9A5C-466E5E32B92A}" destId="{AD28E0F5-8800-4842-BD4E-E133618220D8}" srcOrd="1" destOrd="0" presId="urn:microsoft.com/office/officeart/2008/layout/HorizontalMultiLevelHierarchy"/>
-    <dgm:cxn modelId="{62C84918-13EC-431D-B199-2432EFAE0EA8}" type="presParOf" srcId="{C2ACC860-7B3E-42D0-81A8-D601EE47BBE2}" destId="{C91B650B-65C0-4159-A43B-B71544D11A5F}" srcOrd="2" destOrd="0" presId="urn:microsoft.com/office/officeart/2008/layout/HorizontalMultiLevelHierarchy"/>
+    <dgm:cxn modelId="{97D958B6-F747-4676-922B-9E1C714C8295}" type="presParOf" srcId="{C2ACC860-7B3E-42D0-81A8-D601EE47BBE2}" destId="{2D3CB7BB-FC01-4F89-BB7A-32F75788192B}" srcOrd="2" destOrd="0" presId="urn:microsoft.com/office/officeart/2008/layout/HorizontalMultiLevelHierarchy"/>
+    <dgm:cxn modelId="{D3BB3982-C03E-4B1B-BFB0-6DF55C770219}" type="presParOf" srcId="{2D3CB7BB-FC01-4F89-BB7A-32F75788192B}" destId="{57D9D1F8-5E9C-431D-9598-EB30517C42E1}" srcOrd="0" destOrd="0" presId="urn:microsoft.com/office/officeart/2008/layout/HorizontalMultiLevelHierarchy"/>
+    <dgm:cxn modelId="{3CAE19EE-6D45-4423-AB80-5D1B216CD779}" type="presParOf" srcId="{C2ACC860-7B3E-42D0-81A8-D601EE47BBE2}" destId="{A73A8ED7-D81C-4E87-ABB8-3493731EA70A}" srcOrd="3" destOrd="0" presId="urn:microsoft.com/office/officeart/2008/layout/HorizontalMultiLevelHierarchy"/>
+    <dgm:cxn modelId="{C455083A-AC92-4A5F-8151-E95A58458235}" type="presParOf" srcId="{A73A8ED7-D81C-4E87-ABB8-3493731EA70A}" destId="{CD9890DF-3632-4B66-B55D-EBAF03DA22FE}" srcOrd="0" destOrd="0" presId="urn:microsoft.com/office/officeart/2008/layout/HorizontalMultiLevelHierarchy"/>
+    <dgm:cxn modelId="{13DA4F2E-68A2-4397-889F-BB9FC1E83904}" type="presParOf" srcId="{A73A8ED7-D81C-4E87-ABB8-3493731EA70A}" destId="{29A5D4CA-6994-43BC-AD48-AC5ED7098DC5}" srcOrd="1" destOrd="0" presId="urn:microsoft.com/office/officeart/2008/layout/HorizontalMultiLevelHierarchy"/>
+    <dgm:cxn modelId="{CABF2A2E-2293-4DC1-B6D0-3A3BEDF36B6F}" type="presParOf" srcId="{29A5D4CA-6994-43BC-AD48-AC5ED7098DC5}" destId="{D3502A88-EDA7-4739-BCFF-E3784014668C}" srcOrd="0" destOrd="0" presId="urn:microsoft.com/office/officeart/2008/layout/HorizontalMultiLevelHierarchy"/>
+    <dgm:cxn modelId="{2D9DB227-7F70-4D1F-A479-A78827FA2BAC}" type="presParOf" srcId="{D3502A88-EDA7-4739-BCFF-E3784014668C}" destId="{0207A684-6E54-45CB-881E-82FD8C6BFFEA}" srcOrd="0" destOrd="0" presId="urn:microsoft.com/office/officeart/2008/layout/HorizontalMultiLevelHierarchy"/>
+    <dgm:cxn modelId="{92BCBBC5-4F3A-406D-8021-714AAB61F018}" type="presParOf" srcId="{29A5D4CA-6994-43BC-AD48-AC5ED7098DC5}" destId="{E8D1611B-B848-489F-A54E-570001516083}" srcOrd="1" destOrd="0" presId="urn:microsoft.com/office/officeart/2008/layout/HorizontalMultiLevelHierarchy"/>
+    <dgm:cxn modelId="{DE391FD4-BDF6-4FAF-BB72-BE93226A19F1}" type="presParOf" srcId="{E8D1611B-B848-489F-A54E-570001516083}" destId="{B2DA4715-9F50-4634-BB1D-49EC4B687397}" srcOrd="0" destOrd="0" presId="urn:microsoft.com/office/officeart/2008/layout/HorizontalMultiLevelHierarchy"/>
+    <dgm:cxn modelId="{AB4FD57F-9F5B-4E35-9EED-804870DD6392}" type="presParOf" srcId="{E8D1611B-B848-489F-A54E-570001516083}" destId="{1DA0915E-B3F1-41D5-8078-8BB31F60B538}" srcOrd="1" destOrd="0" presId="urn:microsoft.com/office/officeart/2008/layout/HorizontalMultiLevelHierarchy"/>
+    <dgm:cxn modelId="{62C84918-13EC-431D-B199-2432EFAE0EA8}" type="presParOf" srcId="{C2ACC860-7B3E-42D0-81A8-D601EE47BBE2}" destId="{C91B650B-65C0-4159-A43B-B71544D11A5F}" srcOrd="4" destOrd="0" presId="urn:microsoft.com/office/officeart/2008/layout/HorizontalMultiLevelHierarchy"/>
     <dgm:cxn modelId="{D648B5D3-B5C5-4547-A070-C8AAF8312EEC}" type="presParOf" srcId="{C91B650B-65C0-4159-A43B-B71544D11A5F}" destId="{D08DD5FA-FA70-4F38-A612-6E0D7BE45934}" srcOrd="0" destOrd="0" presId="urn:microsoft.com/office/officeart/2008/layout/HorizontalMultiLevelHierarchy"/>
-    <dgm:cxn modelId="{9B23E1A1-84BE-408C-BD22-7198D8B0BDC7}" type="presParOf" srcId="{C2ACC860-7B3E-42D0-81A8-D601EE47BBE2}" destId="{CA2C9F9C-70F0-48E1-AB63-CE4186D84F12}" srcOrd="3" destOrd="0" presId="urn:microsoft.com/office/officeart/2008/layout/HorizontalMultiLevelHierarchy"/>
+    <dgm:cxn modelId="{9B23E1A1-84BE-408C-BD22-7198D8B0BDC7}" type="presParOf" srcId="{C2ACC860-7B3E-42D0-81A8-D601EE47BBE2}" destId="{CA2C9F9C-70F0-48E1-AB63-CE4186D84F12}" srcOrd="5" destOrd="0" presId="urn:microsoft.com/office/officeart/2008/layout/HorizontalMultiLevelHierarchy"/>
     <dgm:cxn modelId="{89AFB721-8210-4ACA-92FA-0CDF8149E71C}" type="presParOf" srcId="{CA2C9F9C-70F0-48E1-AB63-CE4186D84F12}" destId="{12E18B45-F2D6-4206-8915-8FB5C91159E8}" srcOrd="0" destOrd="0" presId="urn:microsoft.com/office/officeart/2008/layout/HorizontalMultiLevelHierarchy"/>
     <dgm:cxn modelId="{8A2CE220-394D-4780-BE21-115985B36F89}" type="presParOf" srcId="{CA2C9F9C-70F0-48E1-AB63-CE4186D84F12}" destId="{3A70A421-A998-4585-A246-9A426B52D1D2}" srcOrd="1" destOrd="0" presId="urn:microsoft.com/office/officeart/2008/layout/HorizontalMultiLevelHierarchy"/>
     <dgm:cxn modelId="{84A5D642-97CA-4DF4-8AD7-0D0F0B9A8CA4}" type="presParOf" srcId="{3A70A421-A998-4585-A246-9A426B52D1D2}" destId="{D7444303-4392-4EF6-872F-86F286895BCD}" srcOrd="0" destOrd="0" presId="urn:microsoft.com/office/officeart/2008/layout/HorizontalMultiLevelHierarchy"/>
@@ -1919,46 +2173,56 @@
     <dgm:cxn modelId="{4F128F46-AE0D-4C6A-8125-FF2DE3224BF7}" type="presParOf" srcId="{3A70A421-A998-4585-A246-9A426B52D1D2}" destId="{D008FDD4-E463-4D09-958B-A9BC64B11AE0}" srcOrd="3" destOrd="0" presId="urn:microsoft.com/office/officeart/2008/layout/HorizontalMultiLevelHierarchy"/>
     <dgm:cxn modelId="{1E822C5B-8632-49E4-8F57-7FC56A2D250B}" type="presParOf" srcId="{D008FDD4-E463-4D09-958B-A9BC64B11AE0}" destId="{599AEC48-6BEE-42C6-9C74-1721A7721A43}" srcOrd="0" destOrd="0" presId="urn:microsoft.com/office/officeart/2008/layout/HorizontalMultiLevelHierarchy"/>
     <dgm:cxn modelId="{BF318E8D-29C4-468F-BE25-C482D634DF54}" type="presParOf" srcId="{D008FDD4-E463-4D09-958B-A9BC64B11AE0}" destId="{EC004811-7AAE-45E4-920C-E9DC90CD1397}" srcOrd="1" destOrd="0" presId="urn:microsoft.com/office/officeart/2008/layout/HorizontalMultiLevelHierarchy"/>
-    <dgm:cxn modelId="{7F7D8FB1-805A-478E-8C6E-8F68476AE4BA}" type="presParOf" srcId="{C2ACC860-7B3E-42D0-81A8-D601EE47BBE2}" destId="{BE36CDE6-C70C-4C37-8A9D-CA21FF1B46D2}" srcOrd="4" destOrd="0" presId="urn:microsoft.com/office/officeart/2008/layout/HorizontalMultiLevelHierarchy"/>
-    <dgm:cxn modelId="{2FBED178-ABE1-44DE-A9EC-7F9B5B0CF76B}" type="presParOf" srcId="{BE36CDE6-C70C-4C37-8A9D-CA21FF1B46D2}" destId="{39DCE1B0-2E34-4542-9F27-297A457A235F}" srcOrd="0" destOrd="0" presId="urn:microsoft.com/office/officeart/2008/layout/HorizontalMultiLevelHierarchy"/>
-    <dgm:cxn modelId="{E2EC9951-6C41-4B1A-A8E1-F2D0D1013C8C}" type="presParOf" srcId="{C2ACC860-7B3E-42D0-81A8-D601EE47BBE2}" destId="{1D7E78A0-DD83-43C2-A55F-575629E1C8DA}" srcOrd="5" destOrd="0" presId="urn:microsoft.com/office/officeart/2008/layout/HorizontalMultiLevelHierarchy"/>
-    <dgm:cxn modelId="{AB873F5B-D60E-4EB1-A00D-530BAF5F6AE4}" type="presParOf" srcId="{1D7E78A0-DD83-43C2-A55F-575629E1C8DA}" destId="{22B0EE09-4531-450C-A2D0-F121BC3FA63C}" srcOrd="0" destOrd="0" presId="urn:microsoft.com/office/officeart/2008/layout/HorizontalMultiLevelHierarchy"/>
-    <dgm:cxn modelId="{8D198BEF-EBCB-458A-9E9E-F46DA0FB217E}" type="presParOf" srcId="{1D7E78A0-DD83-43C2-A55F-575629E1C8DA}" destId="{BE230B87-B46C-4F17-9882-03471655A62A}" srcOrd="1" destOrd="0" presId="urn:microsoft.com/office/officeart/2008/layout/HorizontalMultiLevelHierarchy"/>
-    <dgm:cxn modelId="{BF0BE140-5438-4EA3-928F-81A703013208}" type="presParOf" srcId="{BE230B87-B46C-4F17-9882-03471655A62A}" destId="{FA60FC2A-7DC4-4680-B243-BD5BE248CECC}" srcOrd="0" destOrd="0" presId="urn:microsoft.com/office/officeart/2008/layout/HorizontalMultiLevelHierarchy"/>
-    <dgm:cxn modelId="{EC628255-CC3C-4EC1-A4DB-758BB04A1444}" type="presParOf" srcId="{FA60FC2A-7DC4-4680-B243-BD5BE248CECC}" destId="{799EC007-DAB6-471B-A340-B147E6E7ED07}" srcOrd="0" destOrd="0" presId="urn:microsoft.com/office/officeart/2008/layout/HorizontalMultiLevelHierarchy"/>
-    <dgm:cxn modelId="{EC51E66B-62D3-4B8D-86DF-CE58949E2816}" type="presParOf" srcId="{BE230B87-B46C-4F17-9882-03471655A62A}" destId="{C86EA0A8-386B-4941-98CD-3E9F87628D1F}" srcOrd="1" destOrd="0" presId="urn:microsoft.com/office/officeart/2008/layout/HorizontalMultiLevelHierarchy"/>
-    <dgm:cxn modelId="{66FD3DF2-6C2F-465D-9752-D70707A79378}" type="presParOf" srcId="{C86EA0A8-386B-4941-98CD-3E9F87628D1F}" destId="{0720C1DB-B93A-4D0B-9749-3105015D54CC}" srcOrd="0" destOrd="0" presId="urn:microsoft.com/office/officeart/2008/layout/HorizontalMultiLevelHierarchy"/>
-    <dgm:cxn modelId="{EFC0B1EF-D86D-41CA-A301-63B22FA52C7D}" type="presParOf" srcId="{C86EA0A8-386B-4941-98CD-3E9F87628D1F}" destId="{4EDE7969-D383-4D51-B41A-2227E21EA2AA}" srcOrd="1" destOrd="0" presId="urn:microsoft.com/office/officeart/2008/layout/HorizontalMultiLevelHierarchy"/>
-    <dgm:cxn modelId="{7971A535-CAE6-4F89-9C7C-D2E7502CBC9F}" type="presParOf" srcId="{D6F664B5-4643-4D05-A14F-56D92E47FFDC}" destId="{55499A97-FFFB-4D83-B6B3-F8B7B89EB8AC}" srcOrd="2" destOrd="0" presId="urn:microsoft.com/office/officeart/2008/layout/HorizontalMultiLevelHierarchy"/>
-    <dgm:cxn modelId="{9FA39868-94DA-4CB2-B37D-2A18F1B60D00}" type="presParOf" srcId="{55499A97-FFFB-4D83-B6B3-F8B7B89EB8AC}" destId="{1F7032A4-85C1-49B0-BD6C-BA4A1AA4CDA7}" srcOrd="0" destOrd="0" presId="urn:microsoft.com/office/officeart/2008/layout/HorizontalMultiLevelHierarchy"/>
-    <dgm:cxn modelId="{D7686CD0-79AB-4D5D-AEE6-5593104192A6}" type="presParOf" srcId="{D6F664B5-4643-4D05-A14F-56D92E47FFDC}" destId="{65745C70-A491-4E30-8BA9-F971ECE0D705}" srcOrd="3" destOrd="0" presId="urn:microsoft.com/office/officeart/2008/layout/HorizontalMultiLevelHierarchy"/>
-    <dgm:cxn modelId="{D4F06FCB-8929-4CA5-A9A8-8BFD5C190BBD}" type="presParOf" srcId="{65745C70-A491-4E30-8BA9-F971ECE0D705}" destId="{B48036FB-FD23-4ADC-B0FE-68EBBA280C60}" srcOrd="0" destOrd="0" presId="urn:microsoft.com/office/officeart/2008/layout/HorizontalMultiLevelHierarchy"/>
-    <dgm:cxn modelId="{C0E07209-C126-4ED6-9A8E-4B05D966F4B2}" type="presParOf" srcId="{65745C70-A491-4E30-8BA9-F971ECE0D705}" destId="{262E3A0E-ED11-4AEE-9C4D-AE148E7DF549}" srcOrd="1" destOrd="0" presId="urn:microsoft.com/office/officeart/2008/layout/HorizontalMultiLevelHierarchy"/>
-    <dgm:cxn modelId="{C39816F5-3763-4F2C-B961-00FF6A0C0905}" type="presParOf" srcId="{262E3A0E-ED11-4AEE-9C4D-AE148E7DF549}" destId="{4E6F7B66-D0CB-45AC-B7BF-5845FFF689AC}" srcOrd="0" destOrd="0" presId="urn:microsoft.com/office/officeart/2008/layout/HorizontalMultiLevelHierarchy"/>
-    <dgm:cxn modelId="{2E6C821D-1E42-4662-942D-C79967ED2207}" type="presParOf" srcId="{4E6F7B66-D0CB-45AC-B7BF-5845FFF689AC}" destId="{34CB63AB-DD1D-4EFE-BC98-272A32E95034}" srcOrd="0" destOrd="0" presId="urn:microsoft.com/office/officeart/2008/layout/HorizontalMultiLevelHierarchy"/>
-    <dgm:cxn modelId="{262BE0F2-FC8D-4D86-A7C5-F52C5F328888}" type="presParOf" srcId="{262E3A0E-ED11-4AEE-9C4D-AE148E7DF549}" destId="{72E4207A-E9F1-43EE-8D1E-4E351F28AD2D}" srcOrd="1" destOrd="0" presId="urn:microsoft.com/office/officeart/2008/layout/HorizontalMultiLevelHierarchy"/>
-    <dgm:cxn modelId="{B80E27E1-D578-4128-AE89-FE95B2E18EF0}" type="presParOf" srcId="{72E4207A-E9F1-43EE-8D1E-4E351F28AD2D}" destId="{118FE515-EE26-4ED6-86F6-7AA4B1562FD2}" srcOrd="0" destOrd="0" presId="urn:microsoft.com/office/officeart/2008/layout/HorizontalMultiLevelHierarchy"/>
-    <dgm:cxn modelId="{C9130628-5B5C-4883-9420-7DDE0BAC1056}" type="presParOf" srcId="{72E4207A-E9F1-43EE-8D1E-4E351F28AD2D}" destId="{8D02C378-BEE3-4848-A3E9-92B9DFA2175C}" srcOrd="1" destOrd="0" presId="urn:microsoft.com/office/officeart/2008/layout/HorizontalMultiLevelHierarchy"/>
-    <dgm:cxn modelId="{70EBDFE9-C833-4C68-91C9-ED1656BA6429}" type="presParOf" srcId="{8D02C378-BEE3-4848-A3E9-92B9DFA2175C}" destId="{7C1371A8-FA98-4AA2-A8CD-632A26A078FC}" srcOrd="0" destOrd="0" presId="urn:microsoft.com/office/officeart/2008/layout/HorizontalMultiLevelHierarchy"/>
-    <dgm:cxn modelId="{FE773869-45D4-4C80-82EE-AF110F437F56}" type="presParOf" srcId="{7C1371A8-FA98-4AA2-A8CD-632A26A078FC}" destId="{E1D62DA9-BE2E-4DF4-82E4-BC8CC0B302FD}" srcOrd="0" destOrd="0" presId="urn:microsoft.com/office/officeart/2008/layout/HorizontalMultiLevelHierarchy"/>
-    <dgm:cxn modelId="{A649D5B0-7C90-41AE-9FF9-266E2D72D83A}" type="presParOf" srcId="{8D02C378-BEE3-4848-A3E9-92B9DFA2175C}" destId="{1049D5CF-0DB0-41AD-9619-CA29C541339F}" srcOrd="1" destOrd="0" presId="urn:microsoft.com/office/officeart/2008/layout/HorizontalMultiLevelHierarchy"/>
-    <dgm:cxn modelId="{B008D56C-3FB0-431D-B922-CE2294BB1E49}" type="presParOf" srcId="{1049D5CF-0DB0-41AD-9619-CA29C541339F}" destId="{7D648BDF-0BB4-4AFD-8160-DE14E4FED722}" srcOrd="0" destOrd="0" presId="urn:microsoft.com/office/officeart/2008/layout/HorizontalMultiLevelHierarchy"/>
-    <dgm:cxn modelId="{2FDF5128-4ED6-464B-B19F-5D2304A084C4}" type="presParOf" srcId="{1049D5CF-0DB0-41AD-9619-CA29C541339F}" destId="{C7ECA134-ABEF-4364-802D-AAF7ABCD4B82}" srcOrd="1" destOrd="0" presId="urn:microsoft.com/office/officeart/2008/layout/HorizontalMultiLevelHierarchy"/>
-    <dgm:cxn modelId="{6BC55E8F-3961-49C9-809C-0A9B295F73EC}" type="presParOf" srcId="{262E3A0E-ED11-4AEE-9C4D-AE148E7DF549}" destId="{4EA12D5F-1BD7-4F93-A03E-C280DDD05289}" srcOrd="2" destOrd="0" presId="urn:microsoft.com/office/officeart/2008/layout/HorizontalMultiLevelHierarchy"/>
-    <dgm:cxn modelId="{28D0F63F-83A3-440C-92E3-48E85F4F6B69}" type="presParOf" srcId="{4EA12D5F-1BD7-4F93-A03E-C280DDD05289}" destId="{CCCCE227-056D-4F92-95EE-D32705F412C1}" srcOrd="0" destOrd="0" presId="urn:microsoft.com/office/officeart/2008/layout/HorizontalMultiLevelHierarchy"/>
-    <dgm:cxn modelId="{6B39090D-45A1-4462-9179-B99C9757815E}" type="presParOf" srcId="{262E3A0E-ED11-4AEE-9C4D-AE148E7DF549}" destId="{5596CD06-654C-4CAA-A8BD-C67A3C2A12A9}" srcOrd="3" destOrd="0" presId="urn:microsoft.com/office/officeart/2008/layout/HorizontalMultiLevelHierarchy"/>
-    <dgm:cxn modelId="{E4423A8C-9336-4448-9A81-63CCD58CE990}" type="presParOf" srcId="{5596CD06-654C-4CAA-A8BD-C67A3C2A12A9}" destId="{99B6EF6D-D127-4386-9B5F-70970E70BD8F}" srcOrd="0" destOrd="0" presId="urn:microsoft.com/office/officeart/2008/layout/HorizontalMultiLevelHierarchy"/>
-    <dgm:cxn modelId="{A856D14E-BC29-4109-9822-151053E91387}" type="presParOf" srcId="{5596CD06-654C-4CAA-A8BD-C67A3C2A12A9}" destId="{CC9E1D62-2314-46AA-B02D-7E47E306258D}" srcOrd="1" destOrd="0" presId="urn:microsoft.com/office/officeart/2008/layout/HorizontalMultiLevelHierarchy"/>
-    <dgm:cxn modelId="{AEA0F0DF-9D9A-417D-ADAF-0CBA7732789E}" type="presParOf" srcId="{CC9E1D62-2314-46AA-B02D-7E47E306258D}" destId="{E3265772-50FB-413C-8B78-0C504F7BC20D}" srcOrd="0" destOrd="0" presId="urn:microsoft.com/office/officeart/2008/layout/HorizontalMultiLevelHierarchy"/>
-    <dgm:cxn modelId="{9B139184-62C2-4259-8E23-1796A9D7C554}" type="presParOf" srcId="{E3265772-50FB-413C-8B78-0C504F7BC20D}" destId="{408EA220-B4FD-4C23-B293-3E7DFB5BD6EE}" srcOrd="0" destOrd="0" presId="urn:microsoft.com/office/officeart/2008/layout/HorizontalMultiLevelHierarchy"/>
-    <dgm:cxn modelId="{C6B822D1-D336-4594-AD2A-8DD11E3F2C9A}" type="presParOf" srcId="{CC9E1D62-2314-46AA-B02D-7E47E306258D}" destId="{28D716A3-0F84-4EEA-95E1-E5A61F071BDF}" srcOrd="1" destOrd="0" presId="urn:microsoft.com/office/officeart/2008/layout/HorizontalMultiLevelHierarchy"/>
-    <dgm:cxn modelId="{AFB3CAE9-FB0B-4ECC-85F9-12F15B8C0B31}" type="presParOf" srcId="{28D716A3-0F84-4EEA-95E1-E5A61F071BDF}" destId="{AB32AD07-E5BC-47F6-AB20-BE3AAD9B2138}" srcOrd="0" destOrd="0" presId="urn:microsoft.com/office/officeart/2008/layout/HorizontalMultiLevelHierarchy"/>
-    <dgm:cxn modelId="{7603EED6-FD97-43A8-9C0B-0976C5FCB5A4}" type="presParOf" srcId="{28D716A3-0F84-4EEA-95E1-E5A61F071BDF}" destId="{88F6988E-8184-4AA2-BBD3-273CEA5258BF}" srcOrd="1" destOrd="0" presId="urn:microsoft.com/office/officeart/2008/layout/HorizontalMultiLevelHierarchy"/>
-    <dgm:cxn modelId="{24927C7F-7ACF-41EE-9797-1C01915265B5}" type="presParOf" srcId="{CC9E1D62-2314-46AA-B02D-7E47E306258D}" destId="{F3410B93-40BB-4173-889F-3BE6991497B2}" srcOrd="2" destOrd="0" presId="urn:microsoft.com/office/officeart/2008/layout/HorizontalMultiLevelHierarchy"/>
-    <dgm:cxn modelId="{8E88CCAF-0A60-4F0E-889A-904D045B2BC5}" type="presParOf" srcId="{F3410B93-40BB-4173-889F-3BE6991497B2}" destId="{74FF65C1-ED2C-4BB3-8C61-E68ADF4D4434}" srcOrd="0" destOrd="0" presId="urn:microsoft.com/office/officeart/2008/layout/HorizontalMultiLevelHierarchy"/>
-    <dgm:cxn modelId="{87D020D4-8F05-4E1D-BF09-B4EE1D838162}" type="presParOf" srcId="{CC9E1D62-2314-46AA-B02D-7E47E306258D}" destId="{9DBEBCF2-8220-40C7-8AA4-FF5326C51142}" srcOrd="3" destOrd="0" presId="urn:microsoft.com/office/officeart/2008/layout/HorizontalMultiLevelHierarchy"/>
-    <dgm:cxn modelId="{70BDBB35-11E0-4079-ACFD-075D3A79E5A5}" type="presParOf" srcId="{9DBEBCF2-8220-40C7-8AA4-FF5326C51142}" destId="{3854D69A-B34B-43E6-B69C-85D33559B464}" srcOrd="0" destOrd="0" presId="urn:microsoft.com/office/officeart/2008/layout/HorizontalMultiLevelHierarchy"/>
-    <dgm:cxn modelId="{0170F3D8-1CF3-4EE4-9211-71922061EE27}" type="presParOf" srcId="{9DBEBCF2-8220-40C7-8AA4-FF5326C51142}" destId="{3344D227-5493-40DD-9611-A070B586DB03}" srcOrd="1" destOrd="0" presId="urn:microsoft.com/office/officeart/2008/layout/HorizontalMultiLevelHierarchy"/>
+    <dgm:cxn modelId="{B8B457ED-3B8D-4A9E-98EC-B314F8FC450A}" type="presParOf" srcId="{D6F664B5-4643-4D05-A14F-56D92E47FFDC}" destId="{AB0903AA-C10E-4AA9-8B85-C75D0228EB5C}" srcOrd="2" destOrd="0" presId="urn:microsoft.com/office/officeart/2008/layout/HorizontalMultiLevelHierarchy"/>
+    <dgm:cxn modelId="{7A345855-7C46-4DDD-BD0B-DFAA8F12145D}" type="presParOf" srcId="{AB0903AA-C10E-4AA9-8B85-C75D0228EB5C}" destId="{EBBFA1F1-02C5-400F-9B0F-51B31C049AE5}" srcOrd="0" destOrd="0" presId="urn:microsoft.com/office/officeart/2008/layout/HorizontalMultiLevelHierarchy"/>
+    <dgm:cxn modelId="{04E901DC-2E62-4A4F-8B09-A1EC7FCC1102}" type="presParOf" srcId="{D6F664B5-4643-4D05-A14F-56D92E47FFDC}" destId="{241C8679-1F08-4FF8-A9BE-B0460C3A69AB}" srcOrd="3" destOrd="0" presId="urn:microsoft.com/office/officeart/2008/layout/HorizontalMultiLevelHierarchy"/>
+    <dgm:cxn modelId="{B63F785E-7FB7-49CB-8BAE-975B6A0D6ADE}" type="presParOf" srcId="{241C8679-1F08-4FF8-A9BE-B0460C3A69AB}" destId="{8E30DA3D-D1C5-49D3-8256-04FE10CA98C5}" srcOrd="0" destOrd="0" presId="urn:microsoft.com/office/officeart/2008/layout/HorizontalMultiLevelHierarchy"/>
+    <dgm:cxn modelId="{0BEC8CC9-2ADD-46E2-81EE-B707BC0BCCF1}" type="presParOf" srcId="{241C8679-1F08-4FF8-A9BE-B0460C3A69AB}" destId="{4AC2A090-5D8F-409F-991C-FC89FA69F3A8}" srcOrd="1" destOrd="0" presId="urn:microsoft.com/office/officeart/2008/layout/HorizontalMultiLevelHierarchy"/>
+    <dgm:cxn modelId="{05A47FA2-075B-4742-9DB1-A0EFFB284D12}" type="presParOf" srcId="{4AC2A090-5D8F-409F-991C-FC89FA69F3A8}" destId="{D8B30C8F-1BC0-4FD1-9CED-843BF24ADEAD}" srcOrd="0" destOrd="0" presId="urn:microsoft.com/office/officeart/2008/layout/HorizontalMultiLevelHierarchy"/>
+    <dgm:cxn modelId="{DE7F3720-2A21-4A1F-8A7D-336C08C149A5}" type="presParOf" srcId="{D8B30C8F-1BC0-4FD1-9CED-843BF24ADEAD}" destId="{CA3EB848-B0A7-41DD-8009-D97CEE060BB1}" srcOrd="0" destOrd="0" presId="urn:microsoft.com/office/officeart/2008/layout/HorizontalMultiLevelHierarchy"/>
+    <dgm:cxn modelId="{93B9BAE0-BAA2-4EE7-9AAF-1A9FDE0C49F4}" type="presParOf" srcId="{4AC2A090-5D8F-409F-991C-FC89FA69F3A8}" destId="{08B9EC2A-0A6D-4E85-AC63-51316220C053}" srcOrd="1" destOrd="0" presId="urn:microsoft.com/office/officeart/2008/layout/HorizontalMultiLevelHierarchy"/>
+    <dgm:cxn modelId="{057B73C9-63ED-4679-A656-CD886565A14E}" type="presParOf" srcId="{08B9EC2A-0A6D-4E85-AC63-51316220C053}" destId="{6F9E7F67-D659-4537-8FC3-6C8387C6D1DB}" srcOrd="0" destOrd="0" presId="urn:microsoft.com/office/officeart/2008/layout/HorizontalMultiLevelHierarchy"/>
+    <dgm:cxn modelId="{AE6F86F3-3791-4BCC-8335-065C33F8D977}" type="presParOf" srcId="{08B9EC2A-0A6D-4E85-AC63-51316220C053}" destId="{69933441-73A3-49B1-B38F-29A783B58F2B}" srcOrd="1" destOrd="0" presId="urn:microsoft.com/office/officeart/2008/layout/HorizontalMultiLevelHierarchy"/>
+    <dgm:cxn modelId="{429A22B2-0339-455D-B4BB-3E527646A101}" type="presParOf" srcId="{69933441-73A3-49B1-B38F-29A783B58F2B}" destId="{D08DAB40-7587-41D7-8A45-A88AAFFFC2C6}" srcOrd="0" destOrd="0" presId="urn:microsoft.com/office/officeart/2008/layout/HorizontalMultiLevelHierarchy"/>
+    <dgm:cxn modelId="{EF43EAF9-F9D1-4B9C-AC40-92A2CD3C6190}" type="presParOf" srcId="{D08DAB40-7587-41D7-8A45-A88AAFFFC2C6}" destId="{5A4F93C8-EA07-45F7-BF9D-9B6F221C4591}" srcOrd="0" destOrd="0" presId="urn:microsoft.com/office/officeart/2008/layout/HorizontalMultiLevelHierarchy"/>
+    <dgm:cxn modelId="{058B14BC-06EA-490B-A09F-AF070AC425C1}" type="presParOf" srcId="{69933441-73A3-49B1-B38F-29A783B58F2B}" destId="{AEC628B6-9CCD-4B88-BBEA-393ACB0B0067}" srcOrd="1" destOrd="0" presId="urn:microsoft.com/office/officeart/2008/layout/HorizontalMultiLevelHierarchy"/>
+    <dgm:cxn modelId="{1636FF26-D5D7-4D25-BA15-DADFB0D928B6}" type="presParOf" srcId="{AEC628B6-9CCD-4B88-BBEA-393ACB0B0067}" destId="{64BAC6D5-BE67-41EC-B555-6114B9A28138}" srcOrd="0" destOrd="0" presId="urn:microsoft.com/office/officeart/2008/layout/HorizontalMultiLevelHierarchy"/>
+    <dgm:cxn modelId="{91DA7765-17F0-4C2E-A0BB-C3FDEC2F545F}" type="presParOf" srcId="{AEC628B6-9CCD-4B88-BBEA-393ACB0B0067}" destId="{F2A0C9ED-CEF3-472D-9BF6-D9EE8EE288D0}" srcOrd="1" destOrd="0" presId="urn:microsoft.com/office/officeart/2008/layout/HorizontalMultiLevelHierarchy"/>
+    <dgm:cxn modelId="{3C3C94B5-A301-48C5-85F0-23706F2565B8}" type="presParOf" srcId="{D6F664B5-4643-4D05-A14F-56D92E47FFDC}" destId="{55499A97-FFFB-4D83-B6B3-F8B7B89EB8AC}" srcOrd="4" destOrd="0" presId="urn:microsoft.com/office/officeart/2008/layout/HorizontalMultiLevelHierarchy"/>
+    <dgm:cxn modelId="{4FC49DE6-8F60-4843-8D63-4BBA4634EBA0}" type="presParOf" srcId="{55499A97-FFFB-4D83-B6B3-F8B7B89EB8AC}" destId="{1F7032A4-85C1-49B0-BD6C-BA4A1AA4CDA7}" srcOrd="0" destOrd="0" presId="urn:microsoft.com/office/officeart/2008/layout/HorizontalMultiLevelHierarchy"/>
+    <dgm:cxn modelId="{13F60152-05A4-483A-8117-4D363147E027}" type="presParOf" srcId="{D6F664B5-4643-4D05-A14F-56D92E47FFDC}" destId="{65745C70-A491-4E30-8BA9-F971ECE0D705}" srcOrd="5" destOrd="0" presId="urn:microsoft.com/office/officeart/2008/layout/HorizontalMultiLevelHierarchy"/>
+    <dgm:cxn modelId="{52528113-F544-4908-9654-14249CE998D9}" type="presParOf" srcId="{65745C70-A491-4E30-8BA9-F971ECE0D705}" destId="{B48036FB-FD23-4ADC-B0FE-68EBBA280C60}" srcOrd="0" destOrd="0" presId="urn:microsoft.com/office/officeart/2008/layout/HorizontalMultiLevelHierarchy"/>
+    <dgm:cxn modelId="{79393E8B-F489-43D1-BA82-1F9B1392A80D}" type="presParOf" srcId="{65745C70-A491-4E30-8BA9-F971ECE0D705}" destId="{262E3A0E-ED11-4AEE-9C4D-AE148E7DF549}" srcOrd="1" destOrd="0" presId="urn:microsoft.com/office/officeart/2008/layout/HorizontalMultiLevelHierarchy"/>
+    <dgm:cxn modelId="{90A72047-1E9E-4870-91EE-D5A77284DA4A}" type="presParOf" srcId="{262E3A0E-ED11-4AEE-9C4D-AE148E7DF549}" destId="{4E6F7B66-D0CB-45AC-B7BF-5845FFF689AC}" srcOrd="0" destOrd="0" presId="urn:microsoft.com/office/officeart/2008/layout/HorizontalMultiLevelHierarchy"/>
+    <dgm:cxn modelId="{BB88C31E-FE16-4AF8-92E1-BEECE57E6328}" type="presParOf" srcId="{4E6F7B66-D0CB-45AC-B7BF-5845FFF689AC}" destId="{34CB63AB-DD1D-4EFE-BC98-272A32E95034}" srcOrd="0" destOrd="0" presId="urn:microsoft.com/office/officeart/2008/layout/HorizontalMultiLevelHierarchy"/>
+    <dgm:cxn modelId="{EE9796D8-E12D-4410-BA71-B3D0040B4442}" type="presParOf" srcId="{262E3A0E-ED11-4AEE-9C4D-AE148E7DF549}" destId="{72E4207A-E9F1-43EE-8D1E-4E351F28AD2D}" srcOrd="1" destOrd="0" presId="urn:microsoft.com/office/officeart/2008/layout/HorizontalMultiLevelHierarchy"/>
+    <dgm:cxn modelId="{465E60F6-EF3E-4A83-BFB8-934DB2A8FCAE}" type="presParOf" srcId="{72E4207A-E9F1-43EE-8D1E-4E351F28AD2D}" destId="{118FE515-EE26-4ED6-86F6-7AA4B1562FD2}" srcOrd="0" destOrd="0" presId="urn:microsoft.com/office/officeart/2008/layout/HorizontalMultiLevelHierarchy"/>
+    <dgm:cxn modelId="{E2C3396F-45BB-4ABF-B17B-729975486A7A}" type="presParOf" srcId="{72E4207A-E9F1-43EE-8D1E-4E351F28AD2D}" destId="{8D02C378-BEE3-4848-A3E9-92B9DFA2175C}" srcOrd="1" destOrd="0" presId="urn:microsoft.com/office/officeart/2008/layout/HorizontalMultiLevelHierarchy"/>
+    <dgm:cxn modelId="{754FAE8C-A900-4C55-852F-DF8D73D773C5}" type="presParOf" srcId="{8D02C378-BEE3-4848-A3E9-92B9DFA2175C}" destId="{7C1371A8-FA98-4AA2-A8CD-632A26A078FC}" srcOrd="0" destOrd="0" presId="urn:microsoft.com/office/officeart/2008/layout/HorizontalMultiLevelHierarchy"/>
+    <dgm:cxn modelId="{A42757CB-0DE3-49A4-B55A-4EE59D1523A0}" type="presParOf" srcId="{7C1371A8-FA98-4AA2-A8CD-632A26A078FC}" destId="{E1D62DA9-BE2E-4DF4-82E4-BC8CC0B302FD}" srcOrd="0" destOrd="0" presId="urn:microsoft.com/office/officeart/2008/layout/HorizontalMultiLevelHierarchy"/>
+    <dgm:cxn modelId="{79F9F45D-7966-4C2F-9BD2-4A1505F5BAEB}" type="presParOf" srcId="{8D02C378-BEE3-4848-A3E9-92B9DFA2175C}" destId="{1049D5CF-0DB0-41AD-9619-CA29C541339F}" srcOrd="1" destOrd="0" presId="urn:microsoft.com/office/officeart/2008/layout/HorizontalMultiLevelHierarchy"/>
+    <dgm:cxn modelId="{00D912E3-4BA5-4076-BC0D-31182124AE45}" type="presParOf" srcId="{1049D5CF-0DB0-41AD-9619-CA29C541339F}" destId="{7D648BDF-0BB4-4AFD-8160-DE14E4FED722}" srcOrd="0" destOrd="0" presId="urn:microsoft.com/office/officeart/2008/layout/HorizontalMultiLevelHierarchy"/>
+    <dgm:cxn modelId="{8205E94F-087C-4B41-91FC-72B251E0AFA6}" type="presParOf" srcId="{1049D5CF-0DB0-41AD-9619-CA29C541339F}" destId="{C7ECA134-ABEF-4364-802D-AAF7ABCD4B82}" srcOrd="1" destOrd="0" presId="urn:microsoft.com/office/officeart/2008/layout/HorizontalMultiLevelHierarchy"/>
+    <dgm:cxn modelId="{496C4E0F-1E4F-4126-A236-6EEB9E0CB42A}" type="presParOf" srcId="{8D02C378-BEE3-4848-A3E9-92B9DFA2175C}" destId="{BEBB7CF8-AF09-44BD-B237-9AFE2AEE7519}" srcOrd="2" destOrd="0" presId="urn:microsoft.com/office/officeart/2008/layout/HorizontalMultiLevelHierarchy"/>
+    <dgm:cxn modelId="{462FC940-191D-4381-91B9-120F455A481F}" type="presParOf" srcId="{BEBB7CF8-AF09-44BD-B237-9AFE2AEE7519}" destId="{E22679DF-6D65-4623-9F26-2236A51C9C92}" srcOrd="0" destOrd="0" presId="urn:microsoft.com/office/officeart/2008/layout/HorizontalMultiLevelHierarchy"/>
+    <dgm:cxn modelId="{61BCC102-979C-44F1-9731-65144756DD7C}" type="presParOf" srcId="{8D02C378-BEE3-4848-A3E9-92B9DFA2175C}" destId="{6F0AE55A-1C67-45B6-B7CB-352549307782}" srcOrd="3" destOrd="0" presId="urn:microsoft.com/office/officeart/2008/layout/HorizontalMultiLevelHierarchy"/>
+    <dgm:cxn modelId="{A45407F0-7AD1-470A-BBBF-24EA0F978AF2}" type="presParOf" srcId="{6F0AE55A-1C67-45B6-B7CB-352549307782}" destId="{D202FB1E-066E-40BC-BA35-35BB1DBA9BA4}" srcOrd="0" destOrd="0" presId="urn:microsoft.com/office/officeart/2008/layout/HorizontalMultiLevelHierarchy"/>
+    <dgm:cxn modelId="{46CFEF8C-D794-4357-AC4C-1FD23FDC103F}" type="presParOf" srcId="{6F0AE55A-1C67-45B6-B7CB-352549307782}" destId="{B1E1DF0D-6D62-49E6-8783-4059A9C96177}" srcOrd="1" destOrd="0" presId="urn:microsoft.com/office/officeart/2008/layout/HorizontalMultiLevelHierarchy"/>
+    <dgm:cxn modelId="{0A0B4300-ADBB-4AD3-9B95-F11D3228ABF6}" type="presParOf" srcId="{262E3A0E-ED11-4AEE-9C4D-AE148E7DF549}" destId="{4EA12D5F-1BD7-4F93-A03E-C280DDD05289}" srcOrd="2" destOrd="0" presId="urn:microsoft.com/office/officeart/2008/layout/HorizontalMultiLevelHierarchy"/>
+    <dgm:cxn modelId="{1212EB08-FCCA-40A8-BF7C-482E6CC51388}" type="presParOf" srcId="{4EA12D5F-1BD7-4F93-A03E-C280DDD05289}" destId="{CCCCE227-056D-4F92-95EE-D32705F412C1}" srcOrd="0" destOrd="0" presId="urn:microsoft.com/office/officeart/2008/layout/HorizontalMultiLevelHierarchy"/>
+    <dgm:cxn modelId="{D2E083E0-A38D-4557-A727-1AF9A965AD53}" type="presParOf" srcId="{262E3A0E-ED11-4AEE-9C4D-AE148E7DF549}" destId="{5596CD06-654C-4CAA-A8BD-C67A3C2A12A9}" srcOrd="3" destOrd="0" presId="urn:microsoft.com/office/officeart/2008/layout/HorizontalMultiLevelHierarchy"/>
+    <dgm:cxn modelId="{72579D6F-240A-4589-B7C7-D142CDE53FDE}" type="presParOf" srcId="{5596CD06-654C-4CAA-A8BD-C67A3C2A12A9}" destId="{99B6EF6D-D127-4386-9B5F-70970E70BD8F}" srcOrd="0" destOrd="0" presId="urn:microsoft.com/office/officeart/2008/layout/HorizontalMultiLevelHierarchy"/>
+    <dgm:cxn modelId="{BFE482CD-77F0-46E8-BC2D-2EA79B931141}" type="presParOf" srcId="{5596CD06-654C-4CAA-A8BD-C67A3C2A12A9}" destId="{CC9E1D62-2314-46AA-B02D-7E47E306258D}" srcOrd="1" destOrd="0" presId="urn:microsoft.com/office/officeart/2008/layout/HorizontalMultiLevelHierarchy"/>
+    <dgm:cxn modelId="{A9335587-A55A-4B7D-B410-2F7E25516D4E}" type="presParOf" srcId="{CC9E1D62-2314-46AA-B02D-7E47E306258D}" destId="{E3265772-50FB-413C-8B78-0C504F7BC20D}" srcOrd="0" destOrd="0" presId="urn:microsoft.com/office/officeart/2008/layout/HorizontalMultiLevelHierarchy"/>
+    <dgm:cxn modelId="{266590AE-78DD-404B-AAED-F33ED759F27E}" type="presParOf" srcId="{E3265772-50FB-413C-8B78-0C504F7BC20D}" destId="{408EA220-B4FD-4C23-B293-3E7DFB5BD6EE}" srcOrd="0" destOrd="0" presId="urn:microsoft.com/office/officeart/2008/layout/HorizontalMultiLevelHierarchy"/>
+    <dgm:cxn modelId="{46403F2D-8D1D-4DC7-AB79-F72C1749BA1A}" type="presParOf" srcId="{CC9E1D62-2314-46AA-B02D-7E47E306258D}" destId="{28D716A3-0F84-4EEA-95E1-E5A61F071BDF}" srcOrd="1" destOrd="0" presId="urn:microsoft.com/office/officeart/2008/layout/HorizontalMultiLevelHierarchy"/>
+    <dgm:cxn modelId="{10102838-4B19-4F33-A76F-89B40D4A9862}" type="presParOf" srcId="{28D716A3-0F84-4EEA-95E1-E5A61F071BDF}" destId="{AB32AD07-E5BC-47F6-AB20-BE3AAD9B2138}" srcOrd="0" destOrd="0" presId="urn:microsoft.com/office/officeart/2008/layout/HorizontalMultiLevelHierarchy"/>
+    <dgm:cxn modelId="{E9D77B49-12DE-42F7-84CC-759A7F333530}" type="presParOf" srcId="{28D716A3-0F84-4EEA-95E1-E5A61F071BDF}" destId="{88F6988E-8184-4AA2-BBD3-273CEA5258BF}" srcOrd="1" destOrd="0" presId="urn:microsoft.com/office/officeart/2008/layout/HorizontalMultiLevelHierarchy"/>
+    <dgm:cxn modelId="{82E2BA0D-549F-4954-908E-081649EFE041}" type="presParOf" srcId="{CC9E1D62-2314-46AA-B02D-7E47E306258D}" destId="{F3410B93-40BB-4173-889F-3BE6991497B2}" srcOrd="2" destOrd="0" presId="urn:microsoft.com/office/officeart/2008/layout/HorizontalMultiLevelHierarchy"/>
+    <dgm:cxn modelId="{2F562ABF-49E5-4BF7-8623-16DB9D38B5A7}" type="presParOf" srcId="{F3410B93-40BB-4173-889F-3BE6991497B2}" destId="{74FF65C1-ED2C-4BB3-8C61-E68ADF4D4434}" srcOrd="0" destOrd="0" presId="urn:microsoft.com/office/officeart/2008/layout/HorizontalMultiLevelHierarchy"/>
+    <dgm:cxn modelId="{99E6478A-B7B6-47FC-9D62-01CD77275B80}" type="presParOf" srcId="{CC9E1D62-2314-46AA-B02D-7E47E306258D}" destId="{9DBEBCF2-8220-40C7-8AA4-FF5326C51142}" srcOrd="3" destOrd="0" presId="urn:microsoft.com/office/officeart/2008/layout/HorizontalMultiLevelHierarchy"/>
+    <dgm:cxn modelId="{FA21E4D9-702A-4C7B-B027-03AF839F7A3C}" type="presParOf" srcId="{9DBEBCF2-8220-40C7-8AA4-FF5326C51142}" destId="{3854D69A-B34B-43E6-B69C-85D33559B464}" srcOrd="0" destOrd="0" presId="urn:microsoft.com/office/officeart/2008/layout/HorizontalMultiLevelHierarchy"/>
+    <dgm:cxn modelId="{485766D5-E966-4FCA-AF31-21A7705AC7A9}" type="presParOf" srcId="{9DBEBCF2-8220-40C7-8AA4-FF5326C51142}" destId="{3344D227-5493-40DD-9611-A070B586DB03}" srcOrd="1" destOrd="0" presId="urn:microsoft.com/office/officeart/2008/layout/HorizontalMultiLevelHierarchy"/>
   </dgm:cxnLst>
   <dgm:bg/>
   <dgm:whole/>
@@ -1985,8 +2249,8 @@
       </dsp:nvSpPr>
       <dsp:spPr>
         <a:xfrm>
-          <a:off x="5629743" y="4493634"/>
-          <a:ext cx="416178" cy="396511"/>
+          <a:off x="5278629" y="4862496"/>
+          <a:ext cx="322851" cy="307594"/>
         </a:xfrm>
         <a:custGeom>
           <a:avLst/>
@@ -2000,13 +2264,13 @@
                 <a:pt x="0" y="0"/>
               </a:moveTo>
               <a:lnTo>
-                <a:pt x="208089" y="0"/>
+                <a:pt x="161425" y="0"/>
               </a:lnTo>
               <a:lnTo>
-                <a:pt x="208089" y="396511"/>
+                <a:pt x="161425" y="307594"/>
               </a:lnTo>
               <a:lnTo>
-                <a:pt x="416178" y="396511"/>
+                <a:pt x="322851" y="307594"/>
               </a:lnTo>
             </a:path>
           </a:pathLst>
@@ -2061,8 +2325,8 @@
         </a:p>
       </dsp:txBody>
       <dsp:txXfrm>
-        <a:off x="5823461" y="4677518"/>
-        <a:ext cx="28741" cy="28741"/>
+        <a:off x="5428907" y="5005145"/>
+        <a:ext cx="22296" cy="22296"/>
       </dsp:txXfrm>
     </dsp:sp>
     <dsp:sp modelId="{E3265772-50FB-413C-8B78-0C504F7BC20D}">
@@ -2072,8 +2336,8 @@
       </dsp:nvSpPr>
       <dsp:spPr>
         <a:xfrm>
-          <a:off x="5629743" y="4097122"/>
-          <a:ext cx="416178" cy="396511"/>
+          <a:off x="5278629" y="4554901"/>
+          <a:ext cx="322851" cy="307594"/>
         </a:xfrm>
         <a:custGeom>
           <a:avLst/>
@@ -2084,16 +2348,16 @@
           <a:pathLst>
             <a:path>
               <a:moveTo>
-                <a:pt x="0" y="396511"/>
+                <a:pt x="0" y="307594"/>
               </a:moveTo>
               <a:lnTo>
-                <a:pt x="208089" y="396511"/>
+                <a:pt x="161425" y="307594"/>
               </a:lnTo>
               <a:lnTo>
-                <a:pt x="208089" y="0"/>
+                <a:pt x="161425" y="0"/>
               </a:lnTo>
               <a:lnTo>
-                <a:pt x="416178" y="0"/>
+                <a:pt x="322851" y="0"/>
               </a:lnTo>
             </a:path>
           </a:pathLst>
@@ -2148,8 +2412,8 @@
         </a:p>
       </dsp:txBody>
       <dsp:txXfrm>
-        <a:off x="5823461" y="4281007"/>
-        <a:ext cx="28741" cy="28741"/>
+        <a:off x="5428907" y="4697550"/>
+        <a:ext cx="22296" cy="22296"/>
       </dsp:txXfrm>
     </dsp:sp>
     <dsp:sp modelId="{4EA12D5F-1BD7-4F93-A03E-C280DDD05289}">
@@ -2159,8 +2423,8 @@
       </dsp:nvSpPr>
       <dsp:spPr>
         <a:xfrm>
-          <a:off x="3132674" y="3898867"/>
-          <a:ext cx="416178" cy="594766"/>
+          <a:off x="3341521" y="4247306"/>
+          <a:ext cx="322851" cy="615189"/>
         </a:xfrm>
         <a:custGeom>
           <a:avLst/>
@@ -2174,13 +2438,13 @@
                 <a:pt x="0" y="0"/>
               </a:moveTo>
               <a:lnTo>
-                <a:pt x="208089" y="0"/>
+                <a:pt x="161425" y="0"/>
               </a:lnTo>
               <a:lnTo>
-                <a:pt x="208089" y="594766"/>
+                <a:pt x="161425" y="615189"/>
               </a:lnTo>
               <a:lnTo>
-                <a:pt x="416178" y="594766"/>
+                <a:pt x="322851" y="615189"/>
               </a:lnTo>
             </a:path>
           </a:pathLst>
@@ -2235,19 +2499,19 @@
         </a:p>
       </dsp:txBody>
       <dsp:txXfrm>
-        <a:off x="3322615" y="4178102"/>
-        <a:ext cx="36295" cy="36295"/>
+        <a:off x="3485578" y="4537532"/>
+        <a:ext cx="34737" cy="34737"/>
       </dsp:txXfrm>
     </dsp:sp>
-    <dsp:sp modelId="{7C1371A8-FA98-4AA2-A8CD-632A26A078FC}">
+    <dsp:sp modelId="{BEBB7CF8-AF09-44BD-B237-9AFE2AEE7519}">
       <dsp:nvSpPr>
         <dsp:cNvPr id="0" name=""/>
         <dsp:cNvSpPr/>
       </dsp:nvSpPr>
       <dsp:spPr>
         <a:xfrm>
-          <a:off x="5629743" y="3258380"/>
-          <a:ext cx="416178" cy="91440"/>
+          <a:off x="5278629" y="3632117"/>
+          <a:ext cx="322851" cy="307594"/>
         </a:xfrm>
         <a:custGeom>
           <a:avLst/>
@@ -2258,10 +2522,16 @@
           <a:pathLst>
             <a:path>
               <a:moveTo>
-                <a:pt x="0" y="45720"/>
+                <a:pt x="0" y="0"/>
               </a:moveTo>
               <a:lnTo>
-                <a:pt x="416178" y="45720"/>
+                <a:pt x="161425" y="0"/>
+              </a:lnTo>
+              <a:lnTo>
+                <a:pt x="161425" y="307594"/>
+              </a:lnTo>
+              <a:lnTo>
+                <a:pt x="322851" y="307594"/>
               </a:lnTo>
             </a:path>
           </a:pathLst>
@@ -2316,19 +2586,19 @@
         </a:p>
       </dsp:txBody>
       <dsp:txXfrm>
-        <a:off x="5827428" y="3293695"/>
-        <a:ext cx="20808" cy="20808"/>
+        <a:off x="5428907" y="3774766"/>
+        <a:ext cx="22296" cy="22296"/>
       </dsp:txXfrm>
     </dsp:sp>
-    <dsp:sp modelId="{4E6F7B66-D0CB-45AC-B7BF-5845FFF689AC}">
+    <dsp:sp modelId="{7C1371A8-FA98-4AA2-A8CD-632A26A078FC}">
       <dsp:nvSpPr>
         <dsp:cNvPr id="0" name=""/>
         <dsp:cNvSpPr/>
       </dsp:nvSpPr>
       <dsp:spPr>
         <a:xfrm>
-          <a:off x="3132674" y="3304100"/>
-          <a:ext cx="416178" cy="594766"/>
+          <a:off x="5278629" y="3324522"/>
+          <a:ext cx="322851" cy="307594"/>
         </a:xfrm>
         <a:custGeom>
           <a:avLst/>
@@ -2339,16 +2609,16 @@
           <a:pathLst>
             <a:path>
               <a:moveTo>
-                <a:pt x="0" y="594766"/>
+                <a:pt x="0" y="307594"/>
               </a:moveTo>
               <a:lnTo>
-                <a:pt x="208089" y="594766"/>
+                <a:pt x="161425" y="307594"/>
               </a:lnTo>
               <a:lnTo>
-                <a:pt x="208089" y="0"/>
+                <a:pt x="161425" y="0"/>
               </a:lnTo>
               <a:lnTo>
-                <a:pt x="416178" y="0"/>
+                <a:pt x="322851" y="0"/>
               </a:lnTo>
             </a:path>
           </a:pathLst>
@@ -2403,8 +2673,95 @@
         </a:p>
       </dsp:txBody>
       <dsp:txXfrm>
-        <a:off x="3322615" y="3583335"/>
-        <a:ext cx="36295" cy="36295"/>
+        <a:off x="5428907" y="3467172"/>
+        <a:ext cx="22296" cy="22296"/>
+      </dsp:txXfrm>
+    </dsp:sp>
+    <dsp:sp modelId="{4E6F7B66-D0CB-45AC-B7BF-5845FFF689AC}">
+      <dsp:nvSpPr>
+        <dsp:cNvPr id="0" name=""/>
+        <dsp:cNvSpPr/>
+      </dsp:nvSpPr>
+      <dsp:spPr>
+        <a:xfrm>
+          <a:off x="3341521" y="3632117"/>
+          <a:ext cx="322851" cy="615189"/>
+        </a:xfrm>
+        <a:custGeom>
+          <a:avLst/>
+          <a:gdLst/>
+          <a:ahLst/>
+          <a:cxnLst/>
+          <a:rect l="0" t="0" r="0" b="0"/>
+          <a:pathLst>
+            <a:path>
+              <a:moveTo>
+                <a:pt x="0" y="615189"/>
+              </a:moveTo>
+              <a:lnTo>
+                <a:pt x="161425" y="615189"/>
+              </a:lnTo>
+              <a:lnTo>
+                <a:pt x="161425" y="0"/>
+              </a:lnTo>
+              <a:lnTo>
+                <a:pt x="322851" y="0"/>
+              </a:lnTo>
+            </a:path>
+          </a:pathLst>
+        </a:custGeom>
+        <a:noFill/>
+        <a:ln w="19050" cap="flat" cmpd="sng" algn="ctr">
+          <a:solidFill>
+            <a:schemeClr val="accent1">
+              <a:shade val="80000"/>
+              <a:hueOff val="0"/>
+              <a:satOff val="0"/>
+              <a:lumOff val="0"/>
+              <a:alphaOff val="0"/>
+            </a:schemeClr>
+          </a:solidFill>
+          <a:prstDash val="solid"/>
+          <a:miter lim="800000"/>
+        </a:ln>
+        <a:effectLst/>
+      </dsp:spPr>
+      <dsp:style>
+        <a:lnRef idx="2">
+          <a:scrgbClr r="0" g="0" b="0"/>
+        </a:lnRef>
+        <a:fillRef idx="0">
+          <a:scrgbClr r="0" g="0" b="0"/>
+        </a:fillRef>
+        <a:effectRef idx="0">
+          <a:scrgbClr r="0" g="0" b="0"/>
+        </a:effectRef>
+        <a:fontRef idx="minor"/>
+      </dsp:style>
+      <dsp:txBody>
+        <a:bodyPr spcFirstLastPara="0" vert="horz" wrap="square" lIns="12700" tIns="0" rIns="12700" bIns="0" numCol="1" spcCol="1270" anchor="ctr" anchorCtr="0">
+          <a:noAutofit/>
+        </a:bodyPr>
+        <a:lstStyle/>
+        <a:p>
+          <a:pPr marL="0" lvl="0" indent="0" algn="ctr" defTabSz="222250">
+            <a:lnSpc>
+              <a:spcPct val="90000"/>
+            </a:lnSpc>
+            <a:spcBef>
+              <a:spcPct val="0"/>
+            </a:spcBef>
+            <a:spcAft>
+              <a:spcPct val="35000"/>
+            </a:spcAft>
+            <a:buNone/>
+          </a:pPr>
+          <a:endParaRPr lang="en-US" sz="500" kern="1200"/>
+        </a:p>
+      </dsp:txBody>
+      <dsp:txXfrm>
+        <a:off x="3485578" y="3922343"/>
+        <a:ext cx="34737" cy="34737"/>
       </dsp:txXfrm>
     </dsp:sp>
     <dsp:sp modelId="{55499A97-FFFB-4D83-B6B3-F8B7B89EB8AC}">
@@ -2414,8 +2771,8 @@
       </dsp:nvSpPr>
       <dsp:spPr>
         <a:xfrm>
-          <a:off x="635605" y="2709333"/>
-          <a:ext cx="416178" cy="1189533"/>
+          <a:off x="1404413" y="2632434"/>
+          <a:ext cx="322851" cy="1614872"/>
         </a:xfrm>
         <a:custGeom>
           <a:avLst/>
@@ -2429,13 +2786,13 @@
                 <a:pt x="0" y="0"/>
               </a:moveTo>
               <a:lnTo>
-                <a:pt x="208089" y="0"/>
+                <a:pt x="161425" y="0"/>
               </a:lnTo>
               <a:lnTo>
-                <a:pt x="208089" y="1189533"/>
+                <a:pt x="161425" y="1614872"/>
               </a:lnTo>
               <a:lnTo>
-                <a:pt x="416178" y="1189533"/>
+                <a:pt x="322851" y="1614872"/>
               </a:lnTo>
             </a:path>
           </a:pathLst>
@@ -2490,19 +2847,19 @@
         </a:p>
       </dsp:txBody>
       <dsp:txXfrm>
-        <a:off x="812188" y="3272594"/>
-        <a:ext cx="63011" cy="63011"/>
+        <a:off x="1524668" y="3398700"/>
+        <a:ext cx="82341" cy="82341"/>
       </dsp:txXfrm>
     </dsp:sp>
-    <dsp:sp modelId="{FA60FC2A-7DC4-4680-B243-BD5BE248CECC}">
+    <dsp:sp modelId="{D08DAB40-7587-41D7-8A45-A88AAFFFC2C6}">
       <dsp:nvSpPr>
         <dsp:cNvPr id="0" name=""/>
         <dsp:cNvSpPr/>
       </dsp:nvSpPr>
       <dsp:spPr>
         <a:xfrm>
-          <a:off x="5629743" y="2465357"/>
-          <a:ext cx="416178" cy="91440"/>
+          <a:off x="5278629" y="2663613"/>
+          <a:ext cx="322851" cy="91440"/>
         </a:xfrm>
         <a:custGeom>
           <a:avLst/>
@@ -2516,7 +2873,7 @@
                 <a:pt x="0" y="45720"/>
               </a:moveTo>
               <a:lnTo>
-                <a:pt x="416178" y="45720"/>
+                <a:pt x="322851" y="45720"/>
               </a:lnTo>
             </a:path>
           </a:pathLst>
@@ -2571,19 +2928,19 @@
         </a:p>
       </dsp:txBody>
       <dsp:txXfrm>
-        <a:off x="5827428" y="2500673"/>
-        <a:ext cx="20808" cy="20808"/>
+        <a:off x="5431984" y="2701262"/>
+        <a:ext cx="16142" cy="16142"/>
       </dsp:txXfrm>
     </dsp:sp>
-    <dsp:sp modelId="{BE36CDE6-C70C-4C37-8A9D-CA21FF1B46D2}">
+    <dsp:sp modelId="{D8B30C8F-1BC0-4FD1-9CED-843BF24ADEAD}">
       <dsp:nvSpPr>
         <dsp:cNvPr id="0" name=""/>
         <dsp:cNvSpPr/>
       </dsp:nvSpPr>
       <dsp:spPr>
         <a:xfrm>
-          <a:off x="3132674" y="1519799"/>
-          <a:ext cx="416178" cy="991278"/>
+          <a:off x="3341521" y="2663613"/>
+          <a:ext cx="322851" cy="91440"/>
         </a:xfrm>
         <a:custGeom>
           <a:avLst/>
@@ -2594,16 +2951,10 @@
           <a:pathLst>
             <a:path>
               <a:moveTo>
-                <a:pt x="0" y="0"/>
+                <a:pt x="0" y="45720"/>
               </a:moveTo>
               <a:lnTo>
-                <a:pt x="208089" y="0"/>
-              </a:lnTo>
-              <a:lnTo>
-                <a:pt x="208089" y="991278"/>
-              </a:lnTo>
-              <a:lnTo>
-                <a:pt x="416178" y="991278"/>
+                <a:pt x="322851" y="45720"/>
               </a:lnTo>
             </a:path>
           </a:pathLst>
@@ -2658,8 +3009,95 @@
         </a:p>
       </dsp:txBody>
       <dsp:txXfrm>
-        <a:off x="3313886" y="1988561"/>
-        <a:ext cx="53754" cy="53754"/>
+        <a:off x="3494876" y="2701262"/>
+        <a:ext cx="16142" cy="16142"/>
+      </dsp:txXfrm>
+    </dsp:sp>
+    <dsp:sp modelId="{AB0903AA-C10E-4AA9-8B85-C75D0228EB5C}">
+      <dsp:nvSpPr>
+        <dsp:cNvPr id="0" name=""/>
+        <dsp:cNvSpPr/>
+      </dsp:nvSpPr>
+      <dsp:spPr>
+        <a:xfrm>
+          <a:off x="1404413" y="2586714"/>
+          <a:ext cx="322851" cy="91440"/>
+        </a:xfrm>
+        <a:custGeom>
+          <a:avLst/>
+          <a:gdLst/>
+          <a:ahLst/>
+          <a:cxnLst/>
+          <a:rect l="0" t="0" r="0" b="0"/>
+          <a:pathLst>
+            <a:path>
+              <a:moveTo>
+                <a:pt x="0" y="45720"/>
+              </a:moveTo>
+              <a:lnTo>
+                <a:pt x="161425" y="45720"/>
+              </a:lnTo>
+              <a:lnTo>
+                <a:pt x="161425" y="122618"/>
+              </a:lnTo>
+              <a:lnTo>
+                <a:pt x="322851" y="122618"/>
+              </a:lnTo>
+            </a:path>
+          </a:pathLst>
+        </a:custGeom>
+        <a:noFill/>
+        <a:ln w="19050" cap="flat" cmpd="sng" algn="ctr">
+          <a:solidFill>
+            <a:schemeClr val="accent1">
+              <a:shade val="60000"/>
+              <a:hueOff val="0"/>
+              <a:satOff val="0"/>
+              <a:lumOff val="0"/>
+              <a:alphaOff val="0"/>
+            </a:schemeClr>
+          </a:solidFill>
+          <a:prstDash val="solid"/>
+          <a:miter lim="800000"/>
+        </a:ln>
+        <a:effectLst/>
+      </dsp:spPr>
+      <dsp:style>
+        <a:lnRef idx="2">
+          <a:scrgbClr r="0" g="0" b="0"/>
+        </a:lnRef>
+        <a:fillRef idx="0">
+          <a:scrgbClr r="0" g="0" b="0"/>
+        </a:fillRef>
+        <a:effectRef idx="0">
+          <a:scrgbClr r="0" g="0" b="0"/>
+        </a:effectRef>
+        <a:fontRef idx="minor"/>
+      </dsp:style>
+      <dsp:txBody>
+        <a:bodyPr spcFirstLastPara="0" vert="horz" wrap="square" lIns="12700" tIns="0" rIns="12700" bIns="0" numCol="1" spcCol="1270" anchor="ctr" anchorCtr="0">
+          <a:noAutofit/>
+        </a:bodyPr>
+        <a:lstStyle/>
+        <a:p>
+          <a:pPr marL="0" lvl="0" indent="0" algn="ctr" defTabSz="222250">
+            <a:lnSpc>
+              <a:spcPct val="90000"/>
+            </a:lnSpc>
+            <a:spcBef>
+              <a:spcPct val="0"/>
+            </a:spcBef>
+            <a:spcAft>
+              <a:spcPct val="35000"/>
+            </a:spcAft>
+            <a:buNone/>
+          </a:pPr>
+          <a:endParaRPr lang="en-US" sz="500" kern="1200"/>
+        </a:p>
+      </dsp:txBody>
+      <dsp:txXfrm>
+        <a:off x="1557541" y="2624137"/>
+        <a:ext cx="16594" cy="16594"/>
       </dsp:txXfrm>
     </dsp:sp>
     <dsp:sp modelId="{6A1B6DDC-80A2-4158-8069-621E066A24AD}">
@@ -2669,8 +3107,8 @@
       </dsp:nvSpPr>
       <dsp:spPr>
         <a:xfrm>
-          <a:off x="5629743" y="1321544"/>
-          <a:ext cx="416178" cy="396511"/>
+          <a:off x="5278629" y="1786549"/>
+          <a:ext cx="322851" cy="307594"/>
         </a:xfrm>
         <a:custGeom>
           <a:avLst/>
@@ -2684,13 +3122,13 @@
                 <a:pt x="0" y="0"/>
               </a:moveTo>
               <a:lnTo>
-                <a:pt x="208089" y="0"/>
+                <a:pt x="161425" y="0"/>
               </a:lnTo>
               <a:lnTo>
-                <a:pt x="208089" y="396511"/>
+                <a:pt x="161425" y="307594"/>
               </a:lnTo>
               <a:lnTo>
-                <a:pt x="416178" y="396511"/>
+                <a:pt x="322851" y="307594"/>
               </a:lnTo>
             </a:path>
           </a:pathLst>
@@ -2745,8 +3183,8 @@
         </a:p>
       </dsp:txBody>
       <dsp:txXfrm>
-        <a:off x="5823461" y="1505429"/>
-        <a:ext cx="28741" cy="28741"/>
+        <a:off x="5428907" y="1929198"/>
+        <a:ext cx="22296" cy="22296"/>
       </dsp:txXfrm>
     </dsp:sp>
     <dsp:sp modelId="{D7444303-4392-4EF6-872F-86F286895BCD}">
@@ -2756,8 +3194,8 @@
       </dsp:nvSpPr>
       <dsp:spPr>
         <a:xfrm>
-          <a:off x="5629743" y="925032"/>
-          <a:ext cx="416178" cy="396511"/>
+          <a:off x="5278629" y="1478954"/>
+          <a:ext cx="322851" cy="307594"/>
         </a:xfrm>
         <a:custGeom>
           <a:avLst/>
@@ -2768,16 +3206,16 @@
           <a:pathLst>
             <a:path>
               <a:moveTo>
-                <a:pt x="0" y="396511"/>
+                <a:pt x="0" y="307594"/>
               </a:moveTo>
               <a:lnTo>
-                <a:pt x="208089" y="396511"/>
+                <a:pt x="161425" y="307594"/>
               </a:lnTo>
               <a:lnTo>
-                <a:pt x="208089" y="0"/>
+                <a:pt x="161425" y="0"/>
               </a:lnTo>
               <a:lnTo>
-                <a:pt x="416178" y="0"/>
+                <a:pt x="322851" y="0"/>
               </a:lnTo>
             </a:path>
           </a:pathLst>
@@ -2832,8 +3270,8 @@
         </a:p>
       </dsp:txBody>
       <dsp:txXfrm>
-        <a:off x="5823461" y="1108917"/>
-        <a:ext cx="28741" cy="28741"/>
+        <a:off x="5428907" y="1621604"/>
+        <a:ext cx="22296" cy="22296"/>
       </dsp:txXfrm>
     </dsp:sp>
     <dsp:sp modelId="{C91B650B-65C0-4159-A43B-B71544D11A5F}">
@@ -2843,8 +3281,8 @@
       </dsp:nvSpPr>
       <dsp:spPr>
         <a:xfrm>
-          <a:off x="3132674" y="1321544"/>
-          <a:ext cx="416178" cy="198255"/>
+          <a:off x="3341521" y="1017562"/>
+          <a:ext cx="322851" cy="768986"/>
         </a:xfrm>
         <a:custGeom>
           <a:avLst/>
@@ -2855,16 +3293,16 @@
           <a:pathLst>
             <a:path>
               <a:moveTo>
-                <a:pt x="0" y="198255"/>
+                <a:pt x="0" y="0"/>
               </a:moveTo>
               <a:lnTo>
-                <a:pt x="208089" y="198255"/>
+                <a:pt x="161425" y="0"/>
               </a:lnTo>
               <a:lnTo>
-                <a:pt x="208089" y="0"/>
+                <a:pt x="161425" y="768986"/>
               </a:lnTo>
               <a:lnTo>
-                <a:pt x="416178" y="0"/>
+                <a:pt x="322851" y="768986"/>
               </a:lnTo>
             </a:path>
           </a:pathLst>
@@ -2919,19 +3357,19 @@
         </a:p>
       </dsp:txBody>
       <dsp:txXfrm>
-        <a:off x="3329238" y="1409147"/>
-        <a:ext cx="23049" cy="23049"/>
+        <a:off x="3482097" y="1381205"/>
+        <a:ext cx="41700" cy="41700"/>
       </dsp:txXfrm>
     </dsp:sp>
-    <dsp:sp modelId="{75ED56AE-209B-401C-ACC1-0F9B09FF557C}">
+    <dsp:sp modelId="{D3502A88-EDA7-4739-BCFF-E3784014668C}">
       <dsp:nvSpPr>
         <dsp:cNvPr id="0" name=""/>
         <dsp:cNvSpPr/>
       </dsp:nvSpPr>
       <dsp:spPr>
         <a:xfrm>
-          <a:off x="3132674" y="528521"/>
-          <a:ext cx="416178" cy="991278"/>
+          <a:off x="5278629" y="818045"/>
+          <a:ext cx="322851" cy="91440"/>
         </a:xfrm>
         <a:custGeom>
           <a:avLst/>
@@ -2942,16 +3380,10 @@
           <a:pathLst>
             <a:path>
               <a:moveTo>
-                <a:pt x="0" y="991278"/>
+                <a:pt x="0" y="45720"/>
               </a:moveTo>
               <a:lnTo>
-                <a:pt x="208089" y="991278"/>
-              </a:lnTo>
-              <a:lnTo>
-                <a:pt x="208089" y="0"/>
-              </a:lnTo>
-              <a:lnTo>
-                <a:pt x="416178" y="0"/>
+                <a:pt x="322851" y="45720"/>
               </a:lnTo>
             </a:path>
           </a:pathLst>
@@ -3006,19 +3438,19 @@
         </a:p>
       </dsp:txBody>
       <dsp:txXfrm>
-        <a:off x="3313886" y="997283"/>
-        <a:ext cx="53754" cy="53754"/>
+        <a:off x="5431984" y="855694"/>
+        <a:ext cx="16142" cy="16142"/>
       </dsp:txXfrm>
     </dsp:sp>
-    <dsp:sp modelId="{19117B96-A3DF-4518-A305-0758FE40395B}">
+    <dsp:sp modelId="{2D3CB7BB-FC01-4F89-BB7A-32F75788192B}">
       <dsp:nvSpPr>
         <dsp:cNvPr id="0" name=""/>
         <dsp:cNvSpPr/>
       </dsp:nvSpPr>
       <dsp:spPr>
         <a:xfrm>
-          <a:off x="635605" y="1519799"/>
-          <a:ext cx="416178" cy="1189533"/>
+          <a:off x="3341521" y="863765"/>
+          <a:ext cx="322851" cy="153797"/>
         </a:xfrm>
         <a:custGeom>
           <a:avLst/>
@@ -3029,16 +3461,190 @@
           <a:pathLst>
             <a:path>
               <a:moveTo>
-                <a:pt x="0" y="1189533"/>
+                <a:pt x="0" y="153797"/>
               </a:moveTo>
               <a:lnTo>
-                <a:pt x="208089" y="1189533"/>
+                <a:pt x="161425" y="153797"/>
               </a:lnTo>
               <a:lnTo>
-                <a:pt x="208089" y="0"/>
+                <a:pt x="161425" y="0"/>
               </a:lnTo>
               <a:lnTo>
-                <a:pt x="416178" y="0"/>
+                <a:pt x="322851" y="0"/>
+              </a:lnTo>
+            </a:path>
+          </a:pathLst>
+        </a:custGeom>
+        <a:noFill/>
+        <a:ln w="19050" cap="flat" cmpd="sng" algn="ctr">
+          <a:solidFill>
+            <a:schemeClr val="accent1">
+              <a:shade val="80000"/>
+              <a:hueOff val="0"/>
+              <a:satOff val="0"/>
+              <a:lumOff val="0"/>
+              <a:alphaOff val="0"/>
+            </a:schemeClr>
+          </a:solidFill>
+          <a:prstDash val="solid"/>
+          <a:miter lim="800000"/>
+        </a:ln>
+        <a:effectLst/>
+      </dsp:spPr>
+      <dsp:style>
+        <a:lnRef idx="2">
+          <a:scrgbClr r="0" g="0" b="0"/>
+        </a:lnRef>
+        <a:fillRef idx="0">
+          <a:scrgbClr r="0" g="0" b="0"/>
+        </a:fillRef>
+        <a:effectRef idx="0">
+          <a:scrgbClr r="0" g="0" b="0"/>
+        </a:effectRef>
+        <a:fontRef idx="minor"/>
+      </dsp:style>
+      <dsp:txBody>
+        <a:bodyPr spcFirstLastPara="0" vert="horz" wrap="square" lIns="12700" tIns="0" rIns="12700" bIns="0" numCol="1" spcCol="1270" anchor="ctr" anchorCtr="0">
+          <a:noAutofit/>
+        </a:bodyPr>
+        <a:lstStyle/>
+        <a:p>
+          <a:pPr marL="0" lvl="0" indent="0" algn="ctr" defTabSz="222250">
+            <a:lnSpc>
+              <a:spcPct val="90000"/>
+            </a:lnSpc>
+            <a:spcBef>
+              <a:spcPct val="0"/>
+            </a:spcBef>
+            <a:spcAft>
+              <a:spcPct val="35000"/>
+            </a:spcAft>
+            <a:buNone/>
+          </a:pPr>
+          <a:endParaRPr lang="en-US" sz="500" kern="1200"/>
+        </a:p>
+      </dsp:txBody>
+      <dsp:txXfrm>
+        <a:off x="3494006" y="931723"/>
+        <a:ext cx="17880" cy="17880"/>
+      </dsp:txXfrm>
+    </dsp:sp>
+    <dsp:sp modelId="{75ED56AE-209B-401C-ACC1-0F9B09FF557C}">
+      <dsp:nvSpPr>
+        <dsp:cNvPr id="0" name=""/>
+        <dsp:cNvSpPr/>
+      </dsp:nvSpPr>
+      <dsp:spPr>
+        <a:xfrm>
+          <a:off x="3341521" y="248576"/>
+          <a:ext cx="322851" cy="768986"/>
+        </a:xfrm>
+        <a:custGeom>
+          <a:avLst/>
+          <a:gdLst/>
+          <a:ahLst/>
+          <a:cxnLst/>
+          <a:rect l="0" t="0" r="0" b="0"/>
+          <a:pathLst>
+            <a:path>
+              <a:moveTo>
+                <a:pt x="0" y="768986"/>
+              </a:moveTo>
+              <a:lnTo>
+                <a:pt x="161425" y="768986"/>
+              </a:lnTo>
+              <a:lnTo>
+                <a:pt x="161425" y="0"/>
+              </a:lnTo>
+              <a:lnTo>
+                <a:pt x="322851" y="0"/>
+              </a:lnTo>
+            </a:path>
+          </a:pathLst>
+        </a:custGeom>
+        <a:noFill/>
+        <a:ln w="19050" cap="flat" cmpd="sng" algn="ctr">
+          <a:solidFill>
+            <a:schemeClr val="accent1">
+              <a:shade val="80000"/>
+              <a:hueOff val="0"/>
+              <a:satOff val="0"/>
+              <a:lumOff val="0"/>
+              <a:alphaOff val="0"/>
+            </a:schemeClr>
+          </a:solidFill>
+          <a:prstDash val="solid"/>
+          <a:miter lim="800000"/>
+        </a:ln>
+        <a:effectLst/>
+      </dsp:spPr>
+      <dsp:style>
+        <a:lnRef idx="2">
+          <a:scrgbClr r="0" g="0" b="0"/>
+        </a:lnRef>
+        <a:fillRef idx="0">
+          <a:scrgbClr r="0" g="0" b="0"/>
+        </a:fillRef>
+        <a:effectRef idx="0">
+          <a:scrgbClr r="0" g="0" b="0"/>
+        </a:effectRef>
+        <a:fontRef idx="minor"/>
+      </dsp:style>
+      <dsp:txBody>
+        <a:bodyPr spcFirstLastPara="0" vert="horz" wrap="square" lIns="12700" tIns="0" rIns="12700" bIns="0" numCol="1" spcCol="1270" anchor="ctr" anchorCtr="0">
+          <a:noAutofit/>
+        </a:bodyPr>
+        <a:lstStyle/>
+        <a:p>
+          <a:pPr marL="0" lvl="0" indent="0" algn="ctr" defTabSz="222250">
+            <a:lnSpc>
+              <a:spcPct val="90000"/>
+            </a:lnSpc>
+            <a:spcBef>
+              <a:spcPct val="0"/>
+            </a:spcBef>
+            <a:spcAft>
+              <a:spcPct val="35000"/>
+            </a:spcAft>
+            <a:buNone/>
+          </a:pPr>
+          <a:endParaRPr lang="en-US" sz="500" kern="1200"/>
+        </a:p>
+      </dsp:txBody>
+      <dsp:txXfrm>
+        <a:off x="3482097" y="612219"/>
+        <a:ext cx="41700" cy="41700"/>
+      </dsp:txXfrm>
+    </dsp:sp>
+    <dsp:sp modelId="{19117B96-A3DF-4518-A305-0758FE40395B}">
+      <dsp:nvSpPr>
+        <dsp:cNvPr id="0" name=""/>
+        <dsp:cNvSpPr/>
+      </dsp:nvSpPr>
+      <dsp:spPr>
+        <a:xfrm>
+          <a:off x="1404413" y="1017562"/>
+          <a:ext cx="322851" cy="1614872"/>
+        </a:xfrm>
+        <a:custGeom>
+          <a:avLst/>
+          <a:gdLst/>
+          <a:ahLst/>
+          <a:cxnLst/>
+          <a:rect l="0" t="0" r="0" b="0"/>
+          <a:pathLst>
+            <a:path>
+              <a:moveTo>
+                <a:pt x="0" y="1614872"/>
+              </a:moveTo>
+              <a:lnTo>
+                <a:pt x="161425" y="1614872"/>
+              </a:lnTo>
+              <a:lnTo>
+                <a:pt x="161425" y="0"/>
+              </a:lnTo>
+              <a:lnTo>
+                <a:pt x="322851" y="0"/>
               </a:lnTo>
             </a:path>
           </a:pathLst>
@@ -3093,8 +3699,8 @@
         </a:p>
       </dsp:txBody>
       <dsp:txXfrm>
-        <a:off x="812188" y="2083060"/>
-        <a:ext cx="63011" cy="63011"/>
+        <a:off x="1524668" y="1783828"/>
+        <a:ext cx="82341" cy="82341"/>
       </dsp:txXfrm>
     </dsp:sp>
     <dsp:sp modelId="{D05E8419-5D54-4AB7-95A4-AE6EB53AF800}">
@@ -3104,8 +3710,8 @@
       </dsp:nvSpPr>
       <dsp:spPr>
         <a:xfrm rot="16200000">
-          <a:off x="-1351124" y="2392124"/>
-          <a:ext cx="3339041" cy="634417"/>
+          <a:off x="-136797" y="2386359"/>
+          <a:ext cx="2590270" cy="492151"/>
         </a:xfrm>
         <a:prstGeom prst="rect">
           <a:avLst/>
@@ -3147,12 +3753,12 @@
         </a:fontRef>
       </dsp:style>
       <dsp:txBody>
-        <a:bodyPr spcFirstLastPara="0" vert="horz" wrap="square" lIns="26035" tIns="26035" rIns="26035" bIns="26035" numCol="1" spcCol="1270" anchor="ctr" anchorCtr="0">
+        <a:bodyPr spcFirstLastPara="0" vert="horz" wrap="square" lIns="20320" tIns="20320" rIns="20320" bIns="20320" numCol="1" spcCol="1270" anchor="ctr" anchorCtr="0">
           <a:noAutofit/>
         </a:bodyPr>
         <a:lstStyle/>
         <a:p>
-          <a:pPr marL="0" lvl="0" indent="0" algn="ctr" defTabSz="1822450">
+          <a:pPr marL="0" lvl="0" indent="0" algn="ctr" defTabSz="1422400">
             <a:lnSpc>
               <a:spcPct val="90000"/>
             </a:lnSpc>
@@ -3165,15 +3771,15 @@
             <a:buNone/>
           </a:pPr>
           <a:r>
-            <a:rPr lang="en-US" sz="4100" kern="1200" dirty="0" err="1"/>
+            <a:rPr lang="en-US" sz="3200" kern="1200" dirty="0" err="1"/>
             <a:t>JwtAuth</a:t>
           </a:r>
-          <a:endParaRPr lang="en-US" sz="4100" kern="1200" dirty="0"/>
+          <a:endParaRPr lang="en-US" sz="3200" kern="1200" dirty="0"/>
         </a:p>
       </dsp:txBody>
       <dsp:txXfrm>
-        <a:off x="-1351124" y="2392124"/>
-        <a:ext cx="3339041" cy="634417"/>
+        <a:off x="-136797" y="2386359"/>
+        <a:ext cx="2590270" cy="492151"/>
       </dsp:txXfrm>
     </dsp:sp>
     <dsp:sp modelId="{AD6BE46D-9C1B-4FCF-A027-4EB058AB4D84}">
@@ -3183,8 +3789,8 @@
       </dsp:nvSpPr>
       <dsp:spPr>
         <a:xfrm>
-          <a:off x="1051783" y="1202590"/>
-          <a:ext cx="2080890" cy="634417"/>
+          <a:off x="1727264" y="771487"/>
+          <a:ext cx="1614256" cy="492151"/>
         </a:xfrm>
         <a:prstGeom prst="rect">
           <a:avLst/>
@@ -3226,12 +3832,12 @@
         </a:fontRef>
       </dsp:style>
       <dsp:txBody>
-        <a:bodyPr spcFirstLastPara="0" vert="horz" wrap="square" lIns="7620" tIns="7620" rIns="7620" bIns="7620" numCol="1" spcCol="1270" anchor="ctr" anchorCtr="0">
+        <a:bodyPr spcFirstLastPara="0" vert="horz" wrap="square" lIns="6985" tIns="6985" rIns="6985" bIns="6985" numCol="1" spcCol="1270" anchor="ctr" anchorCtr="0">
           <a:noAutofit/>
         </a:bodyPr>
         <a:lstStyle/>
         <a:p>
-          <a:pPr marL="0" lvl="0" indent="0" algn="ctr" defTabSz="533400">
+          <a:pPr marL="0" lvl="0" indent="0" algn="ctr" defTabSz="488950">
             <a:lnSpc>
               <a:spcPct val="90000"/>
             </a:lnSpc>
@@ -3244,14 +3850,14 @@
             <a:buNone/>
           </a:pPr>
           <a:r>
-            <a:rPr lang="en-US" sz="1200" kern="1200" dirty="0"/>
+            <a:rPr lang="en-US" sz="1100" kern="1200" dirty="0"/>
             <a:t>Back end</a:t>
           </a:r>
         </a:p>
       </dsp:txBody>
       <dsp:txXfrm>
-        <a:off x="1051783" y="1202590"/>
-        <a:ext cx="2080890" cy="634417"/>
+        <a:off x="1727264" y="771487"/>
+        <a:ext cx="1614256" cy="492151"/>
       </dsp:txXfrm>
     </dsp:sp>
     <dsp:sp modelId="{D6278149-CA7A-40D3-BF07-37D1494A2882}">
@@ -3261,8 +3867,8 @@
       </dsp:nvSpPr>
       <dsp:spPr>
         <a:xfrm>
-          <a:off x="3548852" y="211312"/>
-          <a:ext cx="2080890" cy="634417"/>
+          <a:off x="3664372" y="2500"/>
+          <a:ext cx="1614256" cy="492151"/>
         </a:xfrm>
         <a:prstGeom prst="rect">
           <a:avLst/>
@@ -3304,12 +3910,12 @@
         </a:fontRef>
       </dsp:style>
       <dsp:txBody>
-        <a:bodyPr spcFirstLastPara="0" vert="horz" wrap="square" lIns="7620" tIns="7620" rIns="7620" bIns="7620" numCol="1" spcCol="1270" anchor="ctr" anchorCtr="0">
+        <a:bodyPr spcFirstLastPara="0" vert="horz" wrap="square" lIns="6985" tIns="6985" rIns="6985" bIns="6985" numCol="1" spcCol="1270" anchor="ctr" anchorCtr="0">
           <a:noAutofit/>
         </a:bodyPr>
         <a:lstStyle/>
         <a:p>
-          <a:pPr marL="0" lvl="0" indent="0" algn="ctr" defTabSz="533400">
+          <a:pPr marL="0" lvl="0" indent="0" algn="ctr" defTabSz="488950">
             <a:lnSpc>
               <a:spcPct val="90000"/>
             </a:lnSpc>
@@ -3322,25 +3928,25 @@
             <a:buNone/>
           </a:pPr>
           <a:r>
-            <a:rPr lang="en-US" sz="1200" kern="1200" dirty="0"/>
+            <a:rPr lang="en-US" sz="1100" kern="1200" dirty="0"/>
             <a:t>SQL server database</a:t>
           </a:r>
         </a:p>
       </dsp:txBody>
       <dsp:txXfrm>
-        <a:off x="3548852" y="211312"/>
-        <a:ext cx="2080890" cy="634417"/>
+        <a:off x="3664372" y="2500"/>
+        <a:ext cx="1614256" cy="492151"/>
       </dsp:txXfrm>
     </dsp:sp>
-    <dsp:sp modelId="{12E18B45-F2D6-4206-8915-8FB5C91159E8}">
+    <dsp:sp modelId="{CD9890DF-3632-4B66-B55D-EBAF03DA22FE}">
       <dsp:nvSpPr>
         <dsp:cNvPr id="0" name=""/>
         <dsp:cNvSpPr/>
       </dsp:nvSpPr>
       <dsp:spPr>
         <a:xfrm>
-          <a:off x="3548852" y="1004335"/>
-          <a:ext cx="2080890" cy="634417"/>
+          <a:off x="3664372" y="617689"/>
+          <a:ext cx="1614256" cy="492151"/>
         </a:xfrm>
         <a:prstGeom prst="rect">
           <a:avLst/>
@@ -3382,12 +3988,12 @@
         </a:fontRef>
       </dsp:style>
       <dsp:txBody>
-        <a:bodyPr spcFirstLastPara="0" vert="horz" wrap="square" lIns="7620" tIns="7620" rIns="7620" bIns="7620" numCol="1" spcCol="1270" anchor="ctr" anchorCtr="0">
+        <a:bodyPr spcFirstLastPara="0" vert="horz" wrap="square" lIns="6985" tIns="6985" rIns="6985" bIns="6985" numCol="1" spcCol="1270" anchor="ctr" anchorCtr="0">
           <a:noAutofit/>
         </a:bodyPr>
         <a:lstStyle/>
         <a:p>
-          <a:pPr marL="0" lvl="0" indent="0" algn="ctr" defTabSz="533400">
+          <a:pPr marL="0" lvl="0" indent="0" algn="ctr" defTabSz="488950">
             <a:lnSpc>
               <a:spcPct val="90000"/>
             </a:lnSpc>
@@ -3400,13 +4006,13 @@
             <a:buNone/>
           </a:pPr>
           <a:r>
-            <a:rPr lang="en-US" sz="1200" kern="1200" dirty="0" err="1"/>
-            <a:t>JwtAuth.Web</a:t>
+            <a:rPr lang="en-US" sz="1100" kern="1200" dirty="0" err="1"/>
+            <a:t>JwtAuth.UserSecurity</a:t>
           </a:r>
-          <a:endParaRPr lang="en-US" sz="1200" kern="1200" dirty="0"/>
+          <a:endParaRPr lang="en-US" sz="1100" kern="1200" dirty="0"/>
         </a:p>
         <a:p>
-          <a:pPr marL="0" lvl="0" indent="0" algn="ctr" defTabSz="533400">
+          <a:pPr marL="0" lvl="0" indent="0" algn="ctr" defTabSz="488950">
             <a:lnSpc>
               <a:spcPct val="90000"/>
             </a:lnSpc>
@@ -3419,25 +4025,25 @@
             <a:buNone/>
           </a:pPr>
           <a:r>
-            <a:rPr lang="en-US" sz="1200" kern="1200" dirty="0"/>
-            <a:t>(ASP.NET Core empty)</a:t>
+            <a:rPr lang="en-US" sz="1100" kern="1200" dirty="0"/>
+            <a:t>(class library)</a:t>
           </a:r>
         </a:p>
       </dsp:txBody>
       <dsp:txXfrm>
-        <a:off x="3548852" y="1004335"/>
-        <a:ext cx="2080890" cy="634417"/>
+        <a:off x="3664372" y="617689"/>
+        <a:ext cx="1614256" cy="492151"/>
       </dsp:txXfrm>
     </dsp:sp>
-    <dsp:sp modelId="{3A5CCBAF-C539-4512-B81D-3991CEEF3C7D}">
+    <dsp:sp modelId="{B2DA4715-9F50-4634-BB1D-49EC4B687397}">
       <dsp:nvSpPr>
         <dsp:cNvPr id="0" name=""/>
         <dsp:cNvSpPr/>
       </dsp:nvSpPr>
       <dsp:spPr>
         <a:xfrm>
-          <a:off x="6045921" y="607824"/>
-          <a:ext cx="2080890" cy="634417"/>
+          <a:off x="5601481" y="617689"/>
+          <a:ext cx="1614256" cy="492151"/>
         </a:xfrm>
         <a:prstGeom prst="rect">
           <a:avLst/>
@@ -3479,12 +4085,12 @@
         </a:fontRef>
       </dsp:style>
       <dsp:txBody>
-        <a:bodyPr spcFirstLastPara="0" vert="horz" wrap="square" lIns="7620" tIns="7620" rIns="7620" bIns="7620" numCol="1" spcCol="1270" anchor="ctr" anchorCtr="0">
+        <a:bodyPr spcFirstLastPara="0" vert="horz" wrap="square" lIns="6985" tIns="6985" rIns="6985" bIns="6985" numCol="1" spcCol="1270" anchor="ctr" anchorCtr="0">
           <a:noAutofit/>
         </a:bodyPr>
         <a:lstStyle/>
         <a:p>
-          <a:pPr marL="0" lvl="0" indent="0" algn="ctr" defTabSz="533400">
+          <a:pPr marL="0" lvl="0" indent="0" algn="ctr" defTabSz="488950">
             <a:lnSpc>
               <a:spcPct val="90000"/>
             </a:lnSpc>
@@ -3497,41 +4103,26 @@
             <a:buNone/>
           </a:pPr>
           <a:r>
-            <a:rPr lang="en-US" sz="1200" kern="1200" dirty="0"/>
-            <a:t>web application, EF db context, entities, </a:t>
+            <a:rPr lang="en-US" sz="1100" kern="1200" dirty="0"/>
+            <a:t>password hashing, token generation</a:t>
           </a:r>
-          <a:r>
-            <a:rPr lang="en-US" sz="1200" kern="1200" dirty="0" err="1"/>
-            <a:t>api</a:t>
-          </a:r>
-          <a:r>
-            <a:rPr lang="en-US" sz="1200" kern="1200" dirty="0"/>
-            <a:t> endpoints, </a:t>
-          </a:r>
-          <a:r>
-            <a:rPr lang="en-US" sz="1200" kern="1200" dirty="0" err="1"/>
-            <a:t>dtos</a:t>
-          </a:r>
-          <a:r>
-            <a:rPr lang="en-US" sz="1200" kern="1200" dirty="0"/>
-            <a:t> and validation</a:t>
-          </a:r>
+          <a:endParaRPr lang="en-US" sz="1100" kern="1200"/>
         </a:p>
       </dsp:txBody>
       <dsp:txXfrm>
-        <a:off x="6045921" y="607824"/>
-        <a:ext cx="2080890" cy="634417"/>
+        <a:off x="5601481" y="617689"/>
+        <a:ext cx="1614256" cy="492151"/>
       </dsp:txXfrm>
     </dsp:sp>
-    <dsp:sp modelId="{599AEC48-6BEE-42C6-9C74-1721A7721A43}">
+    <dsp:sp modelId="{12E18B45-F2D6-4206-8915-8FB5C91159E8}">
       <dsp:nvSpPr>
         <dsp:cNvPr id="0" name=""/>
         <dsp:cNvSpPr/>
       </dsp:nvSpPr>
       <dsp:spPr>
         <a:xfrm>
-          <a:off x="6045921" y="1400846"/>
-          <a:ext cx="2080890" cy="634417"/>
+          <a:off x="3664372" y="1540473"/>
+          <a:ext cx="1614256" cy="492151"/>
         </a:xfrm>
         <a:prstGeom prst="rect">
           <a:avLst/>
@@ -3573,12 +4164,12 @@
         </a:fontRef>
       </dsp:style>
       <dsp:txBody>
-        <a:bodyPr spcFirstLastPara="0" vert="horz" wrap="square" lIns="7620" tIns="7620" rIns="7620" bIns="7620" numCol="1" spcCol="1270" anchor="ctr" anchorCtr="0">
+        <a:bodyPr spcFirstLastPara="0" vert="horz" wrap="square" lIns="6985" tIns="6985" rIns="6985" bIns="6985" numCol="1" spcCol="1270" anchor="ctr" anchorCtr="0">
           <a:noAutofit/>
         </a:bodyPr>
         <a:lstStyle/>
         <a:p>
-          <a:pPr marL="0" lvl="0" indent="0" algn="ctr" defTabSz="533400">
+          <a:pPr marL="0" lvl="0" indent="0" algn="ctr" defTabSz="488950">
             <a:lnSpc>
               <a:spcPct val="90000"/>
             </a:lnSpc>
@@ -3591,25 +4182,44 @@
             <a:buNone/>
           </a:pPr>
           <a:r>
-            <a:rPr lang="en-US" sz="1200" kern="1200" dirty="0"/>
-            <a:t>has dependency on the user security project</a:t>
+            <a:rPr lang="en-US" sz="1100" kern="1200" dirty="0" err="1"/>
+            <a:t>JwtAuth.Web</a:t>
+          </a:r>
+          <a:endParaRPr lang="en-US" sz="1100" kern="1200" dirty="0"/>
+        </a:p>
+        <a:p>
+          <a:pPr marL="0" lvl="0" indent="0" algn="ctr" defTabSz="488950">
+            <a:lnSpc>
+              <a:spcPct val="90000"/>
+            </a:lnSpc>
+            <a:spcBef>
+              <a:spcPct val="0"/>
+            </a:spcBef>
+            <a:spcAft>
+              <a:spcPct val="35000"/>
+            </a:spcAft>
+            <a:buNone/>
+          </a:pPr>
+          <a:r>
+            <a:rPr lang="en-US" sz="1100" kern="1200" dirty="0"/>
+            <a:t>(ASP.NET Core empty)</a:t>
           </a:r>
         </a:p>
       </dsp:txBody>
       <dsp:txXfrm>
-        <a:off x="6045921" y="1400846"/>
-        <a:ext cx="2080890" cy="634417"/>
+        <a:off x="3664372" y="1540473"/>
+        <a:ext cx="1614256" cy="492151"/>
       </dsp:txXfrm>
     </dsp:sp>
-    <dsp:sp modelId="{22B0EE09-4531-450C-A2D0-F121BC3FA63C}">
+    <dsp:sp modelId="{3A5CCBAF-C539-4512-B81D-3991CEEF3C7D}">
       <dsp:nvSpPr>
         <dsp:cNvPr id="0" name=""/>
         <dsp:cNvSpPr/>
       </dsp:nvSpPr>
       <dsp:spPr>
         <a:xfrm>
-          <a:off x="3548852" y="2193868"/>
-          <a:ext cx="2080890" cy="634417"/>
+          <a:off x="5601481" y="1232879"/>
+          <a:ext cx="1614256" cy="492151"/>
         </a:xfrm>
         <a:prstGeom prst="rect">
           <a:avLst/>
@@ -3651,12 +4261,12 @@
         </a:fontRef>
       </dsp:style>
       <dsp:txBody>
-        <a:bodyPr spcFirstLastPara="0" vert="horz" wrap="square" lIns="7620" tIns="7620" rIns="7620" bIns="7620" numCol="1" spcCol="1270" anchor="ctr" anchorCtr="0">
+        <a:bodyPr spcFirstLastPara="0" vert="horz" wrap="square" lIns="6985" tIns="6985" rIns="6985" bIns="6985" numCol="1" spcCol="1270" anchor="ctr" anchorCtr="0">
           <a:noAutofit/>
         </a:bodyPr>
         <a:lstStyle/>
         <a:p>
-          <a:pPr marL="0" lvl="0" indent="0" algn="ctr" defTabSz="533400">
+          <a:pPr marL="0" lvl="0" indent="0" algn="ctr" defTabSz="488950">
             <a:lnSpc>
               <a:spcPct val="90000"/>
             </a:lnSpc>
@@ -3669,44 +4279,33 @@
             <a:buNone/>
           </a:pPr>
           <a:r>
-            <a:rPr lang="en-US" sz="1200" kern="1200" dirty="0" err="1"/>
-            <a:t>JwtAuth.UserSecurity</a:t>
+            <a:rPr lang="en-US" sz="1100" kern="1200" dirty="0"/>
+            <a:t>web application, EF db context and entities, </a:t>
           </a:r>
-          <a:endParaRPr lang="en-US" sz="1200" kern="1200" dirty="0"/>
-        </a:p>
-        <a:p>
-          <a:pPr marL="0" lvl="0" indent="0" algn="ctr" defTabSz="533400">
-            <a:lnSpc>
-              <a:spcPct val="90000"/>
-            </a:lnSpc>
-            <a:spcBef>
-              <a:spcPct val="0"/>
-            </a:spcBef>
-            <a:spcAft>
-              <a:spcPct val="35000"/>
-            </a:spcAft>
-            <a:buNone/>
-          </a:pPr>
           <a:r>
-            <a:rPr lang="en-US" sz="1200" kern="1200" dirty="0"/>
-            <a:t>(Class library)</a:t>
+            <a:rPr lang="en-US" sz="1100" kern="1200" dirty="0" err="1"/>
+            <a:t>api</a:t>
+          </a:r>
+          <a:r>
+            <a:rPr lang="en-US" sz="1100" kern="1200" dirty="0"/>
+            <a:t> endpoints</a:t>
           </a:r>
         </a:p>
       </dsp:txBody>
       <dsp:txXfrm>
-        <a:off x="3548852" y="2193868"/>
-        <a:ext cx="2080890" cy="634417"/>
+        <a:off x="5601481" y="1232879"/>
+        <a:ext cx="1614256" cy="492151"/>
       </dsp:txXfrm>
     </dsp:sp>
-    <dsp:sp modelId="{0720C1DB-B93A-4D0B-9749-3105015D54CC}">
+    <dsp:sp modelId="{599AEC48-6BEE-42C6-9C74-1721A7721A43}">
       <dsp:nvSpPr>
         <dsp:cNvPr id="0" name=""/>
         <dsp:cNvSpPr/>
       </dsp:nvSpPr>
       <dsp:spPr>
         <a:xfrm>
-          <a:off x="6045921" y="2193868"/>
-          <a:ext cx="2080890" cy="634417"/>
+          <a:off x="5601481" y="1848068"/>
+          <a:ext cx="1614256" cy="492151"/>
         </a:xfrm>
         <a:prstGeom prst="rect">
           <a:avLst/>
@@ -3748,12 +4347,12 @@
         </a:fontRef>
       </dsp:style>
       <dsp:txBody>
-        <a:bodyPr spcFirstLastPara="0" vert="horz" wrap="square" lIns="7620" tIns="7620" rIns="7620" bIns="7620" numCol="1" spcCol="1270" anchor="ctr" anchorCtr="0">
+        <a:bodyPr spcFirstLastPara="0" vert="horz" wrap="square" lIns="6985" tIns="6985" rIns="6985" bIns="6985" numCol="1" spcCol="1270" anchor="ctr" anchorCtr="0">
           <a:noAutofit/>
         </a:bodyPr>
         <a:lstStyle/>
         <a:p>
-          <a:pPr marL="0" lvl="0" indent="0" algn="ctr" defTabSz="533400">
+          <a:pPr marL="0" lvl="0" indent="0" algn="ctr" defTabSz="488950">
             <a:lnSpc>
               <a:spcPct val="90000"/>
             </a:lnSpc>
@@ -3766,25 +4365,25 @@
             <a:buNone/>
           </a:pPr>
           <a:r>
-            <a:rPr lang="en-US" sz="1200" kern="1200" dirty="0"/>
-            <a:t>password hashing, token generation</a:t>
+            <a:rPr lang="en-US" sz="1100" kern="1200" dirty="0"/>
+            <a:t>has dependency on the user security project, and on the core project</a:t>
           </a:r>
         </a:p>
       </dsp:txBody>
       <dsp:txXfrm>
-        <a:off x="6045921" y="2193868"/>
-        <a:ext cx="2080890" cy="634417"/>
+        <a:off x="5601481" y="1848068"/>
+        <a:ext cx="1614256" cy="492151"/>
       </dsp:txXfrm>
     </dsp:sp>
-    <dsp:sp modelId="{B48036FB-FD23-4ADC-B0FE-68EBBA280C60}">
+    <dsp:sp modelId="{8E30DA3D-D1C5-49D3-8256-04FE10CA98C5}">
       <dsp:nvSpPr>
         <dsp:cNvPr id="0" name=""/>
         <dsp:cNvSpPr/>
       </dsp:nvSpPr>
       <dsp:spPr>
         <a:xfrm>
-          <a:off x="1051783" y="3581658"/>
-          <a:ext cx="2080890" cy="634417"/>
+          <a:off x="1727264" y="2463257"/>
+          <a:ext cx="1614256" cy="492151"/>
         </a:xfrm>
         <a:prstGeom prst="rect">
           <a:avLst/>
@@ -3826,12 +4425,12 @@
         </a:fontRef>
       </dsp:style>
       <dsp:txBody>
-        <a:bodyPr spcFirstLastPara="0" vert="horz" wrap="square" lIns="7620" tIns="7620" rIns="7620" bIns="7620" numCol="1" spcCol="1270" anchor="ctr" anchorCtr="0">
+        <a:bodyPr spcFirstLastPara="0" vert="horz" wrap="square" lIns="6985" tIns="6985" rIns="6985" bIns="6985" numCol="1" spcCol="1270" anchor="ctr" anchorCtr="0">
           <a:noAutofit/>
         </a:bodyPr>
         <a:lstStyle/>
         <a:p>
-          <a:pPr marL="0" lvl="0" indent="0" algn="ctr" defTabSz="533400">
+          <a:pPr marL="0" lvl="0" indent="0" algn="ctr" defTabSz="488950">
             <a:lnSpc>
               <a:spcPct val="90000"/>
             </a:lnSpc>
@@ -3844,25 +4443,25 @@
             <a:buNone/>
           </a:pPr>
           <a:r>
-            <a:rPr lang="en-US" sz="1200" kern="1200" dirty="0"/>
-            <a:t>Front end</a:t>
+            <a:rPr lang="en-US" sz="1100" kern="1200" dirty="0"/>
+            <a:t>Middleware</a:t>
           </a:r>
         </a:p>
       </dsp:txBody>
       <dsp:txXfrm>
-        <a:off x="1051783" y="3581658"/>
-        <a:ext cx="2080890" cy="634417"/>
+        <a:off x="1727264" y="2463257"/>
+        <a:ext cx="1614256" cy="492151"/>
       </dsp:txXfrm>
     </dsp:sp>
-    <dsp:sp modelId="{118FE515-EE26-4ED6-86F6-7AA4B1562FD2}">
+    <dsp:sp modelId="{6F9E7F67-D659-4537-8FC3-6C8387C6D1DB}">
       <dsp:nvSpPr>
         <dsp:cNvPr id="0" name=""/>
         <dsp:cNvSpPr/>
       </dsp:nvSpPr>
       <dsp:spPr>
         <a:xfrm>
-          <a:off x="3548852" y="2986891"/>
-          <a:ext cx="2080890" cy="634417"/>
+          <a:off x="3664372" y="2463257"/>
+          <a:ext cx="1614256" cy="492151"/>
         </a:xfrm>
         <a:prstGeom prst="rect">
           <a:avLst/>
@@ -3904,12 +4503,12 @@
         </a:fontRef>
       </dsp:style>
       <dsp:txBody>
-        <a:bodyPr spcFirstLastPara="0" vert="horz" wrap="square" lIns="7620" tIns="7620" rIns="7620" bIns="7620" numCol="1" spcCol="1270" anchor="ctr" anchorCtr="0">
+        <a:bodyPr spcFirstLastPara="0" vert="horz" wrap="square" lIns="6985" tIns="6985" rIns="6985" bIns="6985" numCol="1" spcCol="1270" anchor="ctr" anchorCtr="0">
           <a:noAutofit/>
         </a:bodyPr>
         <a:lstStyle/>
         <a:p>
-          <a:pPr marL="0" lvl="0" indent="0" algn="ctr" defTabSz="533400">
+          <a:pPr marL="0" lvl="0" indent="0" algn="ctr" defTabSz="488950">
             <a:lnSpc>
               <a:spcPct val="90000"/>
             </a:lnSpc>
@@ -3922,13 +4521,13 @@
             <a:buNone/>
           </a:pPr>
           <a:r>
-            <a:rPr lang="en-US" sz="1200" kern="1200" dirty="0" err="1"/>
-            <a:t>JwtAuth.DataClient</a:t>
+            <a:rPr lang="en-US" sz="1100" kern="1200" dirty="0" err="1"/>
+            <a:t>JwtAuth.Core</a:t>
           </a:r>
-          <a:endParaRPr lang="en-US" sz="1200" kern="1200" dirty="0"/>
+          <a:endParaRPr lang="en-US" sz="1100" kern="1200" dirty="0"/>
         </a:p>
         <a:p>
-          <a:pPr marL="0" lvl="0" indent="0" algn="ctr" defTabSz="533400">
+          <a:pPr marL="0" lvl="0" indent="0" algn="ctr" defTabSz="488950">
             <a:lnSpc>
               <a:spcPct val="90000"/>
             </a:lnSpc>
@@ -3941,30 +4540,25 @@
             <a:buNone/>
           </a:pPr>
           <a:r>
-            <a:rPr lang="en-US" sz="1200" kern="1200" dirty="0"/>
-            <a:t>(</a:t>
+            <a:rPr lang="en-US" sz="1100" kern="1200" dirty="0"/>
+            <a:t>(class library</a:t>
           </a:r>
-          <a:r>
-            <a:rPr lang="en-US" sz="1200" kern="1200"/>
-            <a:t>Class library)</a:t>
-          </a:r>
-          <a:endParaRPr lang="en-US" sz="1200" kern="1200" dirty="0"/>
         </a:p>
       </dsp:txBody>
       <dsp:txXfrm>
-        <a:off x="3548852" y="2986891"/>
-        <a:ext cx="2080890" cy="634417"/>
+        <a:off x="3664372" y="2463257"/>
+        <a:ext cx="1614256" cy="492151"/>
       </dsp:txXfrm>
     </dsp:sp>
-    <dsp:sp modelId="{7D648BDF-0BB4-4AFD-8160-DE14E4FED722}">
+    <dsp:sp modelId="{64BAC6D5-BE67-41EC-B555-6114B9A28138}">
       <dsp:nvSpPr>
         <dsp:cNvPr id="0" name=""/>
         <dsp:cNvSpPr/>
       </dsp:nvSpPr>
       <dsp:spPr>
         <a:xfrm>
-          <a:off x="6045921" y="2986891"/>
-          <a:ext cx="2080890" cy="634417"/>
+          <a:off x="5601481" y="2463257"/>
+          <a:ext cx="1614256" cy="492151"/>
         </a:xfrm>
         <a:prstGeom prst="rect">
           <a:avLst/>
@@ -4006,12 +4600,12 @@
         </a:fontRef>
       </dsp:style>
       <dsp:txBody>
-        <a:bodyPr spcFirstLastPara="0" vert="horz" wrap="square" lIns="7620" tIns="7620" rIns="7620" bIns="7620" numCol="1" spcCol="1270" anchor="ctr" anchorCtr="0">
+        <a:bodyPr spcFirstLastPara="0" vert="horz" wrap="square" lIns="6985" tIns="6985" rIns="6985" bIns="6985" numCol="1" spcCol="1270" anchor="ctr" anchorCtr="0">
           <a:noAutofit/>
         </a:bodyPr>
         <a:lstStyle/>
         <a:p>
-          <a:pPr marL="0" lvl="0" indent="0" algn="ctr" defTabSz="533400">
+          <a:pPr marL="0" lvl="0" indent="0" algn="ctr" defTabSz="488950">
             <a:lnSpc>
               <a:spcPct val="90000"/>
             </a:lnSpc>
@@ -4024,41 +4618,29 @@
             <a:buNone/>
           </a:pPr>
           <a:r>
-            <a:rPr lang="en-US" sz="1200" kern="1200" dirty="0"/>
-            <a:t>http data client that calls the </a:t>
-          </a:r>
-          <a:r>
-            <a:rPr lang="en-US" sz="1200" kern="1200" dirty="0" err="1"/>
-            <a:t>api</a:t>
-          </a:r>
-          <a:r>
-            <a:rPr lang="en-US" sz="1200" kern="1200" dirty="0"/>
-            <a:t>, </a:t>
-          </a:r>
-          <a:r>
-            <a:rPr lang="en-US" sz="1200" kern="1200" dirty="0" err="1"/>
+            <a:rPr lang="en-US" sz="1100" kern="1200" dirty="0" err="1"/>
             <a:t>dtos</a:t>
           </a:r>
           <a:r>
-            <a:rPr lang="en-US" sz="1200" kern="1200" dirty="0"/>
-            <a:t> and validation</a:t>
+            <a:rPr lang="en-US" sz="1100" kern="1200" dirty="0"/>
+            <a:t> and data validation</a:t>
           </a:r>
         </a:p>
       </dsp:txBody>
       <dsp:txXfrm>
-        <a:off x="6045921" y="2986891"/>
-        <a:ext cx="2080890" cy="634417"/>
+        <a:off x="5601481" y="2463257"/>
+        <a:ext cx="1614256" cy="492151"/>
       </dsp:txXfrm>
     </dsp:sp>
-    <dsp:sp modelId="{99B6EF6D-D127-4386-9B5F-70970E70BD8F}">
+    <dsp:sp modelId="{B48036FB-FD23-4ADC-B0FE-68EBBA280C60}">
       <dsp:nvSpPr>
         <dsp:cNvPr id="0" name=""/>
         <dsp:cNvSpPr/>
       </dsp:nvSpPr>
       <dsp:spPr>
         <a:xfrm>
-          <a:off x="3548852" y="4176425"/>
-          <a:ext cx="2080890" cy="634417"/>
+          <a:off x="1727264" y="4001231"/>
+          <a:ext cx="1614256" cy="492151"/>
         </a:xfrm>
         <a:prstGeom prst="rect">
           <a:avLst/>
@@ -4100,12 +4682,12 @@
         </a:fontRef>
       </dsp:style>
       <dsp:txBody>
-        <a:bodyPr spcFirstLastPara="0" vert="horz" wrap="square" lIns="7620" tIns="7620" rIns="7620" bIns="7620" numCol="1" spcCol="1270" anchor="ctr" anchorCtr="0">
+        <a:bodyPr spcFirstLastPara="0" vert="horz" wrap="square" lIns="6985" tIns="6985" rIns="6985" bIns="6985" numCol="1" spcCol="1270" anchor="ctr" anchorCtr="0">
           <a:noAutofit/>
         </a:bodyPr>
         <a:lstStyle/>
         <a:p>
-          <a:pPr marL="0" lvl="0" indent="0" algn="ctr" defTabSz="533400">
+          <a:pPr marL="0" lvl="0" indent="0" algn="ctr" defTabSz="488950">
             <a:lnSpc>
               <a:spcPct val="90000"/>
             </a:lnSpc>
@@ -4118,26 +4700,25 @@
             <a:buNone/>
           </a:pPr>
           <a:r>
-            <a:rPr lang="en-US" sz="1200" kern="1200" dirty="0" err="1"/>
-            <a:t>JwtAuth.MAUI</a:t>
+            <a:rPr lang="en-US" sz="1100" kern="1200" dirty="0"/>
+            <a:t>Front end</a:t>
           </a:r>
-          <a:endParaRPr lang="en-US" sz="1200" kern="1200" dirty="0"/>
         </a:p>
       </dsp:txBody>
       <dsp:txXfrm>
-        <a:off x="3548852" y="4176425"/>
-        <a:ext cx="2080890" cy="634417"/>
+        <a:off x="1727264" y="4001231"/>
+        <a:ext cx="1614256" cy="492151"/>
       </dsp:txXfrm>
     </dsp:sp>
-    <dsp:sp modelId="{AB32AD07-E5BC-47F6-AB20-BE3AAD9B2138}">
+    <dsp:sp modelId="{118FE515-EE26-4ED6-86F6-7AA4B1562FD2}">
       <dsp:nvSpPr>
         <dsp:cNvPr id="0" name=""/>
         <dsp:cNvSpPr/>
       </dsp:nvSpPr>
       <dsp:spPr>
         <a:xfrm>
-          <a:off x="6045921" y="3779913"/>
-          <a:ext cx="2080890" cy="634417"/>
+          <a:off x="3664372" y="3386041"/>
+          <a:ext cx="1614256" cy="492151"/>
         </a:xfrm>
         <a:prstGeom prst="rect">
           <a:avLst/>
@@ -4179,12 +4760,12 @@
         </a:fontRef>
       </dsp:style>
       <dsp:txBody>
-        <a:bodyPr spcFirstLastPara="0" vert="horz" wrap="square" lIns="7620" tIns="7620" rIns="7620" bIns="7620" numCol="1" spcCol="1270" anchor="ctr" anchorCtr="0">
+        <a:bodyPr spcFirstLastPara="0" vert="horz" wrap="square" lIns="6985" tIns="6985" rIns="6985" bIns="6985" numCol="1" spcCol="1270" anchor="ctr" anchorCtr="0">
           <a:noAutofit/>
         </a:bodyPr>
         <a:lstStyle/>
         <a:p>
-          <a:pPr marL="0" lvl="0" indent="0" algn="ctr" defTabSz="533400">
+          <a:pPr marL="0" lvl="0" indent="0" algn="ctr" defTabSz="488950">
             <a:lnSpc>
               <a:spcPct val="90000"/>
             </a:lnSpc>
@@ -4197,25 +4778,44 @@
             <a:buNone/>
           </a:pPr>
           <a:r>
-            <a:rPr lang="en-US" sz="1200" kern="1200" dirty="0"/>
-            <a:t>uses the data client to present/submit data</a:t>
+            <a:rPr lang="en-US" sz="1100" kern="1200" dirty="0" err="1"/>
+            <a:t>JwtAuth.DataClient</a:t>
+          </a:r>
+          <a:endParaRPr lang="en-US" sz="1100" kern="1200" dirty="0"/>
+        </a:p>
+        <a:p>
+          <a:pPr marL="0" lvl="0" indent="0" algn="ctr" defTabSz="488950">
+            <a:lnSpc>
+              <a:spcPct val="90000"/>
+            </a:lnSpc>
+            <a:spcBef>
+              <a:spcPct val="0"/>
+            </a:spcBef>
+            <a:spcAft>
+              <a:spcPct val="35000"/>
+            </a:spcAft>
+            <a:buNone/>
+          </a:pPr>
+          <a:r>
+            <a:rPr lang="en-US" sz="1100" kern="1200" dirty="0"/>
+            <a:t>(class library)</a:t>
           </a:r>
         </a:p>
       </dsp:txBody>
       <dsp:txXfrm>
-        <a:off x="6045921" y="3779913"/>
-        <a:ext cx="2080890" cy="634417"/>
+        <a:off x="3664372" y="3386041"/>
+        <a:ext cx="1614256" cy="492151"/>
       </dsp:txXfrm>
     </dsp:sp>
-    <dsp:sp modelId="{3854D69A-B34B-43E6-B69C-85D33559B464}">
+    <dsp:sp modelId="{7D648BDF-0BB4-4AFD-8160-DE14E4FED722}">
       <dsp:nvSpPr>
         <dsp:cNvPr id="0" name=""/>
         <dsp:cNvSpPr/>
       </dsp:nvSpPr>
       <dsp:spPr>
         <a:xfrm>
-          <a:off x="6045921" y="4572936"/>
-          <a:ext cx="2080890" cy="634417"/>
+          <a:off x="5601481" y="3078447"/>
+          <a:ext cx="1614256" cy="492151"/>
         </a:xfrm>
         <a:prstGeom prst="rect">
           <a:avLst/>
@@ -4257,12 +4857,12 @@
         </a:fontRef>
       </dsp:style>
       <dsp:txBody>
-        <a:bodyPr spcFirstLastPara="0" vert="horz" wrap="square" lIns="7620" tIns="7620" rIns="7620" bIns="7620" numCol="1" spcCol="1270" anchor="ctr" anchorCtr="0">
+        <a:bodyPr spcFirstLastPara="0" vert="horz" wrap="square" lIns="6985" tIns="6985" rIns="6985" bIns="6985" numCol="1" spcCol="1270" anchor="ctr" anchorCtr="0">
           <a:noAutofit/>
         </a:bodyPr>
         <a:lstStyle/>
         <a:p>
-          <a:pPr marL="0" lvl="0" indent="0" algn="ctr" defTabSz="533400">
+          <a:pPr marL="0" lvl="0" indent="0" algn="ctr" defTabSz="488950">
             <a:lnSpc>
               <a:spcPct val="90000"/>
             </a:lnSpc>
@@ -4275,14 +4875,332 @@
             <a:buNone/>
           </a:pPr>
           <a:r>
-            <a:rPr lang="en-US" sz="1200" kern="1200" dirty="0"/>
-            <a:t>Has dependency on the data client project</a:t>
+            <a:rPr lang="en-US" sz="1100" kern="1200" dirty="0"/>
+            <a:t>http data client that calls the </a:t>
+          </a:r>
+          <a:r>
+            <a:rPr lang="en-US" sz="1100" kern="1200" dirty="0" err="1"/>
+            <a:t>api</a:t>
+          </a:r>
+          <a:endParaRPr lang="en-US" sz="1100" kern="1200" dirty="0"/>
+        </a:p>
+      </dsp:txBody>
+      <dsp:txXfrm>
+        <a:off x="5601481" y="3078447"/>
+        <a:ext cx="1614256" cy="492151"/>
+      </dsp:txXfrm>
+    </dsp:sp>
+    <dsp:sp modelId="{D202FB1E-066E-40BC-BA35-35BB1DBA9BA4}">
+      <dsp:nvSpPr>
+        <dsp:cNvPr id="0" name=""/>
+        <dsp:cNvSpPr/>
+      </dsp:nvSpPr>
+      <dsp:spPr>
+        <a:xfrm>
+          <a:off x="5601481" y="3693636"/>
+          <a:ext cx="1614256" cy="492151"/>
+        </a:xfrm>
+        <a:prstGeom prst="rect">
+          <a:avLst/>
+        </a:prstGeom>
+        <a:solidFill>
+          <a:schemeClr val="accent1">
+            <a:hueOff val="0"/>
+            <a:satOff val="0"/>
+            <a:lumOff val="0"/>
+            <a:alphaOff val="0"/>
+          </a:schemeClr>
+        </a:solidFill>
+        <a:ln w="19050" cap="flat" cmpd="sng" algn="ctr">
+          <a:solidFill>
+            <a:schemeClr val="lt1">
+              <a:hueOff val="0"/>
+              <a:satOff val="0"/>
+              <a:lumOff val="0"/>
+              <a:alphaOff val="0"/>
+            </a:schemeClr>
+          </a:solidFill>
+          <a:prstDash val="solid"/>
+          <a:miter lim="800000"/>
+        </a:ln>
+        <a:effectLst/>
+      </dsp:spPr>
+      <dsp:style>
+        <a:lnRef idx="2">
+          <a:scrgbClr r="0" g="0" b="0"/>
+        </a:lnRef>
+        <a:fillRef idx="1">
+          <a:scrgbClr r="0" g="0" b="0"/>
+        </a:fillRef>
+        <a:effectRef idx="0">
+          <a:scrgbClr r="0" g="0" b="0"/>
+        </a:effectRef>
+        <a:fontRef idx="minor">
+          <a:schemeClr val="lt1"/>
+        </a:fontRef>
+      </dsp:style>
+      <dsp:txBody>
+        <a:bodyPr spcFirstLastPara="0" vert="horz" wrap="square" lIns="6985" tIns="6985" rIns="6985" bIns="6985" numCol="1" spcCol="1270" anchor="ctr" anchorCtr="0">
+          <a:noAutofit/>
+        </a:bodyPr>
+        <a:lstStyle/>
+        <a:p>
+          <a:pPr marL="0" lvl="0" indent="0" algn="ctr" defTabSz="488950">
+            <a:lnSpc>
+              <a:spcPct val="90000"/>
+            </a:lnSpc>
+            <a:spcBef>
+              <a:spcPct val="0"/>
+            </a:spcBef>
+            <a:spcAft>
+              <a:spcPct val="35000"/>
+            </a:spcAft>
+            <a:buNone/>
+          </a:pPr>
+          <a:r>
+            <a:rPr lang="en-US" sz="1100" kern="1200" dirty="0"/>
+            <a:t>has dependency on the core project</a:t>
           </a:r>
         </a:p>
       </dsp:txBody>
       <dsp:txXfrm>
-        <a:off x="6045921" y="4572936"/>
-        <a:ext cx="2080890" cy="634417"/>
+        <a:off x="5601481" y="3693636"/>
+        <a:ext cx="1614256" cy="492151"/>
+      </dsp:txXfrm>
+    </dsp:sp>
+    <dsp:sp modelId="{99B6EF6D-D127-4386-9B5F-70970E70BD8F}">
+      <dsp:nvSpPr>
+        <dsp:cNvPr id="0" name=""/>
+        <dsp:cNvSpPr/>
+      </dsp:nvSpPr>
+      <dsp:spPr>
+        <a:xfrm>
+          <a:off x="3664372" y="4616420"/>
+          <a:ext cx="1614256" cy="492151"/>
+        </a:xfrm>
+        <a:prstGeom prst="rect">
+          <a:avLst/>
+        </a:prstGeom>
+        <a:solidFill>
+          <a:schemeClr val="accent1">
+            <a:hueOff val="0"/>
+            <a:satOff val="0"/>
+            <a:lumOff val="0"/>
+            <a:alphaOff val="0"/>
+          </a:schemeClr>
+        </a:solidFill>
+        <a:ln w="19050" cap="flat" cmpd="sng" algn="ctr">
+          <a:solidFill>
+            <a:schemeClr val="lt1">
+              <a:hueOff val="0"/>
+              <a:satOff val="0"/>
+              <a:lumOff val="0"/>
+              <a:alphaOff val="0"/>
+            </a:schemeClr>
+          </a:solidFill>
+          <a:prstDash val="solid"/>
+          <a:miter lim="800000"/>
+        </a:ln>
+        <a:effectLst/>
+      </dsp:spPr>
+      <dsp:style>
+        <a:lnRef idx="2">
+          <a:scrgbClr r="0" g="0" b="0"/>
+        </a:lnRef>
+        <a:fillRef idx="1">
+          <a:scrgbClr r="0" g="0" b="0"/>
+        </a:fillRef>
+        <a:effectRef idx="0">
+          <a:scrgbClr r="0" g="0" b="0"/>
+        </a:effectRef>
+        <a:fontRef idx="minor">
+          <a:schemeClr val="lt1"/>
+        </a:fontRef>
+      </dsp:style>
+      <dsp:txBody>
+        <a:bodyPr spcFirstLastPara="0" vert="horz" wrap="square" lIns="6985" tIns="6985" rIns="6985" bIns="6985" numCol="1" spcCol="1270" anchor="ctr" anchorCtr="0">
+          <a:noAutofit/>
+        </a:bodyPr>
+        <a:lstStyle/>
+        <a:p>
+          <a:pPr marL="0" lvl="0" indent="0" algn="ctr" defTabSz="488950">
+            <a:lnSpc>
+              <a:spcPct val="90000"/>
+            </a:lnSpc>
+            <a:spcBef>
+              <a:spcPct val="0"/>
+            </a:spcBef>
+            <a:spcAft>
+              <a:spcPct val="35000"/>
+            </a:spcAft>
+            <a:buNone/>
+          </a:pPr>
+          <a:r>
+            <a:rPr lang="en-US" sz="1100" kern="1200" dirty="0" err="1"/>
+            <a:t>JwtAuth.MAUI</a:t>
+          </a:r>
+          <a:endParaRPr lang="en-US" sz="1100" kern="1200" dirty="0"/>
+        </a:p>
+      </dsp:txBody>
+      <dsp:txXfrm>
+        <a:off x="3664372" y="4616420"/>
+        <a:ext cx="1614256" cy="492151"/>
+      </dsp:txXfrm>
+    </dsp:sp>
+    <dsp:sp modelId="{AB32AD07-E5BC-47F6-AB20-BE3AAD9B2138}">
+      <dsp:nvSpPr>
+        <dsp:cNvPr id="0" name=""/>
+        <dsp:cNvSpPr/>
+      </dsp:nvSpPr>
+      <dsp:spPr>
+        <a:xfrm>
+          <a:off x="5601481" y="4308825"/>
+          <a:ext cx="1614256" cy="492151"/>
+        </a:xfrm>
+        <a:prstGeom prst="rect">
+          <a:avLst/>
+        </a:prstGeom>
+        <a:solidFill>
+          <a:schemeClr val="accent1">
+            <a:hueOff val="0"/>
+            <a:satOff val="0"/>
+            <a:lumOff val="0"/>
+            <a:alphaOff val="0"/>
+          </a:schemeClr>
+        </a:solidFill>
+        <a:ln w="19050" cap="flat" cmpd="sng" algn="ctr">
+          <a:solidFill>
+            <a:schemeClr val="lt1">
+              <a:hueOff val="0"/>
+              <a:satOff val="0"/>
+              <a:lumOff val="0"/>
+              <a:alphaOff val="0"/>
+            </a:schemeClr>
+          </a:solidFill>
+          <a:prstDash val="solid"/>
+          <a:miter lim="800000"/>
+        </a:ln>
+        <a:effectLst/>
+      </dsp:spPr>
+      <dsp:style>
+        <a:lnRef idx="2">
+          <a:scrgbClr r="0" g="0" b="0"/>
+        </a:lnRef>
+        <a:fillRef idx="1">
+          <a:scrgbClr r="0" g="0" b="0"/>
+        </a:fillRef>
+        <a:effectRef idx="0">
+          <a:scrgbClr r="0" g="0" b="0"/>
+        </a:effectRef>
+        <a:fontRef idx="minor">
+          <a:schemeClr val="lt1"/>
+        </a:fontRef>
+      </dsp:style>
+      <dsp:txBody>
+        <a:bodyPr spcFirstLastPara="0" vert="horz" wrap="square" lIns="6985" tIns="6985" rIns="6985" bIns="6985" numCol="1" spcCol="1270" anchor="ctr" anchorCtr="0">
+          <a:noAutofit/>
+        </a:bodyPr>
+        <a:lstStyle/>
+        <a:p>
+          <a:pPr marL="0" lvl="0" indent="0" algn="ctr" defTabSz="488950">
+            <a:lnSpc>
+              <a:spcPct val="90000"/>
+            </a:lnSpc>
+            <a:spcBef>
+              <a:spcPct val="0"/>
+            </a:spcBef>
+            <a:spcAft>
+              <a:spcPct val="35000"/>
+            </a:spcAft>
+            <a:buNone/>
+          </a:pPr>
+          <a:r>
+            <a:rPr lang="en-US" sz="1100" kern="1200" dirty="0"/>
+            <a:t>uses the data client to present/submit data</a:t>
+          </a:r>
+        </a:p>
+      </dsp:txBody>
+      <dsp:txXfrm>
+        <a:off x="5601481" y="4308825"/>
+        <a:ext cx="1614256" cy="492151"/>
+      </dsp:txXfrm>
+    </dsp:sp>
+    <dsp:sp modelId="{3854D69A-B34B-43E6-B69C-85D33559B464}">
+      <dsp:nvSpPr>
+        <dsp:cNvPr id="0" name=""/>
+        <dsp:cNvSpPr/>
+      </dsp:nvSpPr>
+      <dsp:spPr>
+        <a:xfrm>
+          <a:off x="5601481" y="4924015"/>
+          <a:ext cx="1614256" cy="492151"/>
+        </a:xfrm>
+        <a:prstGeom prst="rect">
+          <a:avLst/>
+        </a:prstGeom>
+        <a:solidFill>
+          <a:schemeClr val="accent1">
+            <a:hueOff val="0"/>
+            <a:satOff val="0"/>
+            <a:lumOff val="0"/>
+            <a:alphaOff val="0"/>
+          </a:schemeClr>
+        </a:solidFill>
+        <a:ln w="19050" cap="flat" cmpd="sng" algn="ctr">
+          <a:solidFill>
+            <a:schemeClr val="lt1">
+              <a:hueOff val="0"/>
+              <a:satOff val="0"/>
+              <a:lumOff val="0"/>
+              <a:alphaOff val="0"/>
+            </a:schemeClr>
+          </a:solidFill>
+          <a:prstDash val="solid"/>
+          <a:miter lim="800000"/>
+        </a:ln>
+        <a:effectLst/>
+      </dsp:spPr>
+      <dsp:style>
+        <a:lnRef idx="2">
+          <a:scrgbClr r="0" g="0" b="0"/>
+        </a:lnRef>
+        <a:fillRef idx="1">
+          <a:scrgbClr r="0" g="0" b="0"/>
+        </a:fillRef>
+        <a:effectRef idx="0">
+          <a:scrgbClr r="0" g="0" b="0"/>
+        </a:effectRef>
+        <a:fontRef idx="minor">
+          <a:schemeClr val="lt1"/>
+        </a:fontRef>
+      </dsp:style>
+      <dsp:txBody>
+        <a:bodyPr spcFirstLastPara="0" vert="horz" wrap="square" lIns="6985" tIns="6985" rIns="6985" bIns="6985" numCol="1" spcCol="1270" anchor="ctr" anchorCtr="0">
+          <a:noAutofit/>
+        </a:bodyPr>
+        <a:lstStyle/>
+        <a:p>
+          <a:pPr marL="0" lvl="0" indent="0" algn="ctr" defTabSz="488950">
+            <a:lnSpc>
+              <a:spcPct val="90000"/>
+            </a:lnSpc>
+            <a:spcBef>
+              <a:spcPct val="0"/>
+            </a:spcBef>
+            <a:spcAft>
+              <a:spcPct val="35000"/>
+            </a:spcAft>
+            <a:buNone/>
+          </a:pPr>
+          <a:r>
+            <a:rPr lang="en-US" sz="1100" kern="1200" dirty="0"/>
+            <a:t>has dependency on the data client project, and on the core project</a:t>
+          </a:r>
+        </a:p>
+      </dsp:txBody>
+      <dsp:txXfrm>
+        <a:off x="5601481" y="4924015"/>
+        <a:ext cx="1614256" cy="492151"/>
       </dsp:txXfrm>
     </dsp:sp>
   </dsp:spTree>
@@ -5728,7 +6646,7 @@
           <a:p>
             <a:fld id="{980049F9-8EFC-4863-86F7-72BC36B8E609}" type="datetimeFigureOut">
               <a:rPr lang="en-US" smtClean="0"/>
-              <a:t>8/1/2024</a:t>
+              <a:t>8/3/2024</a:t>
             </a:fld>
             <a:endParaRPr lang="en-US"/>
           </a:p>
@@ -6039,45 +6957,12 @@
           <a:bodyPr/>
           <a:lstStyle/>
           <a:p>
-            <a:pPr marL="228600" indent="-228600">
-              <a:buAutoNum type="arabicPeriod"/>
+            <a:pPr marL="0" indent="0">
+              <a:buNone/>
             </a:pPr>
             <a:r>
               <a:rPr lang="en-US" dirty="0"/>
-              <a:t>The </a:t>
-            </a:r>
-            <a:r>
-              <a:rPr lang="en-US" dirty="0" err="1"/>
-              <a:t>dtos</a:t>
-            </a:r>
-            <a:r>
-              <a:rPr lang="en-US" dirty="0"/>
-              <a:t> and validation in the web project will likely be exactly the same as the </a:t>
-            </a:r>
-            <a:r>
-              <a:rPr lang="en-US" dirty="0" err="1"/>
-              <a:t>dtos</a:t>
-            </a:r>
-            <a:r>
-              <a:rPr lang="en-US" dirty="0"/>
-              <a:t> and validation in the MAUI project; I argue that this code duplication is preferable to ignoring the front end-back end ‘barrier’ by having them share </a:t>
-            </a:r>
-            <a:r>
-              <a:rPr lang="en-US" dirty="0" err="1"/>
-              <a:t>dtos</a:t>
-            </a:r>
-            <a:r>
-              <a:rPr lang="en-US" dirty="0"/>
-              <a:t>, etc.</a:t>
-            </a:r>
-          </a:p>
-          <a:p>
-            <a:pPr marL="228600" indent="-228600">
-              <a:buAutoNum type="arabicPeriod"/>
-            </a:pPr>
-            <a:r>
-              <a:rPr lang="en-US" dirty="0"/>
-              <a:t>The EF database context and entities are in the web project because this is the only place they are needed; otherwise the EF database context and entities would be in a separate ‘infrastructure’ project</a:t>
+              <a:t>The EF database context and entities are in the web project because this is the only place they are needed; otherwise, the EF database context and entities would be in a separate ‘infrastructure’ project</a:t>
             </a:r>
           </a:p>
         </p:txBody>
@@ -6265,7 +7150,7 @@
           <a:p>
             <a:fld id="{4FC46689-75B8-49E9-97DA-7D3AD4C6B7F6}" type="datetimeFigureOut">
               <a:rPr lang="en-US" smtClean="0"/>
-              <a:t>8/1/2024</a:t>
+              <a:t>8/3/2024</a:t>
             </a:fld>
             <a:endParaRPr lang="en-US"/>
           </a:p>
@@ -6463,7 +7348,7 @@
           <a:p>
             <a:fld id="{4FC46689-75B8-49E9-97DA-7D3AD4C6B7F6}" type="datetimeFigureOut">
               <a:rPr lang="en-US" smtClean="0"/>
-              <a:t>8/1/2024</a:t>
+              <a:t>8/3/2024</a:t>
             </a:fld>
             <a:endParaRPr lang="en-US"/>
           </a:p>
@@ -6671,7 +7556,7 @@
           <a:p>
             <a:fld id="{4FC46689-75B8-49E9-97DA-7D3AD4C6B7F6}" type="datetimeFigureOut">
               <a:rPr lang="en-US" smtClean="0"/>
-              <a:t>8/1/2024</a:t>
+              <a:t>8/3/2024</a:t>
             </a:fld>
             <a:endParaRPr lang="en-US"/>
           </a:p>
@@ -6869,7 +7754,7 @@
           <a:p>
             <a:fld id="{4FC46689-75B8-49E9-97DA-7D3AD4C6B7F6}" type="datetimeFigureOut">
               <a:rPr lang="en-US" smtClean="0"/>
-              <a:t>8/1/2024</a:t>
+              <a:t>8/3/2024</a:t>
             </a:fld>
             <a:endParaRPr lang="en-US"/>
           </a:p>
@@ -7144,7 +8029,7 @@
           <a:p>
             <a:fld id="{4FC46689-75B8-49E9-97DA-7D3AD4C6B7F6}" type="datetimeFigureOut">
               <a:rPr lang="en-US" smtClean="0"/>
-              <a:t>8/1/2024</a:t>
+              <a:t>8/3/2024</a:t>
             </a:fld>
             <a:endParaRPr lang="en-US"/>
           </a:p>
@@ -7409,7 +8294,7 @@
           <a:p>
             <a:fld id="{4FC46689-75B8-49E9-97DA-7D3AD4C6B7F6}" type="datetimeFigureOut">
               <a:rPr lang="en-US" smtClean="0"/>
-              <a:t>8/1/2024</a:t>
+              <a:t>8/3/2024</a:t>
             </a:fld>
             <a:endParaRPr lang="en-US"/>
           </a:p>
@@ -7821,7 +8706,7 @@
           <a:p>
             <a:fld id="{4FC46689-75B8-49E9-97DA-7D3AD4C6B7F6}" type="datetimeFigureOut">
               <a:rPr lang="en-US" smtClean="0"/>
-              <a:t>8/1/2024</a:t>
+              <a:t>8/3/2024</a:t>
             </a:fld>
             <a:endParaRPr lang="en-US"/>
           </a:p>
@@ -7962,7 +8847,7 @@
           <a:p>
             <a:fld id="{4FC46689-75B8-49E9-97DA-7D3AD4C6B7F6}" type="datetimeFigureOut">
               <a:rPr lang="en-US" smtClean="0"/>
-              <a:t>8/1/2024</a:t>
+              <a:t>8/3/2024</a:t>
             </a:fld>
             <a:endParaRPr lang="en-US"/>
           </a:p>
@@ -8075,7 +8960,7 @@
           <a:p>
             <a:fld id="{4FC46689-75B8-49E9-97DA-7D3AD4C6B7F6}" type="datetimeFigureOut">
               <a:rPr lang="en-US" smtClean="0"/>
-              <a:t>8/1/2024</a:t>
+              <a:t>8/3/2024</a:t>
             </a:fld>
             <a:endParaRPr lang="en-US"/>
           </a:p>
@@ -8386,7 +9271,7 @@
           <a:p>
             <a:fld id="{4FC46689-75B8-49E9-97DA-7D3AD4C6B7F6}" type="datetimeFigureOut">
               <a:rPr lang="en-US" smtClean="0"/>
-              <a:t>8/1/2024</a:t>
+              <a:t>8/3/2024</a:t>
             </a:fld>
             <a:endParaRPr lang="en-US"/>
           </a:p>
@@ -8674,7 +9559,7 @@
           <a:p>
             <a:fld id="{4FC46689-75B8-49E9-97DA-7D3AD4C6B7F6}" type="datetimeFigureOut">
               <a:rPr lang="en-US" smtClean="0"/>
-              <a:t>8/1/2024</a:t>
+              <a:t>8/3/2024</a:t>
             </a:fld>
             <a:endParaRPr lang="en-US"/>
           </a:p>
@@ -8915,7 +9800,7 @@
           <a:p>
             <a:fld id="{4FC46689-75B8-49E9-97DA-7D3AD4C6B7F6}" type="datetimeFigureOut">
               <a:rPr lang="en-US" smtClean="0"/>
-              <a:t>8/1/2024</a:t>
+              <a:t>8/3/2024</a:t>
             </a:fld>
             <a:endParaRPr lang="en-US"/>
           </a:p>
@@ -9345,7 +10230,7 @@
           <p:nvPr>
             <p:extLst>
               <p:ext uri="{D42A27DB-BD31-4B8C-83A1-F6EECF244321}">
-                <p14:modId xmlns:p14="http://schemas.microsoft.com/office/powerpoint/2010/main" val="2640406438"/>
+                <p14:modId xmlns:p14="http://schemas.microsoft.com/office/powerpoint/2010/main" val="2509491804"/>
               </p:ext>
             </p:extLst>
           </p:nvPr>
